--- a/Week2/Week 2 B_Boom.pptx
+++ b/Week2/Week 2 B_Boom.pptx
@@ -5870,8 +5870,8 @@
         </p:nvSpPr>
         <p:spPr bwMode="auto">
           <a:xfrm>
-            <a:off x="4355230" y="33871"/>
-            <a:ext cx="4769050" cy="6740307"/>
+            <a:off x="3059832" y="1088740"/>
+            <a:ext cx="5992440" cy="5078313"/>
           </a:xfrm>
           <a:prstGeom prst="rect">
             <a:avLst/>
@@ -5931,6 +5931,20 @@
               <a:tabLst/>
             </a:pPr>
             <a:r>
+              <a:rPr kumimoji="0" lang="nl-NL" altLang="nl-NL" sz="900" b="0" i="0" u="none" strike="noStrike" cap="none" normalizeH="0" baseline="0" dirty="0" smtClean="0">
+                <a:ln>
+                  <a:noFill/>
+                </a:ln>
+                <a:solidFill>
+                  <a:srgbClr val="000000"/>
+                </a:solidFill>
+                <a:effectLst/>
+                <a:latin typeface="Courier New" pitchFamily="49" charset="0"/>
+                <a:cs typeface="Courier New" pitchFamily="49" charset="0"/>
+              </a:rPr>
+              <a:t>    </a:t>
+            </a:r>
+            <a:r>
               <a:rPr kumimoji="0" lang="nl-NL" altLang="nl-NL" sz="900" b="1" i="0" u="none" strike="noStrike" cap="none" normalizeH="0" baseline="0" dirty="0" smtClean="0">
                 <a:ln>
                   <a:noFill/>
@@ -5942,7 +5956,34 @@
                 <a:latin typeface="Courier New" pitchFamily="49" charset="0"/>
                 <a:cs typeface="Courier New" pitchFamily="49" charset="0"/>
               </a:rPr>
-              <a:t>public </a:t>
+              <a:t>do</a:t>
+            </a:r>
+            <a:br>
+              <a:rPr kumimoji="0" lang="nl-NL" altLang="nl-NL" sz="900" b="1" i="0" u="none" strike="noStrike" cap="none" normalizeH="0" baseline="0" dirty="0" smtClean="0">
+                <a:ln>
+                  <a:noFill/>
+                </a:ln>
+                <a:solidFill>
+                  <a:srgbClr val="000080"/>
+                </a:solidFill>
+                <a:effectLst/>
+                <a:latin typeface="Courier New" pitchFamily="49" charset="0"/>
+                <a:cs typeface="Courier New" pitchFamily="49" charset="0"/>
+              </a:rPr>
+            </a:br>
+            <a:r>
+              <a:rPr kumimoji="0" lang="nl-NL" altLang="nl-NL" sz="900" b="1" i="0" u="none" strike="noStrike" cap="none" normalizeH="0" baseline="0" dirty="0" smtClean="0">
+                <a:ln>
+                  <a:noFill/>
+                </a:ln>
+                <a:solidFill>
+                  <a:srgbClr val="000080"/>
+                </a:solidFill>
+                <a:effectLst/>
+                <a:latin typeface="Courier New" pitchFamily="49" charset="0"/>
+                <a:cs typeface="Courier New" pitchFamily="49" charset="0"/>
+              </a:rPr>
+              <a:t>    </a:t>
             </a:r>
             <a:r>
               <a:rPr kumimoji="0" lang="nl-NL" altLang="nl-NL" sz="900" b="0" i="0" u="none" strike="noStrike" cap="none" normalizeH="0" baseline="0" dirty="0" smtClean="0">
@@ -5950,111 +5991,13 @@
                   <a:noFill/>
                 </a:ln>
                 <a:solidFill>
-                  <a:srgbClr val="20999D"/>
-                </a:solidFill>
-                <a:effectLst/>
-                <a:latin typeface="Courier New" pitchFamily="49" charset="0"/>
-                <a:cs typeface="Courier New" pitchFamily="49" charset="0"/>
-              </a:rPr>
-              <a:t>V </a:t>
-            </a:r>
-            <a:r>
-              <a:rPr kumimoji="0" lang="nl-NL" altLang="nl-NL" sz="900" b="0" i="0" u="none" strike="noStrike" cap="none" normalizeH="0" baseline="0" dirty="0" smtClean="0">
-                <a:ln>
-                  <a:noFill/>
-                </a:ln>
-                <a:solidFill>
-                  <a:srgbClr val="000000"/>
-                </a:solidFill>
-                <a:effectLst/>
-                <a:latin typeface="Courier New" pitchFamily="49" charset="0"/>
-                <a:cs typeface="Courier New" pitchFamily="49" charset="0"/>
-              </a:rPr>
-              <a:t>put(</a:t>
-            </a:r>
-            <a:r>
-              <a:rPr kumimoji="0" lang="nl-NL" altLang="nl-NL" sz="900" b="0" i="0" u="none" strike="noStrike" cap="none" normalizeH="0" baseline="0" dirty="0" smtClean="0">
-                <a:ln>
-                  <a:noFill/>
-                </a:ln>
-                <a:solidFill>
-                  <a:srgbClr val="20999D"/>
-                </a:solidFill>
-                <a:effectLst/>
-                <a:latin typeface="Courier New" pitchFamily="49" charset="0"/>
-                <a:cs typeface="Courier New" pitchFamily="49" charset="0"/>
-              </a:rPr>
-              <a:t>K </a:t>
-            </a:r>
-            <a:r>
-              <a:rPr kumimoji="0" lang="nl-NL" altLang="nl-NL" sz="900" b="0" i="0" u="none" strike="noStrike" cap="none" normalizeH="0" baseline="0" dirty="0" err="1" smtClean="0">
-                <a:ln>
-                  <a:noFill/>
-                </a:ln>
-                <a:solidFill>
-                  <a:srgbClr val="000000"/>
-                </a:solidFill>
-                <a:effectLst/>
-                <a:latin typeface="Courier New" pitchFamily="49" charset="0"/>
-                <a:cs typeface="Courier New" pitchFamily="49" charset="0"/>
-              </a:rPr>
-              <a:t>key</a:t>
-            </a:r>
-            <a:r>
-              <a:rPr kumimoji="0" lang="nl-NL" altLang="nl-NL" sz="900" b="0" i="0" u="none" strike="noStrike" cap="none" normalizeH="0" baseline="0" dirty="0" smtClean="0">
-                <a:ln>
-                  <a:noFill/>
-                </a:ln>
-                <a:solidFill>
-                  <a:srgbClr val="000000"/>
-                </a:solidFill>
-                <a:effectLst/>
-                <a:latin typeface="Courier New" pitchFamily="49" charset="0"/>
-                <a:cs typeface="Courier New" pitchFamily="49" charset="0"/>
-              </a:rPr>
-              <a:t>, </a:t>
-            </a:r>
-            <a:r>
-              <a:rPr kumimoji="0" lang="nl-NL" altLang="nl-NL" sz="900" b="0" i="0" u="none" strike="noStrike" cap="none" normalizeH="0" baseline="0" dirty="0" smtClean="0">
-                <a:ln>
-                  <a:noFill/>
-                </a:ln>
-                <a:solidFill>
-                  <a:srgbClr val="20999D"/>
-                </a:solidFill>
-                <a:effectLst/>
-                <a:latin typeface="Courier New" pitchFamily="49" charset="0"/>
-                <a:cs typeface="Courier New" pitchFamily="49" charset="0"/>
-              </a:rPr>
-              <a:t>V </a:t>
-            </a:r>
-            <a:r>
-              <a:rPr kumimoji="0" lang="nl-NL" altLang="nl-NL" sz="900" b="0" i="0" u="none" strike="noStrike" cap="none" normalizeH="0" baseline="0" dirty="0" err="1" smtClean="0">
-                <a:ln>
-                  <a:noFill/>
-                </a:ln>
-                <a:solidFill>
-                  <a:srgbClr val="000000"/>
-                </a:solidFill>
-                <a:effectLst/>
-                <a:latin typeface="Courier New" pitchFamily="49" charset="0"/>
-                <a:cs typeface="Courier New" pitchFamily="49" charset="0"/>
-              </a:rPr>
-              <a:t>value</a:t>
-            </a:r>
-            <a:r>
-              <a:rPr kumimoji="0" lang="nl-NL" altLang="nl-NL" sz="900" b="0" i="0" u="none" strike="noStrike" cap="none" normalizeH="0" baseline="0" dirty="0" smtClean="0">
-                <a:ln>
-                  <a:noFill/>
-                </a:ln>
-                <a:solidFill>
-                  <a:srgbClr val="000000"/>
-                </a:solidFill>
-                <a:effectLst/>
-                <a:latin typeface="Courier New" pitchFamily="49" charset="0"/>
-                <a:cs typeface="Courier New" pitchFamily="49" charset="0"/>
-              </a:rPr>
-              <a:t>)</a:t>
+                  <a:srgbClr val="000000"/>
+                </a:solidFill>
+                <a:effectLst/>
+                <a:latin typeface="Courier New" pitchFamily="49" charset="0"/>
+                <a:cs typeface="Courier New" pitchFamily="49" charset="0"/>
+              </a:rPr>
+              <a:t>{</a:t>
             </a:r>
             <a:br>
               <a:rPr kumimoji="0" lang="nl-NL" altLang="nl-NL" sz="900" b="0" i="0" u="none" strike="noStrike" cap="none" normalizeH="0" baseline="0" dirty="0" smtClean="0">
@@ -6081,7 +6024,7 @@
                 <a:latin typeface="Courier New" pitchFamily="49" charset="0"/>
                 <a:cs typeface="Courier New" pitchFamily="49" charset="0"/>
               </a:rPr>
-              <a:t>{</a:t>
+              <a:t>        tree = next;</a:t>
             </a:r>
             <a:br>
               <a:rPr kumimoji="0" lang="nl-NL" altLang="nl-NL" sz="900" b="0" i="0" u="none" strike="noStrike" cap="none" normalizeH="0" baseline="0" dirty="0" smtClean="0">
@@ -6108,7 +6051,49 @@
                 <a:latin typeface="Courier New" pitchFamily="49" charset="0"/>
                 <a:cs typeface="Courier New" pitchFamily="49" charset="0"/>
               </a:rPr>
-              <a:t>    </a:t>
+              <a:t>        </a:t>
+            </a:r>
+            <a:r>
+              <a:rPr kumimoji="0" lang="nl-NL" altLang="nl-NL" sz="900" b="1" i="0" u="none" strike="noStrike" cap="none" normalizeH="0" baseline="0" dirty="0" err="1" smtClean="0">
+                <a:ln>
+                  <a:noFill/>
+                </a:ln>
+                <a:solidFill>
+                  <a:srgbClr val="000080"/>
+                </a:solidFill>
+                <a:effectLst/>
+                <a:latin typeface="Courier New" pitchFamily="49" charset="0"/>
+                <a:cs typeface="Courier New" pitchFamily="49" charset="0"/>
+              </a:rPr>
+              <a:t>if</a:t>
+            </a:r>
+            <a:r>
+              <a:rPr kumimoji="0" lang="nl-NL" altLang="nl-NL" sz="900" b="1" i="0" u="none" strike="noStrike" cap="none" normalizeH="0" baseline="0" dirty="0" smtClean="0">
+                <a:ln>
+                  <a:noFill/>
+                </a:ln>
+                <a:solidFill>
+                  <a:srgbClr val="000080"/>
+                </a:solidFill>
+                <a:effectLst/>
+                <a:latin typeface="Courier New" pitchFamily="49" charset="0"/>
+                <a:cs typeface="Courier New" pitchFamily="49" charset="0"/>
+              </a:rPr>
+              <a:t> </a:t>
+            </a:r>
+            <a:r>
+              <a:rPr kumimoji="0" lang="nl-NL" altLang="nl-NL" sz="900" b="0" i="0" u="none" strike="noStrike" cap="none" normalizeH="0" baseline="0" dirty="0" smtClean="0">
+                <a:ln>
+                  <a:noFill/>
+                </a:ln>
+                <a:solidFill>
+                  <a:srgbClr val="000000"/>
+                </a:solidFill>
+                <a:effectLst/>
+                <a:latin typeface="Courier New" pitchFamily="49" charset="0"/>
+                <a:cs typeface="Courier New" pitchFamily="49" charset="0"/>
+              </a:rPr>
+              <a:t>(</a:t>
             </a:r>
             <a:r>
               <a:rPr kumimoji="0" lang="nl-NL" altLang="nl-NL" sz="900" b="0" i="0" u="none" strike="noStrike" cap="none" normalizeH="0" baseline="0" dirty="0" err="1" smtClean="0">
@@ -6122,7 +6107,7 @@
                 <a:latin typeface="Courier New" pitchFamily="49" charset="0"/>
                 <a:cs typeface="Courier New" pitchFamily="49" charset="0"/>
               </a:rPr>
-              <a:t>BTree</a:t>
+              <a:t>tree.hasKeyInNodes</a:t>
             </a:r>
             <a:r>
               <a:rPr kumimoji="0" lang="nl-NL" altLang="nl-NL" sz="900" b="0" i="0" u="none" strike="noStrike" cap="none" normalizeH="0" baseline="0" dirty="0" smtClean="0">
@@ -6136,7 +6121,21 @@
                 <a:latin typeface="Courier New" pitchFamily="49" charset="0"/>
                 <a:cs typeface="Courier New" pitchFamily="49" charset="0"/>
               </a:rPr>
-              <a:t>&lt;</a:t>
+              <a:t>(</a:t>
+            </a:r>
+            <a:r>
+              <a:rPr kumimoji="0" lang="nl-NL" altLang="nl-NL" sz="900" b="0" i="0" u="none" strike="noStrike" cap="none" normalizeH="0" baseline="0" dirty="0" err="1" smtClean="0">
+                <a:ln>
+                  <a:noFill/>
+                </a:ln>
+                <a:solidFill>
+                  <a:srgbClr val="000000"/>
+                </a:solidFill>
+                <a:effectLst/>
+                <a:latin typeface="Courier New" pitchFamily="49" charset="0"/>
+                <a:cs typeface="Courier New" pitchFamily="49" charset="0"/>
+              </a:rPr>
+              <a:t>key</a:t>
             </a:r>
             <a:r>
               <a:rPr kumimoji="0" lang="nl-NL" altLang="nl-NL" sz="900" b="0" i="0" u="none" strike="noStrike" cap="none" normalizeH="0" baseline="0" dirty="0" smtClean="0">
@@ -6144,83 +6143,13 @@
                   <a:noFill/>
                 </a:ln>
                 <a:solidFill>
-                  <a:srgbClr val="20999D"/>
-                </a:solidFill>
-                <a:effectLst/>
-                <a:latin typeface="Courier New" pitchFamily="49" charset="0"/>
-                <a:cs typeface="Courier New" pitchFamily="49" charset="0"/>
-              </a:rPr>
-              <a:t>K</a:t>
-            </a:r>
-            <a:r>
-              <a:rPr kumimoji="0" lang="nl-NL" altLang="nl-NL" sz="900" b="0" i="0" u="none" strike="noStrike" cap="none" normalizeH="0" baseline="0" dirty="0" smtClean="0">
-                <a:ln>
-                  <a:noFill/>
-                </a:ln>
-                <a:solidFill>
-                  <a:srgbClr val="000000"/>
-                </a:solidFill>
-                <a:effectLst/>
-                <a:latin typeface="Courier New" pitchFamily="49" charset="0"/>
-                <a:cs typeface="Courier New" pitchFamily="49" charset="0"/>
-              </a:rPr>
-              <a:t>, </a:t>
-            </a:r>
-            <a:r>
-              <a:rPr kumimoji="0" lang="nl-NL" altLang="nl-NL" sz="900" b="0" i="0" u="none" strike="noStrike" cap="none" normalizeH="0" baseline="0" dirty="0" smtClean="0">
-                <a:ln>
-                  <a:noFill/>
-                </a:ln>
-                <a:solidFill>
-                  <a:srgbClr val="20999D"/>
-                </a:solidFill>
-                <a:effectLst/>
-                <a:latin typeface="Courier New" pitchFamily="49" charset="0"/>
-                <a:cs typeface="Courier New" pitchFamily="49" charset="0"/>
-              </a:rPr>
-              <a:t>V</a:t>
-            </a:r>
-            <a:r>
-              <a:rPr kumimoji="0" lang="nl-NL" altLang="nl-NL" sz="900" b="0" i="0" u="none" strike="noStrike" cap="none" normalizeH="0" baseline="0" dirty="0" smtClean="0">
-                <a:ln>
-                  <a:noFill/>
-                </a:ln>
-                <a:solidFill>
-                  <a:srgbClr val="000000"/>
-                </a:solidFill>
-                <a:effectLst/>
-                <a:latin typeface="Courier New" pitchFamily="49" charset="0"/>
-                <a:cs typeface="Courier New" pitchFamily="49" charset="0"/>
-              </a:rPr>
-              <a:t>&gt; next = </a:t>
-            </a:r>
-            <a:r>
-              <a:rPr kumimoji="0" lang="nl-NL" altLang="nl-NL" sz="900" b="1" i="0" u="none" strike="noStrike" cap="none" normalizeH="0" baseline="0" dirty="0" err="1" smtClean="0">
-                <a:ln>
-                  <a:noFill/>
-                </a:ln>
-                <a:solidFill>
-                  <a:srgbClr val="000080"/>
-                </a:solidFill>
-                <a:effectLst/>
-                <a:latin typeface="Courier New" pitchFamily="49" charset="0"/>
-                <a:cs typeface="Courier New" pitchFamily="49" charset="0"/>
-              </a:rPr>
-              <a:t>this</a:t>
-            </a:r>
-            <a:r>
-              <a:rPr kumimoji="0" lang="nl-NL" altLang="nl-NL" sz="900" b="0" i="0" u="none" strike="noStrike" cap="none" normalizeH="0" baseline="0" dirty="0" smtClean="0">
-                <a:ln>
-                  <a:noFill/>
-                </a:ln>
-                <a:solidFill>
-                  <a:srgbClr val="000000"/>
-                </a:solidFill>
-                <a:effectLst/>
-                <a:latin typeface="Courier New" pitchFamily="49" charset="0"/>
-                <a:cs typeface="Courier New" pitchFamily="49" charset="0"/>
-              </a:rPr>
-              <a:t>;</a:t>
+                  <a:srgbClr val="000000"/>
+                </a:solidFill>
+                <a:effectLst/>
+                <a:latin typeface="Courier New" pitchFamily="49" charset="0"/>
+                <a:cs typeface="Courier New" pitchFamily="49" charset="0"/>
+              </a:rPr>
+              <a:t>))</a:t>
             </a:r>
             <a:br>
               <a:rPr kumimoji="0" lang="nl-NL" altLang="nl-NL" sz="900" b="0" i="0" u="none" strike="noStrike" cap="none" normalizeH="0" baseline="0" dirty="0" smtClean="0">
@@ -6247,91 +6176,7 @@
                 <a:latin typeface="Courier New" pitchFamily="49" charset="0"/>
                 <a:cs typeface="Courier New" pitchFamily="49" charset="0"/>
               </a:rPr>
-              <a:t>    </a:t>
-            </a:r>
-            <a:r>
-              <a:rPr kumimoji="0" lang="nl-NL" altLang="nl-NL" sz="900" b="0" i="0" u="none" strike="noStrike" cap="none" normalizeH="0" baseline="0" dirty="0" err="1" smtClean="0">
-                <a:ln>
-                  <a:noFill/>
-                </a:ln>
-                <a:solidFill>
-                  <a:srgbClr val="000000"/>
-                </a:solidFill>
-                <a:effectLst/>
-                <a:latin typeface="Courier New" pitchFamily="49" charset="0"/>
-                <a:cs typeface="Courier New" pitchFamily="49" charset="0"/>
-              </a:rPr>
-              <a:t>BTree</a:t>
-            </a:r>
-            <a:r>
-              <a:rPr kumimoji="0" lang="nl-NL" altLang="nl-NL" sz="900" b="0" i="0" u="none" strike="noStrike" cap="none" normalizeH="0" baseline="0" dirty="0" smtClean="0">
-                <a:ln>
-                  <a:noFill/>
-                </a:ln>
-                <a:solidFill>
-                  <a:srgbClr val="000000"/>
-                </a:solidFill>
-                <a:effectLst/>
-                <a:latin typeface="Courier New" pitchFamily="49" charset="0"/>
-                <a:cs typeface="Courier New" pitchFamily="49" charset="0"/>
-              </a:rPr>
-              <a:t>&lt;</a:t>
-            </a:r>
-            <a:r>
-              <a:rPr kumimoji="0" lang="nl-NL" altLang="nl-NL" sz="900" b="0" i="0" u="none" strike="noStrike" cap="none" normalizeH="0" baseline="0" dirty="0" smtClean="0">
-                <a:ln>
-                  <a:noFill/>
-                </a:ln>
-                <a:solidFill>
-                  <a:srgbClr val="20999D"/>
-                </a:solidFill>
-                <a:effectLst/>
-                <a:latin typeface="Courier New" pitchFamily="49" charset="0"/>
-                <a:cs typeface="Courier New" pitchFamily="49" charset="0"/>
-              </a:rPr>
-              <a:t>K</a:t>
-            </a:r>
-            <a:r>
-              <a:rPr kumimoji="0" lang="nl-NL" altLang="nl-NL" sz="900" b="0" i="0" u="none" strike="noStrike" cap="none" normalizeH="0" baseline="0" dirty="0" smtClean="0">
-                <a:ln>
-                  <a:noFill/>
-                </a:ln>
-                <a:solidFill>
-                  <a:srgbClr val="000000"/>
-                </a:solidFill>
-                <a:effectLst/>
-                <a:latin typeface="Courier New" pitchFamily="49" charset="0"/>
-                <a:cs typeface="Courier New" pitchFamily="49" charset="0"/>
-              </a:rPr>
-              <a:t>, </a:t>
-            </a:r>
-            <a:r>
-              <a:rPr kumimoji="0" lang="nl-NL" altLang="nl-NL" sz="900" b="0" i="0" u="none" strike="noStrike" cap="none" normalizeH="0" baseline="0" dirty="0" smtClean="0">
-                <a:ln>
-                  <a:noFill/>
-                </a:ln>
-                <a:solidFill>
-                  <a:srgbClr val="20999D"/>
-                </a:solidFill>
-                <a:effectLst/>
-                <a:latin typeface="Courier New" pitchFamily="49" charset="0"/>
-                <a:cs typeface="Courier New" pitchFamily="49" charset="0"/>
-              </a:rPr>
-              <a:t>V</a:t>
-            </a:r>
-            <a:r>
-              <a:rPr kumimoji="0" lang="nl-NL" altLang="nl-NL" sz="900" b="0" i="0" u="none" strike="noStrike" cap="none" normalizeH="0" baseline="0" dirty="0" smtClean="0">
-                <a:ln>
-                  <a:noFill/>
-                </a:ln>
-                <a:solidFill>
-                  <a:srgbClr val="000000"/>
-                </a:solidFill>
-                <a:effectLst/>
-                <a:latin typeface="Courier New" pitchFamily="49" charset="0"/>
-                <a:cs typeface="Courier New" pitchFamily="49" charset="0"/>
-              </a:rPr>
-              <a:t>&gt; tree;</a:t>
+              <a:t>        {</a:t>
             </a:r>
             <a:br>
               <a:rPr kumimoji="0" lang="nl-NL" altLang="nl-NL" sz="900" b="0" i="0" u="none" strike="noStrike" cap="none" normalizeH="0" baseline="0" dirty="0" smtClean="0">
@@ -6358,7 +6203,7 @@
                 <a:latin typeface="Courier New" pitchFamily="49" charset="0"/>
                 <a:cs typeface="Courier New" pitchFamily="49" charset="0"/>
               </a:rPr>
-              <a:t>    </a:t>
+              <a:t>            </a:t>
             </a:r>
             <a:r>
               <a:rPr kumimoji="0" lang="nl-NL" altLang="nl-NL" sz="900" b="1" i="0" u="none" strike="noStrike" cap="none" normalizeH="0" baseline="0" dirty="0" smtClean="0">
@@ -6372,7 +6217,2215 @@
                 <a:latin typeface="Courier New" pitchFamily="49" charset="0"/>
                 <a:cs typeface="Courier New" pitchFamily="49" charset="0"/>
               </a:rPr>
-              <a:t>do</a:t>
+              <a:t>return </a:t>
+            </a:r>
+            <a:r>
+              <a:rPr kumimoji="0" lang="nl-NL" altLang="nl-NL" sz="900" b="0" i="0" u="none" strike="noStrike" cap="none" normalizeH="0" baseline="0" dirty="0" err="1" smtClean="0">
+                <a:ln>
+                  <a:noFill/>
+                </a:ln>
+                <a:solidFill>
+                  <a:srgbClr val="000000"/>
+                </a:solidFill>
+                <a:effectLst/>
+                <a:latin typeface="Courier New" pitchFamily="49" charset="0"/>
+                <a:cs typeface="Courier New" pitchFamily="49" charset="0"/>
+              </a:rPr>
+              <a:t>tree.getPair</a:t>
+            </a:r>
+            <a:r>
+              <a:rPr kumimoji="0" lang="nl-NL" altLang="nl-NL" sz="900" b="0" i="0" u="none" strike="noStrike" cap="none" normalizeH="0" baseline="0" dirty="0" smtClean="0">
+                <a:ln>
+                  <a:noFill/>
+                </a:ln>
+                <a:solidFill>
+                  <a:srgbClr val="000000"/>
+                </a:solidFill>
+                <a:effectLst/>
+                <a:latin typeface="Courier New" pitchFamily="49" charset="0"/>
+                <a:cs typeface="Courier New" pitchFamily="49" charset="0"/>
+              </a:rPr>
+              <a:t>(</a:t>
+            </a:r>
+            <a:r>
+              <a:rPr kumimoji="0" lang="nl-NL" altLang="nl-NL" sz="900" b="0" i="0" u="none" strike="noStrike" cap="none" normalizeH="0" baseline="0" dirty="0" err="1" smtClean="0">
+                <a:ln>
+                  <a:noFill/>
+                </a:ln>
+                <a:solidFill>
+                  <a:srgbClr val="000000"/>
+                </a:solidFill>
+                <a:effectLst/>
+                <a:latin typeface="Courier New" pitchFamily="49" charset="0"/>
+                <a:cs typeface="Courier New" pitchFamily="49" charset="0"/>
+              </a:rPr>
+              <a:t>key</a:t>
+            </a:r>
+            <a:r>
+              <a:rPr kumimoji="0" lang="nl-NL" altLang="nl-NL" sz="900" b="0" i="0" u="none" strike="noStrike" cap="none" normalizeH="0" baseline="0" dirty="0" smtClean="0">
+                <a:ln>
+                  <a:noFill/>
+                </a:ln>
+                <a:solidFill>
+                  <a:srgbClr val="000000"/>
+                </a:solidFill>
+                <a:effectLst/>
+                <a:latin typeface="Courier New" pitchFamily="49" charset="0"/>
+                <a:cs typeface="Courier New" pitchFamily="49" charset="0"/>
+              </a:rPr>
+              <a:t>).</a:t>
+            </a:r>
+            <a:r>
+              <a:rPr kumimoji="0" lang="nl-NL" altLang="nl-NL" sz="900" b="0" i="0" u="none" strike="noStrike" cap="none" normalizeH="0" baseline="0" dirty="0" err="1" smtClean="0">
+                <a:ln>
+                  <a:noFill/>
+                </a:ln>
+                <a:solidFill>
+                  <a:srgbClr val="000000"/>
+                </a:solidFill>
+                <a:effectLst/>
+                <a:latin typeface="Courier New" pitchFamily="49" charset="0"/>
+                <a:cs typeface="Courier New" pitchFamily="49" charset="0"/>
+              </a:rPr>
+              <a:t>setValue</a:t>
+            </a:r>
+            <a:r>
+              <a:rPr kumimoji="0" lang="nl-NL" altLang="nl-NL" sz="900" b="0" i="0" u="none" strike="noStrike" cap="none" normalizeH="0" baseline="0" dirty="0" smtClean="0">
+                <a:ln>
+                  <a:noFill/>
+                </a:ln>
+                <a:solidFill>
+                  <a:srgbClr val="000000"/>
+                </a:solidFill>
+                <a:effectLst/>
+                <a:latin typeface="Courier New" pitchFamily="49" charset="0"/>
+                <a:cs typeface="Courier New" pitchFamily="49" charset="0"/>
+              </a:rPr>
+              <a:t>(</a:t>
+            </a:r>
+            <a:r>
+              <a:rPr kumimoji="0" lang="nl-NL" altLang="nl-NL" sz="900" b="0" i="0" u="none" strike="noStrike" cap="none" normalizeH="0" baseline="0" dirty="0" err="1" smtClean="0">
+                <a:ln>
+                  <a:noFill/>
+                </a:ln>
+                <a:solidFill>
+                  <a:srgbClr val="000000"/>
+                </a:solidFill>
+                <a:effectLst/>
+                <a:latin typeface="Courier New" pitchFamily="49" charset="0"/>
+                <a:cs typeface="Courier New" pitchFamily="49" charset="0"/>
+              </a:rPr>
+              <a:t>value</a:t>
+            </a:r>
+            <a:r>
+              <a:rPr kumimoji="0" lang="nl-NL" altLang="nl-NL" sz="900" b="0" i="0" u="none" strike="noStrike" cap="none" normalizeH="0" baseline="0" dirty="0" smtClean="0">
+                <a:ln>
+                  <a:noFill/>
+                </a:ln>
+                <a:solidFill>
+                  <a:srgbClr val="000000"/>
+                </a:solidFill>
+                <a:effectLst/>
+                <a:latin typeface="Courier New" pitchFamily="49" charset="0"/>
+                <a:cs typeface="Courier New" pitchFamily="49" charset="0"/>
+              </a:rPr>
+              <a:t>);</a:t>
+            </a:r>
+            <a:br>
+              <a:rPr kumimoji="0" lang="nl-NL" altLang="nl-NL" sz="900" b="0" i="0" u="none" strike="noStrike" cap="none" normalizeH="0" baseline="0" dirty="0" smtClean="0">
+                <a:ln>
+                  <a:noFill/>
+                </a:ln>
+                <a:solidFill>
+                  <a:srgbClr val="000000"/>
+                </a:solidFill>
+                <a:effectLst/>
+                <a:latin typeface="Courier New" pitchFamily="49" charset="0"/>
+                <a:cs typeface="Courier New" pitchFamily="49" charset="0"/>
+              </a:rPr>
+            </a:br>
+            <a:r>
+              <a:rPr kumimoji="0" lang="nl-NL" altLang="nl-NL" sz="900" b="0" i="0" u="none" strike="noStrike" cap="none" normalizeH="0" baseline="0" dirty="0" smtClean="0">
+                <a:ln>
+                  <a:noFill/>
+                </a:ln>
+                <a:solidFill>
+                  <a:srgbClr val="000000"/>
+                </a:solidFill>
+                <a:effectLst/>
+                <a:latin typeface="Courier New" pitchFamily="49" charset="0"/>
+                <a:cs typeface="Courier New" pitchFamily="49" charset="0"/>
+              </a:rPr>
+              <a:t>        } </a:t>
+            </a:r>
+            <a:r>
+              <a:rPr kumimoji="0" lang="nl-NL" altLang="nl-NL" sz="900" b="1" i="0" u="none" strike="noStrike" cap="none" normalizeH="0" baseline="0" dirty="0" err="1" smtClean="0">
+                <a:ln>
+                  <a:noFill/>
+                </a:ln>
+                <a:solidFill>
+                  <a:srgbClr val="000080"/>
+                </a:solidFill>
+                <a:effectLst/>
+                <a:latin typeface="Courier New" pitchFamily="49" charset="0"/>
+                <a:cs typeface="Courier New" pitchFamily="49" charset="0"/>
+              </a:rPr>
+              <a:t>else</a:t>
+            </a:r>
+            <a:r>
+              <a:rPr kumimoji="0" lang="nl-NL" altLang="nl-NL" sz="900" b="1" i="0" u="none" strike="noStrike" cap="none" normalizeH="0" baseline="0" dirty="0" smtClean="0">
+                <a:ln>
+                  <a:noFill/>
+                </a:ln>
+                <a:solidFill>
+                  <a:srgbClr val="000080"/>
+                </a:solidFill>
+                <a:effectLst/>
+                <a:latin typeface="Courier New" pitchFamily="49" charset="0"/>
+                <a:cs typeface="Courier New" pitchFamily="49" charset="0"/>
+              </a:rPr>
+              <a:t> </a:t>
+            </a:r>
+            <a:r>
+              <a:rPr kumimoji="0" lang="nl-NL" altLang="nl-NL" sz="900" b="1" i="0" u="none" strike="noStrike" cap="none" normalizeH="0" baseline="0" dirty="0" err="1" smtClean="0">
+                <a:ln>
+                  <a:noFill/>
+                </a:ln>
+                <a:solidFill>
+                  <a:srgbClr val="000080"/>
+                </a:solidFill>
+                <a:effectLst/>
+                <a:latin typeface="Courier New" pitchFamily="49" charset="0"/>
+                <a:cs typeface="Courier New" pitchFamily="49" charset="0"/>
+              </a:rPr>
+              <a:t>if</a:t>
+            </a:r>
+            <a:r>
+              <a:rPr kumimoji="0" lang="nl-NL" altLang="nl-NL" sz="900" b="1" i="0" u="none" strike="noStrike" cap="none" normalizeH="0" baseline="0" dirty="0" smtClean="0">
+                <a:ln>
+                  <a:noFill/>
+                </a:ln>
+                <a:solidFill>
+                  <a:srgbClr val="000080"/>
+                </a:solidFill>
+                <a:effectLst/>
+                <a:latin typeface="Courier New" pitchFamily="49" charset="0"/>
+                <a:cs typeface="Courier New" pitchFamily="49" charset="0"/>
+              </a:rPr>
+              <a:t> </a:t>
+            </a:r>
+            <a:r>
+              <a:rPr kumimoji="0" lang="nl-NL" altLang="nl-NL" sz="900" b="0" i="0" u="none" strike="noStrike" cap="none" normalizeH="0" baseline="0" dirty="0" smtClean="0">
+                <a:ln>
+                  <a:noFill/>
+                </a:ln>
+                <a:solidFill>
+                  <a:srgbClr val="000000"/>
+                </a:solidFill>
+                <a:effectLst/>
+                <a:latin typeface="Courier New" pitchFamily="49" charset="0"/>
+                <a:cs typeface="Courier New" pitchFamily="49" charset="0"/>
+              </a:rPr>
+              <a:t>(</a:t>
+            </a:r>
+            <a:r>
+              <a:rPr kumimoji="0" lang="nl-NL" altLang="nl-NL" sz="900" b="0" i="0" u="none" strike="noStrike" cap="none" normalizeH="0" baseline="0" dirty="0" err="1" smtClean="0">
+                <a:ln>
+                  <a:noFill/>
+                </a:ln>
+                <a:solidFill>
+                  <a:srgbClr val="000000"/>
+                </a:solidFill>
+                <a:effectLst/>
+                <a:latin typeface="Courier New" pitchFamily="49" charset="0"/>
+                <a:cs typeface="Courier New" pitchFamily="49" charset="0"/>
+              </a:rPr>
+              <a:t>tree.</a:t>
+            </a:r>
+            <a:r>
+              <a:rPr kumimoji="0" lang="nl-NL" altLang="nl-NL" sz="900" b="1" i="0" u="none" strike="noStrike" cap="none" normalizeH="0" baseline="0" dirty="0" err="1" smtClean="0">
+                <a:ln>
+                  <a:noFill/>
+                </a:ln>
+                <a:solidFill>
+                  <a:srgbClr val="660E7A"/>
+                </a:solidFill>
+                <a:effectLst/>
+                <a:latin typeface="Courier New" pitchFamily="49" charset="0"/>
+                <a:cs typeface="Courier New" pitchFamily="49" charset="0"/>
+              </a:rPr>
+              <a:t>nodes</a:t>
+            </a:r>
+            <a:r>
+              <a:rPr kumimoji="0" lang="nl-NL" altLang="nl-NL" sz="900" b="0" i="0" u="none" strike="noStrike" cap="none" normalizeH="0" baseline="0" dirty="0" err="1" smtClean="0">
+                <a:ln>
+                  <a:noFill/>
+                </a:ln>
+                <a:solidFill>
+                  <a:srgbClr val="000000"/>
+                </a:solidFill>
+                <a:effectLst/>
+                <a:latin typeface="Courier New" pitchFamily="49" charset="0"/>
+                <a:cs typeface="Courier New" pitchFamily="49" charset="0"/>
+              </a:rPr>
+              <a:t>.size</a:t>
+            </a:r>
+            <a:r>
+              <a:rPr kumimoji="0" lang="nl-NL" altLang="nl-NL" sz="900" b="0" i="0" u="none" strike="noStrike" cap="none" normalizeH="0" baseline="0" dirty="0" smtClean="0">
+                <a:ln>
+                  <a:noFill/>
+                </a:ln>
+                <a:solidFill>
+                  <a:srgbClr val="000000"/>
+                </a:solidFill>
+                <a:effectLst/>
+                <a:latin typeface="Courier New" pitchFamily="49" charset="0"/>
+                <a:cs typeface="Courier New" pitchFamily="49" charset="0"/>
+              </a:rPr>
+              <a:t>() &lt; </a:t>
+            </a:r>
+            <a:r>
+              <a:rPr kumimoji="0" lang="nl-NL" altLang="nl-NL" sz="900" b="1" i="0" u="none" strike="noStrike" cap="none" normalizeH="0" baseline="0" dirty="0" err="1" smtClean="0">
+                <a:ln>
+                  <a:noFill/>
+                </a:ln>
+                <a:solidFill>
+                  <a:srgbClr val="660E7A"/>
+                </a:solidFill>
+                <a:effectLst/>
+                <a:latin typeface="Courier New" pitchFamily="49" charset="0"/>
+                <a:cs typeface="Courier New" pitchFamily="49" charset="0"/>
+              </a:rPr>
+              <a:t>nodeSize</a:t>
+            </a:r>
+            <a:r>
+              <a:rPr kumimoji="0" lang="nl-NL" altLang="nl-NL" sz="900" b="0" i="0" u="none" strike="noStrike" cap="none" normalizeH="0" baseline="0" dirty="0" smtClean="0">
+                <a:ln>
+                  <a:noFill/>
+                </a:ln>
+                <a:solidFill>
+                  <a:srgbClr val="000000"/>
+                </a:solidFill>
+                <a:effectLst/>
+                <a:latin typeface="Courier New" pitchFamily="49" charset="0"/>
+                <a:cs typeface="Courier New" pitchFamily="49" charset="0"/>
+              </a:rPr>
+              <a:t>)</a:t>
+            </a:r>
+            <a:br>
+              <a:rPr kumimoji="0" lang="nl-NL" altLang="nl-NL" sz="900" b="0" i="0" u="none" strike="noStrike" cap="none" normalizeH="0" baseline="0" dirty="0" smtClean="0">
+                <a:ln>
+                  <a:noFill/>
+                </a:ln>
+                <a:solidFill>
+                  <a:srgbClr val="000000"/>
+                </a:solidFill>
+                <a:effectLst/>
+                <a:latin typeface="Courier New" pitchFamily="49" charset="0"/>
+                <a:cs typeface="Courier New" pitchFamily="49" charset="0"/>
+              </a:rPr>
+            </a:br>
+            <a:r>
+              <a:rPr kumimoji="0" lang="nl-NL" altLang="nl-NL" sz="900" b="0" i="0" u="none" strike="noStrike" cap="none" normalizeH="0" baseline="0" dirty="0" smtClean="0">
+                <a:ln>
+                  <a:noFill/>
+                </a:ln>
+                <a:solidFill>
+                  <a:srgbClr val="000000"/>
+                </a:solidFill>
+                <a:effectLst/>
+                <a:latin typeface="Courier New" pitchFamily="49" charset="0"/>
+                <a:cs typeface="Courier New" pitchFamily="49" charset="0"/>
+              </a:rPr>
+              <a:t>        {</a:t>
+            </a:r>
+            <a:br>
+              <a:rPr kumimoji="0" lang="nl-NL" altLang="nl-NL" sz="900" b="0" i="0" u="none" strike="noStrike" cap="none" normalizeH="0" baseline="0" dirty="0" smtClean="0">
+                <a:ln>
+                  <a:noFill/>
+                </a:ln>
+                <a:solidFill>
+                  <a:srgbClr val="000000"/>
+                </a:solidFill>
+                <a:effectLst/>
+                <a:latin typeface="Courier New" pitchFamily="49" charset="0"/>
+                <a:cs typeface="Courier New" pitchFamily="49" charset="0"/>
+              </a:rPr>
+            </a:br>
+            <a:r>
+              <a:rPr kumimoji="0" lang="nl-NL" altLang="nl-NL" sz="900" b="0" i="0" u="none" strike="noStrike" cap="none" normalizeH="0" baseline="0" dirty="0" smtClean="0">
+                <a:ln>
+                  <a:noFill/>
+                </a:ln>
+                <a:solidFill>
+                  <a:srgbClr val="000000"/>
+                </a:solidFill>
+                <a:effectLst/>
+                <a:latin typeface="Courier New" pitchFamily="49" charset="0"/>
+                <a:cs typeface="Courier New" pitchFamily="49" charset="0"/>
+              </a:rPr>
+              <a:t>            </a:t>
+            </a:r>
+            <a:r>
+              <a:rPr kumimoji="0" lang="nl-NL" altLang="nl-NL" sz="900" b="1" i="0" u="none" strike="noStrike" cap="none" normalizeH="0" baseline="0" dirty="0" err="1" smtClean="0">
+                <a:ln>
+                  <a:noFill/>
+                </a:ln>
+                <a:solidFill>
+                  <a:srgbClr val="000080"/>
+                </a:solidFill>
+                <a:effectLst/>
+                <a:latin typeface="Courier New" pitchFamily="49" charset="0"/>
+                <a:cs typeface="Courier New" pitchFamily="49" charset="0"/>
+              </a:rPr>
+              <a:t>if</a:t>
+            </a:r>
+            <a:r>
+              <a:rPr kumimoji="0" lang="nl-NL" altLang="nl-NL" sz="900" b="1" i="0" u="none" strike="noStrike" cap="none" normalizeH="0" baseline="0" dirty="0" smtClean="0">
+                <a:ln>
+                  <a:noFill/>
+                </a:ln>
+                <a:solidFill>
+                  <a:srgbClr val="000080"/>
+                </a:solidFill>
+                <a:effectLst/>
+                <a:latin typeface="Courier New" pitchFamily="49" charset="0"/>
+                <a:cs typeface="Courier New" pitchFamily="49" charset="0"/>
+              </a:rPr>
+              <a:t> </a:t>
+            </a:r>
+            <a:r>
+              <a:rPr kumimoji="0" lang="nl-NL" altLang="nl-NL" sz="900" b="0" i="0" u="none" strike="noStrike" cap="none" normalizeH="0" baseline="0" dirty="0" smtClean="0">
+                <a:ln>
+                  <a:noFill/>
+                </a:ln>
+                <a:solidFill>
+                  <a:srgbClr val="000000"/>
+                </a:solidFill>
+                <a:effectLst/>
+                <a:latin typeface="Courier New" pitchFamily="49" charset="0"/>
+                <a:cs typeface="Courier New" pitchFamily="49" charset="0"/>
+              </a:rPr>
+              <a:t>(</a:t>
+            </a:r>
+            <a:r>
+              <a:rPr kumimoji="0" lang="nl-NL" altLang="nl-NL" sz="900" b="0" i="0" u="none" strike="noStrike" cap="none" normalizeH="0" baseline="0" dirty="0" err="1" smtClean="0">
+                <a:ln>
+                  <a:noFill/>
+                </a:ln>
+                <a:solidFill>
+                  <a:srgbClr val="000000"/>
+                </a:solidFill>
+                <a:effectLst/>
+                <a:latin typeface="Courier New" pitchFamily="49" charset="0"/>
+                <a:cs typeface="Courier New" pitchFamily="49" charset="0"/>
+              </a:rPr>
+              <a:t>tree.</a:t>
+            </a:r>
+            <a:r>
+              <a:rPr kumimoji="0" lang="nl-NL" altLang="nl-NL" sz="900" b="1" i="0" u="none" strike="noStrike" cap="none" normalizeH="0" baseline="0" dirty="0" err="1" smtClean="0">
+                <a:ln>
+                  <a:noFill/>
+                </a:ln>
+                <a:solidFill>
+                  <a:srgbClr val="660E7A"/>
+                </a:solidFill>
+                <a:effectLst/>
+                <a:latin typeface="Courier New" pitchFamily="49" charset="0"/>
+                <a:cs typeface="Courier New" pitchFamily="49" charset="0"/>
+              </a:rPr>
+              <a:t>nodes</a:t>
+            </a:r>
+            <a:r>
+              <a:rPr kumimoji="0" lang="nl-NL" altLang="nl-NL" sz="900" b="0" i="0" u="none" strike="noStrike" cap="none" normalizeH="0" baseline="0" dirty="0" err="1" smtClean="0">
+                <a:ln>
+                  <a:noFill/>
+                </a:ln>
+                <a:solidFill>
+                  <a:srgbClr val="000000"/>
+                </a:solidFill>
+                <a:effectLst/>
+                <a:latin typeface="Courier New" pitchFamily="49" charset="0"/>
+                <a:cs typeface="Courier New" pitchFamily="49" charset="0"/>
+              </a:rPr>
+              <a:t>.size</a:t>
+            </a:r>
+            <a:r>
+              <a:rPr kumimoji="0" lang="nl-NL" altLang="nl-NL" sz="900" b="0" i="0" u="none" strike="noStrike" cap="none" normalizeH="0" baseline="0" dirty="0" smtClean="0">
+                <a:ln>
+                  <a:noFill/>
+                </a:ln>
+                <a:solidFill>
+                  <a:srgbClr val="000000"/>
+                </a:solidFill>
+                <a:effectLst/>
+                <a:latin typeface="Courier New" pitchFamily="49" charset="0"/>
+                <a:cs typeface="Courier New" pitchFamily="49" charset="0"/>
+              </a:rPr>
+              <a:t>() &gt; </a:t>
+            </a:r>
+            <a:r>
+              <a:rPr kumimoji="0" lang="nl-NL" altLang="nl-NL" sz="900" b="0" i="0" u="none" strike="noStrike" cap="none" normalizeH="0" baseline="0" dirty="0" smtClean="0">
+                <a:ln>
+                  <a:noFill/>
+                </a:ln>
+                <a:solidFill>
+                  <a:srgbClr val="0000FF"/>
+                </a:solidFill>
+                <a:effectLst/>
+                <a:latin typeface="Courier New" pitchFamily="49" charset="0"/>
+                <a:cs typeface="Courier New" pitchFamily="49" charset="0"/>
+              </a:rPr>
+              <a:t>0</a:t>
+            </a:r>
+            <a:r>
+              <a:rPr kumimoji="0" lang="nl-NL" altLang="nl-NL" sz="900" b="0" i="0" u="none" strike="noStrike" cap="none" normalizeH="0" baseline="0" dirty="0" smtClean="0">
+                <a:ln>
+                  <a:noFill/>
+                </a:ln>
+                <a:solidFill>
+                  <a:srgbClr val="000000"/>
+                </a:solidFill>
+                <a:effectLst/>
+                <a:latin typeface="Courier New" pitchFamily="49" charset="0"/>
+                <a:cs typeface="Courier New" pitchFamily="49" charset="0"/>
+              </a:rPr>
+              <a:t>)</a:t>
+            </a:r>
+            <a:br>
+              <a:rPr kumimoji="0" lang="nl-NL" altLang="nl-NL" sz="900" b="0" i="0" u="none" strike="noStrike" cap="none" normalizeH="0" baseline="0" dirty="0" smtClean="0">
+                <a:ln>
+                  <a:noFill/>
+                </a:ln>
+                <a:solidFill>
+                  <a:srgbClr val="000000"/>
+                </a:solidFill>
+                <a:effectLst/>
+                <a:latin typeface="Courier New" pitchFamily="49" charset="0"/>
+                <a:cs typeface="Courier New" pitchFamily="49" charset="0"/>
+              </a:rPr>
+            </a:br>
+            <a:r>
+              <a:rPr kumimoji="0" lang="nl-NL" altLang="nl-NL" sz="900" b="0" i="0" u="none" strike="noStrike" cap="none" normalizeH="0" baseline="0" dirty="0" smtClean="0">
+                <a:ln>
+                  <a:noFill/>
+                </a:ln>
+                <a:solidFill>
+                  <a:srgbClr val="000000"/>
+                </a:solidFill>
+                <a:effectLst/>
+                <a:latin typeface="Courier New" pitchFamily="49" charset="0"/>
+                <a:cs typeface="Courier New" pitchFamily="49" charset="0"/>
+              </a:rPr>
+              <a:t>            {</a:t>
+            </a:r>
+            <a:br>
+              <a:rPr kumimoji="0" lang="nl-NL" altLang="nl-NL" sz="900" b="0" i="0" u="none" strike="noStrike" cap="none" normalizeH="0" baseline="0" dirty="0" smtClean="0">
+                <a:ln>
+                  <a:noFill/>
+                </a:ln>
+                <a:solidFill>
+                  <a:srgbClr val="000000"/>
+                </a:solidFill>
+                <a:effectLst/>
+                <a:latin typeface="Courier New" pitchFamily="49" charset="0"/>
+                <a:cs typeface="Courier New" pitchFamily="49" charset="0"/>
+              </a:rPr>
+            </a:br>
+            <a:r>
+              <a:rPr kumimoji="0" lang="nl-NL" altLang="nl-NL" sz="900" b="0" i="0" u="none" strike="noStrike" cap="none" normalizeH="0" baseline="0" dirty="0" smtClean="0">
+                <a:ln>
+                  <a:noFill/>
+                </a:ln>
+                <a:solidFill>
+                  <a:srgbClr val="000000"/>
+                </a:solidFill>
+                <a:effectLst/>
+                <a:latin typeface="Courier New" pitchFamily="49" charset="0"/>
+                <a:cs typeface="Courier New" pitchFamily="49" charset="0"/>
+              </a:rPr>
+              <a:t>                </a:t>
+            </a:r>
+            <a:r>
+              <a:rPr kumimoji="0" lang="nl-NL" altLang="nl-NL" sz="900" b="1" i="0" u="none" strike="noStrike" cap="none" normalizeH="0" baseline="0" dirty="0" err="1" smtClean="0">
+                <a:ln>
+                  <a:noFill/>
+                </a:ln>
+                <a:solidFill>
+                  <a:srgbClr val="000080"/>
+                </a:solidFill>
+                <a:effectLst/>
+                <a:latin typeface="Courier New" pitchFamily="49" charset="0"/>
+                <a:cs typeface="Courier New" pitchFamily="49" charset="0"/>
+              </a:rPr>
+              <a:t>for</a:t>
+            </a:r>
+            <a:r>
+              <a:rPr kumimoji="0" lang="nl-NL" altLang="nl-NL" sz="900" b="1" i="0" u="none" strike="noStrike" cap="none" normalizeH="0" baseline="0" dirty="0" smtClean="0">
+                <a:ln>
+                  <a:noFill/>
+                </a:ln>
+                <a:solidFill>
+                  <a:srgbClr val="000080"/>
+                </a:solidFill>
+                <a:effectLst/>
+                <a:latin typeface="Courier New" pitchFamily="49" charset="0"/>
+                <a:cs typeface="Courier New" pitchFamily="49" charset="0"/>
+              </a:rPr>
+              <a:t> </a:t>
+            </a:r>
+            <a:r>
+              <a:rPr kumimoji="0" lang="nl-NL" altLang="nl-NL" sz="900" b="0" i="0" u="none" strike="noStrike" cap="none" normalizeH="0" baseline="0" dirty="0" smtClean="0">
+                <a:ln>
+                  <a:noFill/>
+                </a:ln>
+                <a:solidFill>
+                  <a:srgbClr val="000000"/>
+                </a:solidFill>
+                <a:effectLst/>
+                <a:latin typeface="Courier New" pitchFamily="49" charset="0"/>
+                <a:cs typeface="Courier New" pitchFamily="49" charset="0"/>
+              </a:rPr>
+              <a:t>(</a:t>
+            </a:r>
+            <a:r>
+              <a:rPr kumimoji="0" lang="nl-NL" altLang="nl-NL" sz="900" b="1" i="0" u="none" strike="noStrike" cap="none" normalizeH="0" baseline="0" dirty="0" smtClean="0">
+                <a:ln>
+                  <a:noFill/>
+                </a:ln>
+                <a:solidFill>
+                  <a:srgbClr val="000080"/>
+                </a:solidFill>
+                <a:effectLst/>
+                <a:latin typeface="Courier New" pitchFamily="49" charset="0"/>
+                <a:cs typeface="Courier New" pitchFamily="49" charset="0"/>
+              </a:rPr>
+              <a:t>int </a:t>
+            </a:r>
+            <a:r>
+              <a:rPr kumimoji="0" lang="nl-NL" altLang="nl-NL" sz="900" b="0" i="0" u="none" strike="noStrike" cap="none" normalizeH="0" baseline="0" dirty="0" smtClean="0">
+                <a:ln>
+                  <a:noFill/>
+                </a:ln>
+                <a:solidFill>
+                  <a:srgbClr val="000000"/>
+                </a:solidFill>
+                <a:effectLst/>
+                <a:latin typeface="Courier New" pitchFamily="49" charset="0"/>
+                <a:cs typeface="Courier New" pitchFamily="49" charset="0"/>
+              </a:rPr>
+              <a:t>i = </a:t>
+            </a:r>
+            <a:r>
+              <a:rPr kumimoji="0" lang="nl-NL" altLang="nl-NL" sz="900" b="0" i="0" u="none" strike="noStrike" cap="none" normalizeH="0" baseline="0" dirty="0" smtClean="0">
+                <a:ln>
+                  <a:noFill/>
+                </a:ln>
+                <a:solidFill>
+                  <a:srgbClr val="0000FF"/>
+                </a:solidFill>
+                <a:effectLst/>
+                <a:latin typeface="Courier New" pitchFamily="49" charset="0"/>
+                <a:cs typeface="Courier New" pitchFamily="49" charset="0"/>
+              </a:rPr>
+              <a:t>0</a:t>
+            </a:r>
+            <a:r>
+              <a:rPr kumimoji="0" lang="nl-NL" altLang="nl-NL" sz="900" b="0" i="0" u="none" strike="noStrike" cap="none" normalizeH="0" baseline="0" dirty="0" smtClean="0">
+                <a:ln>
+                  <a:noFill/>
+                </a:ln>
+                <a:solidFill>
+                  <a:srgbClr val="000000"/>
+                </a:solidFill>
+                <a:effectLst/>
+                <a:latin typeface="Courier New" pitchFamily="49" charset="0"/>
+                <a:cs typeface="Courier New" pitchFamily="49" charset="0"/>
+              </a:rPr>
+              <a:t>; i &lt; </a:t>
+            </a:r>
+            <a:r>
+              <a:rPr kumimoji="0" lang="nl-NL" altLang="nl-NL" sz="900" b="0" i="0" u="none" strike="noStrike" cap="none" normalizeH="0" baseline="0" dirty="0" err="1" smtClean="0">
+                <a:ln>
+                  <a:noFill/>
+                </a:ln>
+                <a:solidFill>
+                  <a:srgbClr val="000000"/>
+                </a:solidFill>
+                <a:effectLst/>
+                <a:latin typeface="Courier New" pitchFamily="49" charset="0"/>
+                <a:cs typeface="Courier New" pitchFamily="49" charset="0"/>
+              </a:rPr>
+              <a:t>tree.</a:t>
+            </a:r>
+            <a:r>
+              <a:rPr kumimoji="0" lang="nl-NL" altLang="nl-NL" sz="900" b="1" i="0" u="none" strike="noStrike" cap="none" normalizeH="0" baseline="0" dirty="0" err="1" smtClean="0">
+                <a:ln>
+                  <a:noFill/>
+                </a:ln>
+                <a:solidFill>
+                  <a:srgbClr val="660E7A"/>
+                </a:solidFill>
+                <a:effectLst/>
+                <a:latin typeface="Courier New" pitchFamily="49" charset="0"/>
+                <a:cs typeface="Courier New" pitchFamily="49" charset="0"/>
+              </a:rPr>
+              <a:t>nodes</a:t>
+            </a:r>
+            <a:r>
+              <a:rPr kumimoji="0" lang="nl-NL" altLang="nl-NL" sz="900" b="0" i="0" u="none" strike="noStrike" cap="none" normalizeH="0" baseline="0" dirty="0" err="1" smtClean="0">
+                <a:ln>
+                  <a:noFill/>
+                </a:ln>
+                <a:solidFill>
+                  <a:srgbClr val="000000"/>
+                </a:solidFill>
+                <a:effectLst/>
+                <a:latin typeface="Courier New" pitchFamily="49" charset="0"/>
+                <a:cs typeface="Courier New" pitchFamily="49" charset="0"/>
+              </a:rPr>
+              <a:t>.size</a:t>
+            </a:r>
+            <a:r>
+              <a:rPr kumimoji="0" lang="nl-NL" altLang="nl-NL" sz="900" b="0" i="0" u="none" strike="noStrike" cap="none" normalizeH="0" baseline="0" dirty="0" smtClean="0">
+                <a:ln>
+                  <a:noFill/>
+                </a:ln>
+                <a:solidFill>
+                  <a:srgbClr val="000000"/>
+                </a:solidFill>
+                <a:effectLst/>
+                <a:latin typeface="Courier New" pitchFamily="49" charset="0"/>
+                <a:cs typeface="Courier New" pitchFamily="49" charset="0"/>
+              </a:rPr>
+              <a:t>(); i++)</a:t>
+            </a:r>
+            <a:br>
+              <a:rPr kumimoji="0" lang="nl-NL" altLang="nl-NL" sz="900" b="0" i="0" u="none" strike="noStrike" cap="none" normalizeH="0" baseline="0" dirty="0" smtClean="0">
+                <a:ln>
+                  <a:noFill/>
+                </a:ln>
+                <a:solidFill>
+                  <a:srgbClr val="000000"/>
+                </a:solidFill>
+                <a:effectLst/>
+                <a:latin typeface="Courier New" pitchFamily="49" charset="0"/>
+                <a:cs typeface="Courier New" pitchFamily="49" charset="0"/>
+              </a:rPr>
+            </a:br>
+            <a:r>
+              <a:rPr kumimoji="0" lang="nl-NL" altLang="nl-NL" sz="900" b="0" i="0" u="none" strike="noStrike" cap="none" normalizeH="0" baseline="0" dirty="0" smtClean="0">
+                <a:ln>
+                  <a:noFill/>
+                </a:ln>
+                <a:solidFill>
+                  <a:srgbClr val="000000"/>
+                </a:solidFill>
+                <a:effectLst/>
+                <a:latin typeface="Courier New" pitchFamily="49" charset="0"/>
+                <a:cs typeface="Courier New" pitchFamily="49" charset="0"/>
+              </a:rPr>
+              <a:t>                {</a:t>
+            </a:r>
+            <a:br>
+              <a:rPr kumimoji="0" lang="nl-NL" altLang="nl-NL" sz="900" b="0" i="0" u="none" strike="noStrike" cap="none" normalizeH="0" baseline="0" dirty="0" smtClean="0">
+                <a:ln>
+                  <a:noFill/>
+                </a:ln>
+                <a:solidFill>
+                  <a:srgbClr val="000000"/>
+                </a:solidFill>
+                <a:effectLst/>
+                <a:latin typeface="Courier New" pitchFamily="49" charset="0"/>
+                <a:cs typeface="Courier New" pitchFamily="49" charset="0"/>
+              </a:rPr>
+            </a:br>
+            <a:r>
+              <a:rPr kumimoji="0" lang="nl-NL" altLang="nl-NL" sz="900" b="0" i="0" u="none" strike="noStrike" cap="none" normalizeH="0" baseline="0" dirty="0" smtClean="0">
+                <a:ln>
+                  <a:noFill/>
+                </a:ln>
+                <a:solidFill>
+                  <a:srgbClr val="000000"/>
+                </a:solidFill>
+                <a:effectLst/>
+                <a:latin typeface="Courier New" pitchFamily="49" charset="0"/>
+                <a:cs typeface="Courier New" pitchFamily="49" charset="0"/>
+              </a:rPr>
+              <a:t>                    </a:t>
+            </a:r>
+            <a:r>
+              <a:rPr kumimoji="0" lang="nl-NL" altLang="nl-NL" sz="900" b="0" i="1" u="none" strike="noStrike" cap="none" normalizeH="0" baseline="0" dirty="0" smtClean="0">
+                <a:ln>
+                  <a:noFill/>
+                </a:ln>
+                <a:solidFill>
+                  <a:srgbClr val="808080"/>
+                </a:solidFill>
+                <a:effectLst/>
+                <a:latin typeface="Courier New" pitchFamily="49" charset="0"/>
+                <a:cs typeface="Courier New" pitchFamily="49" charset="0"/>
+              </a:rPr>
+              <a:t>//</a:t>
+            </a:r>
+            <a:r>
+              <a:rPr kumimoji="0" lang="nl-NL" altLang="nl-NL" sz="900" b="0" i="1" u="none" strike="noStrike" cap="none" normalizeH="0" baseline="0" dirty="0" err="1" smtClean="0">
+                <a:ln>
+                  <a:noFill/>
+                </a:ln>
+                <a:solidFill>
+                  <a:srgbClr val="808080"/>
+                </a:solidFill>
+                <a:effectLst/>
+                <a:latin typeface="Courier New" pitchFamily="49" charset="0"/>
+                <a:cs typeface="Courier New" pitchFamily="49" charset="0"/>
+              </a:rPr>
+              <a:t>Add</a:t>
+            </a:r>
+            <a:r>
+              <a:rPr kumimoji="0" lang="nl-NL" altLang="nl-NL" sz="900" b="0" i="1" u="none" strike="noStrike" cap="none" normalizeH="0" baseline="0" dirty="0" smtClean="0">
+                <a:ln>
+                  <a:noFill/>
+                </a:ln>
+                <a:solidFill>
+                  <a:srgbClr val="808080"/>
+                </a:solidFill>
+                <a:effectLst/>
+                <a:latin typeface="Courier New" pitchFamily="49" charset="0"/>
+                <a:cs typeface="Courier New" pitchFamily="49" charset="0"/>
+              </a:rPr>
+              <a:t> </a:t>
+            </a:r>
+            <a:r>
+              <a:rPr kumimoji="0" lang="nl-NL" altLang="nl-NL" sz="900" b="0" i="1" u="none" strike="noStrike" cap="none" normalizeH="0" baseline="0" dirty="0" err="1" smtClean="0">
+                <a:ln>
+                  <a:noFill/>
+                </a:ln>
+                <a:solidFill>
+                  <a:srgbClr val="808080"/>
+                </a:solidFill>
+                <a:effectLst/>
+                <a:latin typeface="Courier New" pitchFamily="49" charset="0"/>
+                <a:cs typeface="Courier New" pitchFamily="49" charset="0"/>
+              </a:rPr>
+              <a:t>to</a:t>
+            </a:r>
+            <a:r>
+              <a:rPr kumimoji="0" lang="nl-NL" altLang="nl-NL" sz="900" b="0" i="1" u="none" strike="noStrike" cap="none" normalizeH="0" baseline="0" dirty="0" smtClean="0">
+                <a:ln>
+                  <a:noFill/>
+                </a:ln>
+                <a:solidFill>
+                  <a:srgbClr val="808080"/>
+                </a:solidFill>
+                <a:effectLst/>
+                <a:latin typeface="Courier New" pitchFamily="49" charset="0"/>
+                <a:cs typeface="Courier New" pitchFamily="49" charset="0"/>
+              </a:rPr>
+              <a:t> </a:t>
+            </a:r>
+            <a:r>
+              <a:rPr kumimoji="0" lang="nl-NL" altLang="nl-NL" sz="900" b="0" i="1" u="none" strike="noStrike" cap="none" normalizeH="0" baseline="0" dirty="0" err="1" smtClean="0">
+                <a:ln>
+                  <a:noFill/>
+                </a:ln>
+                <a:solidFill>
+                  <a:srgbClr val="808080"/>
+                </a:solidFill>
+                <a:effectLst/>
+                <a:latin typeface="Courier New" pitchFamily="49" charset="0"/>
+                <a:cs typeface="Courier New" pitchFamily="49" charset="0"/>
+              </a:rPr>
+              <a:t>the</a:t>
+            </a:r>
+            <a:r>
+              <a:rPr kumimoji="0" lang="nl-NL" altLang="nl-NL" sz="900" b="0" i="1" u="none" strike="noStrike" cap="none" normalizeH="0" baseline="0" dirty="0" smtClean="0">
+                <a:ln>
+                  <a:noFill/>
+                </a:ln>
+                <a:solidFill>
+                  <a:srgbClr val="808080"/>
+                </a:solidFill>
+                <a:effectLst/>
+                <a:latin typeface="Courier New" pitchFamily="49" charset="0"/>
+                <a:cs typeface="Courier New" pitchFamily="49" charset="0"/>
+              </a:rPr>
+              <a:t> </a:t>
+            </a:r>
+            <a:r>
+              <a:rPr kumimoji="0" lang="nl-NL" altLang="nl-NL" sz="900" b="0" i="1" u="none" strike="noStrike" cap="none" normalizeH="0" baseline="0" dirty="0" err="1" smtClean="0">
+                <a:ln>
+                  <a:noFill/>
+                </a:ln>
+                <a:solidFill>
+                  <a:srgbClr val="808080"/>
+                </a:solidFill>
+                <a:effectLst/>
+                <a:latin typeface="Courier New" pitchFamily="49" charset="0"/>
+                <a:cs typeface="Courier New" pitchFamily="49" charset="0"/>
+              </a:rPr>
+              <a:t>nodes</a:t>
+            </a:r>
+            <a:r>
+              <a:rPr kumimoji="0" lang="nl-NL" altLang="nl-NL" sz="900" b="0" i="1" u="none" strike="noStrike" cap="none" normalizeH="0" baseline="0" dirty="0" smtClean="0">
+                <a:ln>
+                  <a:noFill/>
+                </a:ln>
+                <a:solidFill>
+                  <a:srgbClr val="808080"/>
+                </a:solidFill>
+                <a:effectLst/>
+                <a:latin typeface="Courier New" pitchFamily="49" charset="0"/>
+                <a:cs typeface="Courier New" pitchFamily="49" charset="0"/>
+              </a:rPr>
+              <a:t> list at a </a:t>
+            </a:r>
+            <a:r>
+              <a:rPr kumimoji="0" lang="nl-NL" altLang="nl-NL" sz="900" b="0" i="1" u="none" strike="noStrike" cap="none" normalizeH="0" baseline="0" dirty="0" err="1" smtClean="0">
+                <a:ln>
+                  <a:noFill/>
+                </a:ln>
+                <a:solidFill>
+                  <a:srgbClr val="808080"/>
+                </a:solidFill>
+                <a:effectLst/>
+                <a:latin typeface="Courier New" pitchFamily="49" charset="0"/>
+                <a:cs typeface="Courier New" pitchFamily="49" charset="0"/>
+              </a:rPr>
+              <a:t>location</a:t>
+            </a:r>
+            <a:r>
+              <a:rPr kumimoji="0" lang="nl-NL" altLang="nl-NL" sz="900" b="0" i="1" u="none" strike="noStrike" cap="none" normalizeH="0" baseline="0" dirty="0" smtClean="0">
+                <a:ln>
+                  <a:noFill/>
+                </a:ln>
+                <a:solidFill>
+                  <a:srgbClr val="808080"/>
+                </a:solidFill>
+                <a:effectLst/>
+                <a:latin typeface="Courier New" pitchFamily="49" charset="0"/>
+                <a:cs typeface="Courier New" pitchFamily="49" charset="0"/>
+              </a:rPr>
+              <a:t>;</a:t>
+            </a:r>
+            <a:br>
+              <a:rPr kumimoji="0" lang="nl-NL" altLang="nl-NL" sz="900" b="0" i="1" u="none" strike="noStrike" cap="none" normalizeH="0" baseline="0" dirty="0" smtClean="0">
+                <a:ln>
+                  <a:noFill/>
+                </a:ln>
+                <a:solidFill>
+                  <a:srgbClr val="808080"/>
+                </a:solidFill>
+                <a:effectLst/>
+                <a:latin typeface="Courier New" pitchFamily="49" charset="0"/>
+                <a:cs typeface="Courier New" pitchFamily="49" charset="0"/>
+              </a:rPr>
+            </a:br>
+            <a:r>
+              <a:rPr kumimoji="0" lang="nl-NL" altLang="nl-NL" sz="900" b="0" i="1" u="none" strike="noStrike" cap="none" normalizeH="0" baseline="0" dirty="0" smtClean="0">
+                <a:ln>
+                  <a:noFill/>
+                </a:ln>
+                <a:solidFill>
+                  <a:srgbClr val="808080"/>
+                </a:solidFill>
+                <a:effectLst/>
+                <a:latin typeface="Courier New" pitchFamily="49" charset="0"/>
+                <a:cs typeface="Courier New" pitchFamily="49" charset="0"/>
+              </a:rPr>
+              <a:t>                    //Shift </a:t>
+            </a:r>
+            <a:r>
+              <a:rPr kumimoji="0" lang="nl-NL" altLang="nl-NL" sz="900" b="0" i="1" u="none" strike="noStrike" cap="none" normalizeH="0" baseline="0" dirty="0" err="1" smtClean="0">
+                <a:ln>
+                  <a:noFill/>
+                </a:ln>
+                <a:solidFill>
+                  <a:srgbClr val="808080"/>
+                </a:solidFill>
+                <a:effectLst/>
+                <a:latin typeface="Courier New" pitchFamily="49" charset="0"/>
+                <a:cs typeface="Courier New" pitchFamily="49" charset="0"/>
+              </a:rPr>
+              <a:t>the</a:t>
+            </a:r>
+            <a:r>
+              <a:rPr kumimoji="0" lang="nl-NL" altLang="nl-NL" sz="900" b="0" i="1" u="none" strike="noStrike" cap="none" normalizeH="0" baseline="0" dirty="0" smtClean="0">
+                <a:ln>
+                  <a:noFill/>
+                </a:ln>
+                <a:solidFill>
+                  <a:srgbClr val="808080"/>
+                </a:solidFill>
+                <a:effectLst/>
+                <a:latin typeface="Courier New" pitchFamily="49" charset="0"/>
+                <a:cs typeface="Courier New" pitchFamily="49" charset="0"/>
+              </a:rPr>
+              <a:t> </a:t>
+            </a:r>
+            <a:r>
+              <a:rPr kumimoji="0" lang="nl-NL" altLang="nl-NL" sz="900" b="0" i="1" u="none" strike="noStrike" cap="none" normalizeH="0" baseline="0" dirty="0" err="1" smtClean="0">
+                <a:ln>
+                  <a:noFill/>
+                </a:ln>
+                <a:solidFill>
+                  <a:srgbClr val="808080"/>
+                </a:solidFill>
+                <a:effectLst/>
+                <a:latin typeface="Courier New" pitchFamily="49" charset="0"/>
+                <a:cs typeface="Courier New" pitchFamily="49" charset="0"/>
+              </a:rPr>
+              <a:t>subtrees</a:t>
+            </a:r>
+            <a:r>
+              <a:rPr kumimoji="0" lang="nl-NL" altLang="nl-NL" sz="900" b="0" i="1" u="none" strike="noStrike" cap="none" normalizeH="0" baseline="0" dirty="0" smtClean="0">
+                <a:ln>
+                  <a:noFill/>
+                </a:ln>
+                <a:solidFill>
+                  <a:srgbClr val="808080"/>
+                </a:solidFill>
+                <a:effectLst/>
+                <a:latin typeface="Courier New" pitchFamily="49" charset="0"/>
+                <a:cs typeface="Courier New" pitchFamily="49" charset="0"/>
+              </a:rPr>
+              <a:t/>
+            </a:r>
+            <a:br>
+              <a:rPr kumimoji="0" lang="nl-NL" altLang="nl-NL" sz="900" b="0" i="1" u="none" strike="noStrike" cap="none" normalizeH="0" baseline="0" dirty="0" smtClean="0">
+                <a:ln>
+                  <a:noFill/>
+                </a:ln>
+                <a:solidFill>
+                  <a:srgbClr val="808080"/>
+                </a:solidFill>
+                <a:effectLst/>
+                <a:latin typeface="Courier New" pitchFamily="49" charset="0"/>
+                <a:cs typeface="Courier New" pitchFamily="49" charset="0"/>
+              </a:rPr>
+            </a:br>
+            <a:r>
+              <a:rPr kumimoji="0" lang="nl-NL" altLang="nl-NL" sz="900" b="0" i="1" u="none" strike="noStrike" cap="none" normalizeH="0" baseline="0" dirty="0" smtClean="0">
+                <a:ln>
+                  <a:noFill/>
+                </a:ln>
+                <a:solidFill>
+                  <a:srgbClr val="808080"/>
+                </a:solidFill>
+                <a:effectLst/>
+                <a:latin typeface="Courier New" pitchFamily="49" charset="0"/>
+                <a:cs typeface="Courier New" pitchFamily="49" charset="0"/>
+              </a:rPr>
+              <a:t>                    </a:t>
+            </a:r>
+            <a:r>
+              <a:rPr kumimoji="0" lang="nl-NL" altLang="nl-NL" sz="900" b="1" i="0" u="none" strike="noStrike" cap="none" normalizeH="0" baseline="0" dirty="0" err="1" smtClean="0">
+                <a:ln>
+                  <a:noFill/>
+                </a:ln>
+                <a:solidFill>
+                  <a:srgbClr val="000080"/>
+                </a:solidFill>
+                <a:effectLst/>
+                <a:latin typeface="Courier New" pitchFamily="49" charset="0"/>
+                <a:cs typeface="Courier New" pitchFamily="49" charset="0"/>
+              </a:rPr>
+              <a:t>if</a:t>
+            </a:r>
+            <a:r>
+              <a:rPr kumimoji="0" lang="nl-NL" altLang="nl-NL" sz="900" b="1" i="0" u="none" strike="noStrike" cap="none" normalizeH="0" baseline="0" dirty="0" smtClean="0">
+                <a:ln>
+                  <a:noFill/>
+                </a:ln>
+                <a:solidFill>
+                  <a:srgbClr val="000080"/>
+                </a:solidFill>
+                <a:effectLst/>
+                <a:latin typeface="Courier New" pitchFamily="49" charset="0"/>
+                <a:cs typeface="Courier New" pitchFamily="49" charset="0"/>
+              </a:rPr>
+              <a:t> </a:t>
+            </a:r>
+            <a:r>
+              <a:rPr kumimoji="0" lang="nl-NL" altLang="nl-NL" sz="900" b="0" i="0" u="none" strike="noStrike" cap="none" normalizeH="0" baseline="0" dirty="0" smtClean="0">
+                <a:ln>
+                  <a:noFill/>
+                </a:ln>
+                <a:solidFill>
+                  <a:srgbClr val="000000"/>
+                </a:solidFill>
+                <a:effectLst/>
+                <a:latin typeface="Courier New" pitchFamily="49" charset="0"/>
+                <a:cs typeface="Courier New" pitchFamily="49" charset="0"/>
+              </a:rPr>
+              <a:t>(</a:t>
+            </a:r>
+            <a:r>
+              <a:rPr kumimoji="0" lang="nl-NL" altLang="nl-NL" sz="900" b="0" i="0" u="none" strike="noStrike" cap="none" normalizeH="0" baseline="0" dirty="0" err="1" smtClean="0">
+                <a:ln>
+                  <a:noFill/>
+                </a:ln>
+                <a:solidFill>
+                  <a:srgbClr val="000000"/>
+                </a:solidFill>
+                <a:effectLst/>
+                <a:latin typeface="Courier New" pitchFamily="49" charset="0"/>
+                <a:cs typeface="Courier New" pitchFamily="49" charset="0"/>
+              </a:rPr>
+              <a:t>tree.</a:t>
+            </a:r>
+            <a:r>
+              <a:rPr kumimoji="0" lang="nl-NL" altLang="nl-NL" sz="900" b="1" i="0" u="none" strike="noStrike" cap="none" normalizeH="0" baseline="0" dirty="0" err="1" smtClean="0">
+                <a:ln>
+                  <a:noFill/>
+                </a:ln>
+                <a:solidFill>
+                  <a:srgbClr val="660E7A"/>
+                </a:solidFill>
+                <a:effectLst/>
+                <a:latin typeface="Courier New" pitchFamily="49" charset="0"/>
+                <a:cs typeface="Courier New" pitchFamily="49" charset="0"/>
+              </a:rPr>
+              <a:t>nodes</a:t>
+            </a:r>
+            <a:r>
+              <a:rPr kumimoji="0" lang="nl-NL" altLang="nl-NL" sz="900" b="0" i="0" u="none" strike="noStrike" cap="none" normalizeH="0" baseline="0" dirty="0" err="1" smtClean="0">
+                <a:ln>
+                  <a:noFill/>
+                </a:ln>
+                <a:solidFill>
+                  <a:srgbClr val="000000"/>
+                </a:solidFill>
+                <a:effectLst/>
+                <a:latin typeface="Courier New" pitchFamily="49" charset="0"/>
+                <a:cs typeface="Courier New" pitchFamily="49" charset="0"/>
+              </a:rPr>
+              <a:t>.get</a:t>
+            </a:r>
+            <a:r>
+              <a:rPr kumimoji="0" lang="nl-NL" altLang="nl-NL" sz="900" b="0" i="0" u="none" strike="noStrike" cap="none" normalizeH="0" baseline="0" dirty="0" smtClean="0">
+                <a:ln>
+                  <a:noFill/>
+                </a:ln>
+                <a:solidFill>
+                  <a:srgbClr val="000000"/>
+                </a:solidFill>
+                <a:effectLst/>
+                <a:latin typeface="Courier New" pitchFamily="49" charset="0"/>
+                <a:cs typeface="Courier New" pitchFamily="49" charset="0"/>
+              </a:rPr>
+              <a:t>(i).</a:t>
+            </a:r>
+            <a:r>
+              <a:rPr kumimoji="0" lang="nl-NL" altLang="nl-NL" sz="900" b="0" i="0" u="none" strike="noStrike" cap="none" normalizeH="0" baseline="0" dirty="0" err="1" smtClean="0">
+                <a:ln>
+                  <a:noFill/>
+                </a:ln>
+                <a:solidFill>
+                  <a:srgbClr val="000000"/>
+                </a:solidFill>
+                <a:effectLst/>
+                <a:latin typeface="Courier New" pitchFamily="49" charset="0"/>
+                <a:cs typeface="Courier New" pitchFamily="49" charset="0"/>
+              </a:rPr>
+              <a:t>compareTo</a:t>
+            </a:r>
+            <a:r>
+              <a:rPr kumimoji="0" lang="nl-NL" altLang="nl-NL" sz="900" b="0" i="0" u="none" strike="noStrike" cap="none" normalizeH="0" baseline="0" dirty="0" smtClean="0">
+                <a:ln>
+                  <a:noFill/>
+                </a:ln>
+                <a:solidFill>
+                  <a:srgbClr val="000000"/>
+                </a:solidFill>
+                <a:effectLst/>
+                <a:latin typeface="Courier New" pitchFamily="49" charset="0"/>
+                <a:cs typeface="Courier New" pitchFamily="49" charset="0"/>
+              </a:rPr>
+              <a:t>(</a:t>
+            </a:r>
+            <a:r>
+              <a:rPr kumimoji="0" lang="nl-NL" altLang="nl-NL" sz="900" b="0" i="0" u="none" strike="noStrike" cap="none" normalizeH="0" baseline="0" dirty="0" err="1" smtClean="0">
+                <a:ln>
+                  <a:noFill/>
+                </a:ln>
+                <a:solidFill>
+                  <a:srgbClr val="000000"/>
+                </a:solidFill>
+                <a:effectLst/>
+                <a:latin typeface="Courier New" pitchFamily="49" charset="0"/>
+                <a:cs typeface="Courier New" pitchFamily="49" charset="0"/>
+              </a:rPr>
+              <a:t>key</a:t>
+            </a:r>
+            <a:r>
+              <a:rPr kumimoji="0" lang="nl-NL" altLang="nl-NL" sz="900" b="0" i="0" u="none" strike="noStrike" cap="none" normalizeH="0" baseline="0" dirty="0" smtClean="0">
+                <a:ln>
+                  <a:noFill/>
+                </a:ln>
+                <a:solidFill>
+                  <a:srgbClr val="000000"/>
+                </a:solidFill>
+                <a:effectLst/>
+                <a:latin typeface="Courier New" pitchFamily="49" charset="0"/>
+                <a:cs typeface="Courier New" pitchFamily="49" charset="0"/>
+              </a:rPr>
+              <a:t>) &gt; </a:t>
+            </a:r>
+            <a:r>
+              <a:rPr kumimoji="0" lang="nl-NL" altLang="nl-NL" sz="900" b="0" i="0" u="none" strike="noStrike" cap="none" normalizeH="0" baseline="0" dirty="0" smtClean="0">
+                <a:ln>
+                  <a:noFill/>
+                </a:ln>
+                <a:solidFill>
+                  <a:srgbClr val="0000FF"/>
+                </a:solidFill>
+                <a:effectLst/>
+                <a:latin typeface="Courier New" pitchFamily="49" charset="0"/>
+                <a:cs typeface="Courier New" pitchFamily="49" charset="0"/>
+              </a:rPr>
+              <a:t>0</a:t>
+            </a:r>
+            <a:r>
+              <a:rPr kumimoji="0" lang="nl-NL" altLang="nl-NL" sz="900" b="0" i="0" u="none" strike="noStrike" cap="none" normalizeH="0" baseline="0" dirty="0" smtClean="0">
+                <a:ln>
+                  <a:noFill/>
+                </a:ln>
+                <a:solidFill>
+                  <a:srgbClr val="000000"/>
+                </a:solidFill>
+                <a:effectLst/>
+                <a:latin typeface="Courier New" pitchFamily="49" charset="0"/>
+                <a:cs typeface="Courier New" pitchFamily="49" charset="0"/>
+              </a:rPr>
+              <a:t>)</a:t>
+            </a:r>
+            <a:br>
+              <a:rPr kumimoji="0" lang="nl-NL" altLang="nl-NL" sz="900" b="0" i="0" u="none" strike="noStrike" cap="none" normalizeH="0" baseline="0" dirty="0" smtClean="0">
+                <a:ln>
+                  <a:noFill/>
+                </a:ln>
+                <a:solidFill>
+                  <a:srgbClr val="000000"/>
+                </a:solidFill>
+                <a:effectLst/>
+                <a:latin typeface="Courier New" pitchFamily="49" charset="0"/>
+                <a:cs typeface="Courier New" pitchFamily="49" charset="0"/>
+              </a:rPr>
+            </a:br>
+            <a:r>
+              <a:rPr kumimoji="0" lang="nl-NL" altLang="nl-NL" sz="900" b="0" i="0" u="none" strike="noStrike" cap="none" normalizeH="0" baseline="0" dirty="0" smtClean="0">
+                <a:ln>
+                  <a:noFill/>
+                </a:ln>
+                <a:solidFill>
+                  <a:srgbClr val="000000"/>
+                </a:solidFill>
+                <a:effectLst/>
+                <a:latin typeface="Courier New" pitchFamily="49" charset="0"/>
+                <a:cs typeface="Courier New" pitchFamily="49" charset="0"/>
+              </a:rPr>
+              <a:t>                    {</a:t>
+            </a:r>
+            <a:br>
+              <a:rPr kumimoji="0" lang="nl-NL" altLang="nl-NL" sz="900" b="0" i="0" u="none" strike="noStrike" cap="none" normalizeH="0" baseline="0" dirty="0" smtClean="0">
+                <a:ln>
+                  <a:noFill/>
+                </a:ln>
+                <a:solidFill>
+                  <a:srgbClr val="000000"/>
+                </a:solidFill>
+                <a:effectLst/>
+                <a:latin typeface="Courier New" pitchFamily="49" charset="0"/>
+                <a:cs typeface="Courier New" pitchFamily="49" charset="0"/>
+              </a:rPr>
+            </a:br>
+            <a:r>
+              <a:rPr kumimoji="0" lang="nl-NL" altLang="nl-NL" sz="900" b="0" i="0" u="none" strike="noStrike" cap="none" normalizeH="0" baseline="0" dirty="0" smtClean="0">
+                <a:ln>
+                  <a:noFill/>
+                </a:ln>
+                <a:solidFill>
+                  <a:srgbClr val="000000"/>
+                </a:solidFill>
+                <a:effectLst/>
+                <a:latin typeface="Courier New" pitchFamily="49" charset="0"/>
+                <a:cs typeface="Courier New" pitchFamily="49" charset="0"/>
+              </a:rPr>
+              <a:t>                        </a:t>
+            </a:r>
+            <a:r>
+              <a:rPr kumimoji="0" lang="nl-NL" altLang="nl-NL" sz="900" b="0" i="0" u="none" strike="noStrike" cap="none" normalizeH="0" baseline="0" dirty="0" err="1" smtClean="0">
+                <a:ln>
+                  <a:noFill/>
+                </a:ln>
+                <a:solidFill>
+                  <a:srgbClr val="000000"/>
+                </a:solidFill>
+                <a:effectLst/>
+                <a:latin typeface="Courier New" pitchFamily="49" charset="0"/>
+                <a:cs typeface="Courier New" pitchFamily="49" charset="0"/>
+              </a:rPr>
+              <a:t>tree.</a:t>
+            </a:r>
+            <a:r>
+              <a:rPr kumimoji="0" lang="nl-NL" altLang="nl-NL" sz="900" b="1" i="0" u="none" strike="noStrike" cap="none" normalizeH="0" baseline="0" dirty="0" err="1" smtClean="0">
+                <a:ln>
+                  <a:noFill/>
+                </a:ln>
+                <a:solidFill>
+                  <a:srgbClr val="660E7A"/>
+                </a:solidFill>
+                <a:effectLst/>
+                <a:latin typeface="Courier New" pitchFamily="49" charset="0"/>
+                <a:cs typeface="Courier New" pitchFamily="49" charset="0"/>
+              </a:rPr>
+              <a:t>nodes</a:t>
+            </a:r>
+            <a:r>
+              <a:rPr kumimoji="0" lang="nl-NL" altLang="nl-NL" sz="900" b="0" i="0" u="none" strike="noStrike" cap="none" normalizeH="0" baseline="0" dirty="0" err="1" smtClean="0">
+                <a:ln>
+                  <a:noFill/>
+                </a:ln>
+                <a:solidFill>
+                  <a:srgbClr val="000000"/>
+                </a:solidFill>
+                <a:effectLst/>
+                <a:latin typeface="Courier New" pitchFamily="49" charset="0"/>
+                <a:cs typeface="Courier New" pitchFamily="49" charset="0"/>
+              </a:rPr>
+              <a:t>.add</a:t>
+            </a:r>
+            <a:r>
+              <a:rPr kumimoji="0" lang="nl-NL" altLang="nl-NL" sz="900" b="0" i="0" u="none" strike="noStrike" cap="none" normalizeH="0" baseline="0" dirty="0" smtClean="0">
+                <a:ln>
+                  <a:noFill/>
+                </a:ln>
+                <a:solidFill>
+                  <a:srgbClr val="000000"/>
+                </a:solidFill>
+                <a:effectLst/>
+                <a:latin typeface="Courier New" pitchFamily="49" charset="0"/>
+                <a:cs typeface="Courier New" pitchFamily="49" charset="0"/>
+              </a:rPr>
+              <a:t>(i, </a:t>
+            </a:r>
+            <a:r>
+              <a:rPr kumimoji="0" lang="nl-NL" altLang="nl-NL" sz="900" b="1" i="0" u="none" strike="noStrike" cap="none" normalizeH="0" baseline="0" dirty="0" smtClean="0">
+                <a:ln>
+                  <a:noFill/>
+                </a:ln>
+                <a:solidFill>
+                  <a:srgbClr val="000080"/>
+                </a:solidFill>
+                <a:effectLst/>
+                <a:latin typeface="Courier New" pitchFamily="49" charset="0"/>
+                <a:cs typeface="Courier New" pitchFamily="49" charset="0"/>
+              </a:rPr>
+              <a:t>new </a:t>
+            </a:r>
+            <a:r>
+              <a:rPr kumimoji="0" lang="nl-NL" altLang="nl-NL" sz="900" b="0" i="0" u="none" strike="noStrike" cap="none" normalizeH="0" baseline="0" dirty="0" err="1" smtClean="0">
+                <a:ln>
+                  <a:noFill/>
+                </a:ln>
+                <a:solidFill>
+                  <a:srgbClr val="000000"/>
+                </a:solidFill>
+                <a:effectLst/>
+                <a:latin typeface="Courier New" pitchFamily="49" charset="0"/>
+                <a:cs typeface="Courier New" pitchFamily="49" charset="0"/>
+              </a:rPr>
+              <a:t>KeyValuePair</a:t>
+            </a:r>
+            <a:r>
+              <a:rPr kumimoji="0" lang="nl-NL" altLang="nl-NL" sz="900" b="0" i="0" u="none" strike="noStrike" cap="none" normalizeH="0" baseline="0" dirty="0" smtClean="0">
+                <a:ln>
+                  <a:noFill/>
+                </a:ln>
+                <a:solidFill>
+                  <a:srgbClr val="000000"/>
+                </a:solidFill>
+                <a:effectLst/>
+                <a:latin typeface="Courier New" pitchFamily="49" charset="0"/>
+                <a:cs typeface="Courier New" pitchFamily="49" charset="0"/>
+              </a:rPr>
+              <a:t>&lt;</a:t>
+            </a:r>
+            <a:r>
+              <a:rPr kumimoji="0" lang="nl-NL" altLang="nl-NL" sz="900" b="0" i="0" u="none" strike="noStrike" cap="none" normalizeH="0" baseline="0" dirty="0" smtClean="0">
+                <a:ln>
+                  <a:noFill/>
+                </a:ln>
+                <a:solidFill>
+                  <a:srgbClr val="20999D"/>
+                </a:solidFill>
+                <a:effectLst/>
+                <a:latin typeface="Courier New" pitchFamily="49" charset="0"/>
+                <a:cs typeface="Courier New" pitchFamily="49" charset="0"/>
+              </a:rPr>
+              <a:t>K</a:t>
+            </a:r>
+            <a:r>
+              <a:rPr kumimoji="0" lang="nl-NL" altLang="nl-NL" sz="900" b="0" i="0" u="none" strike="noStrike" cap="none" normalizeH="0" baseline="0" dirty="0" smtClean="0">
+                <a:ln>
+                  <a:noFill/>
+                </a:ln>
+                <a:solidFill>
+                  <a:srgbClr val="000000"/>
+                </a:solidFill>
+                <a:effectLst/>
+                <a:latin typeface="Courier New" pitchFamily="49" charset="0"/>
+                <a:cs typeface="Courier New" pitchFamily="49" charset="0"/>
+              </a:rPr>
+              <a:t>, </a:t>
+            </a:r>
+            <a:r>
+              <a:rPr kumimoji="0" lang="nl-NL" altLang="nl-NL" sz="900" b="0" i="0" u="none" strike="noStrike" cap="none" normalizeH="0" baseline="0" dirty="0" smtClean="0">
+                <a:ln>
+                  <a:noFill/>
+                </a:ln>
+                <a:solidFill>
+                  <a:srgbClr val="20999D"/>
+                </a:solidFill>
+                <a:effectLst/>
+                <a:latin typeface="Courier New" pitchFamily="49" charset="0"/>
+                <a:cs typeface="Courier New" pitchFamily="49" charset="0"/>
+              </a:rPr>
+              <a:t>V</a:t>
+            </a:r>
+            <a:r>
+              <a:rPr kumimoji="0" lang="nl-NL" altLang="nl-NL" sz="900" b="0" i="0" u="none" strike="noStrike" cap="none" normalizeH="0" baseline="0" dirty="0" smtClean="0">
+                <a:ln>
+                  <a:noFill/>
+                </a:ln>
+                <a:solidFill>
+                  <a:srgbClr val="000000"/>
+                </a:solidFill>
+                <a:effectLst/>
+                <a:latin typeface="Courier New" pitchFamily="49" charset="0"/>
+                <a:cs typeface="Courier New" pitchFamily="49" charset="0"/>
+              </a:rPr>
+              <a:t>&gt;(</a:t>
+            </a:r>
+            <a:r>
+              <a:rPr kumimoji="0" lang="nl-NL" altLang="nl-NL" sz="900" b="0" i="0" u="none" strike="noStrike" cap="none" normalizeH="0" baseline="0" dirty="0" err="1" smtClean="0">
+                <a:ln>
+                  <a:noFill/>
+                </a:ln>
+                <a:solidFill>
+                  <a:srgbClr val="000000"/>
+                </a:solidFill>
+                <a:effectLst/>
+                <a:latin typeface="Courier New" pitchFamily="49" charset="0"/>
+                <a:cs typeface="Courier New" pitchFamily="49" charset="0"/>
+              </a:rPr>
+              <a:t>key</a:t>
+            </a:r>
+            <a:r>
+              <a:rPr kumimoji="0" lang="nl-NL" altLang="nl-NL" sz="900" b="0" i="0" u="none" strike="noStrike" cap="none" normalizeH="0" baseline="0" dirty="0" smtClean="0">
+                <a:ln>
+                  <a:noFill/>
+                </a:ln>
+                <a:solidFill>
+                  <a:srgbClr val="000000"/>
+                </a:solidFill>
+                <a:effectLst/>
+                <a:latin typeface="Courier New" pitchFamily="49" charset="0"/>
+                <a:cs typeface="Courier New" pitchFamily="49" charset="0"/>
+              </a:rPr>
+              <a:t>, 				        </a:t>
+            </a:r>
+            <a:r>
+              <a:rPr kumimoji="0" lang="nl-NL" altLang="nl-NL" sz="900" b="0" i="0" u="none" strike="noStrike" cap="none" normalizeH="0" baseline="0" dirty="0" err="1" smtClean="0">
+                <a:ln>
+                  <a:noFill/>
+                </a:ln>
+                <a:solidFill>
+                  <a:srgbClr val="000000"/>
+                </a:solidFill>
+                <a:effectLst/>
+                <a:latin typeface="Courier New" pitchFamily="49" charset="0"/>
+                <a:cs typeface="Courier New" pitchFamily="49" charset="0"/>
+              </a:rPr>
+              <a:t>value</a:t>
+            </a:r>
+            <a:r>
+              <a:rPr kumimoji="0" lang="nl-NL" altLang="nl-NL" sz="900" b="0" i="0" u="none" strike="noStrike" cap="none" normalizeH="0" baseline="0" dirty="0" smtClean="0">
+                <a:ln>
+                  <a:noFill/>
+                </a:ln>
+                <a:solidFill>
+                  <a:srgbClr val="000000"/>
+                </a:solidFill>
+                <a:effectLst/>
+                <a:latin typeface="Courier New" pitchFamily="49" charset="0"/>
+                <a:cs typeface="Courier New" pitchFamily="49" charset="0"/>
+              </a:rPr>
+              <a:t>));</a:t>
+            </a:r>
+            <a:br>
+              <a:rPr kumimoji="0" lang="nl-NL" altLang="nl-NL" sz="900" b="0" i="0" u="none" strike="noStrike" cap="none" normalizeH="0" baseline="0" dirty="0" smtClean="0">
+                <a:ln>
+                  <a:noFill/>
+                </a:ln>
+                <a:solidFill>
+                  <a:srgbClr val="000000"/>
+                </a:solidFill>
+                <a:effectLst/>
+                <a:latin typeface="Courier New" pitchFamily="49" charset="0"/>
+                <a:cs typeface="Courier New" pitchFamily="49" charset="0"/>
+              </a:rPr>
+            </a:br>
+            <a:r>
+              <a:rPr kumimoji="0" lang="nl-NL" altLang="nl-NL" sz="900" b="0" i="0" u="none" strike="noStrike" cap="none" normalizeH="0" baseline="0" dirty="0" smtClean="0">
+                <a:ln>
+                  <a:noFill/>
+                </a:ln>
+                <a:solidFill>
+                  <a:srgbClr val="000000"/>
+                </a:solidFill>
+                <a:effectLst/>
+                <a:latin typeface="Courier New" pitchFamily="49" charset="0"/>
+                <a:cs typeface="Courier New" pitchFamily="49" charset="0"/>
+              </a:rPr>
+              <a:t>                        </a:t>
+            </a:r>
+            <a:r>
+              <a:rPr kumimoji="0" lang="nl-NL" altLang="nl-NL" sz="900" b="0" i="0" u="none" strike="noStrike" cap="none" normalizeH="0" baseline="0" dirty="0" err="1" smtClean="0">
+                <a:ln>
+                  <a:noFill/>
+                </a:ln>
+                <a:solidFill>
+                  <a:srgbClr val="000000"/>
+                </a:solidFill>
+                <a:effectLst/>
+                <a:latin typeface="Courier New" pitchFamily="49" charset="0"/>
+                <a:cs typeface="Courier New" pitchFamily="49" charset="0"/>
+              </a:rPr>
+              <a:t>tree.</a:t>
+            </a:r>
+            <a:r>
+              <a:rPr kumimoji="0" lang="nl-NL" altLang="nl-NL" sz="900" b="1" i="0" u="none" strike="noStrike" cap="none" normalizeH="0" baseline="0" dirty="0" err="1" smtClean="0">
+                <a:ln>
+                  <a:noFill/>
+                </a:ln>
+                <a:solidFill>
+                  <a:srgbClr val="660E7A"/>
+                </a:solidFill>
+                <a:effectLst/>
+                <a:latin typeface="Courier New" pitchFamily="49" charset="0"/>
+                <a:cs typeface="Courier New" pitchFamily="49" charset="0"/>
+              </a:rPr>
+              <a:t>subtrees</a:t>
+            </a:r>
+            <a:r>
+              <a:rPr kumimoji="0" lang="nl-NL" altLang="nl-NL" sz="900" b="0" i="0" u="none" strike="noStrike" cap="none" normalizeH="0" baseline="0" dirty="0" err="1" smtClean="0">
+                <a:ln>
+                  <a:noFill/>
+                </a:ln>
+                <a:solidFill>
+                  <a:srgbClr val="000000"/>
+                </a:solidFill>
+                <a:effectLst/>
+                <a:latin typeface="Courier New" pitchFamily="49" charset="0"/>
+                <a:cs typeface="Courier New" pitchFamily="49" charset="0"/>
+              </a:rPr>
+              <a:t>.add</a:t>
+            </a:r>
+            <a:r>
+              <a:rPr kumimoji="0" lang="nl-NL" altLang="nl-NL" sz="900" b="0" i="0" u="none" strike="noStrike" cap="none" normalizeH="0" baseline="0" dirty="0" smtClean="0">
+                <a:ln>
+                  <a:noFill/>
+                </a:ln>
+                <a:solidFill>
+                  <a:srgbClr val="000000"/>
+                </a:solidFill>
+                <a:effectLst/>
+                <a:latin typeface="Courier New" pitchFamily="49" charset="0"/>
+                <a:cs typeface="Courier New" pitchFamily="49" charset="0"/>
+              </a:rPr>
+              <a:t>(i, </a:t>
+            </a:r>
+            <a:r>
+              <a:rPr kumimoji="0" lang="nl-NL" altLang="nl-NL" sz="900" b="1" i="0" u="none" strike="noStrike" cap="none" normalizeH="0" baseline="0" dirty="0" smtClean="0">
+                <a:ln>
+                  <a:noFill/>
+                </a:ln>
+                <a:solidFill>
+                  <a:srgbClr val="000080"/>
+                </a:solidFill>
+                <a:effectLst/>
+                <a:latin typeface="Courier New" pitchFamily="49" charset="0"/>
+                <a:cs typeface="Courier New" pitchFamily="49" charset="0"/>
+              </a:rPr>
+              <a:t>new </a:t>
+            </a:r>
+            <a:r>
+              <a:rPr kumimoji="0" lang="nl-NL" altLang="nl-NL" sz="900" b="0" i="0" u="none" strike="noStrike" cap="none" normalizeH="0" baseline="0" dirty="0" err="1" smtClean="0">
+                <a:ln>
+                  <a:noFill/>
+                </a:ln>
+                <a:solidFill>
+                  <a:srgbClr val="000000"/>
+                </a:solidFill>
+                <a:effectLst/>
+                <a:latin typeface="Courier New" pitchFamily="49" charset="0"/>
+                <a:cs typeface="Courier New" pitchFamily="49" charset="0"/>
+              </a:rPr>
+              <a:t>BTree</a:t>
+            </a:r>
+            <a:r>
+              <a:rPr kumimoji="0" lang="nl-NL" altLang="nl-NL" sz="900" b="0" i="0" u="none" strike="noStrike" cap="none" normalizeH="0" baseline="0" dirty="0" smtClean="0">
+                <a:ln>
+                  <a:noFill/>
+                </a:ln>
+                <a:solidFill>
+                  <a:srgbClr val="000000"/>
+                </a:solidFill>
+                <a:effectLst/>
+                <a:latin typeface="Courier New" pitchFamily="49" charset="0"/>
+                <a:cs typeface="Courier New" pitchFamily="49" charset="0"/>
+              </a:rPr>
+              <a:t>&lt;</a:t>
+            </a:r>
+            <a:r>
+              <a:rPr kumimoji="0" lang="nl-NL" altLang="nl-NL" sz="900" b="0" i="0" u="none" strike="noStrike" cap="none" normalizeH="0" baseline="0" dirty="0" smtClean="0">
+                <a:ln>
+                  <a:noFill/>
+                </a:ln>
+                <a:solidFill>
+                  <a:srgbClr val="20999D"/>
+                </a:solidFill>
+                <a:effectLst/>
+                <a:latin typeface="Courier New" pitchFamily="49" charset="0"/>
+                <a:cs typeface="Courier New" pitchFamily="49" charset="0"/>
+              </a:rPr>
+              <a:t>K</a:t>
+            </a:r>
+            <a:r>
+              <a:rPr kumimoji="0" lang="nl-NL" altLang="nl-NL" sz="900" b="0" i="0" u="none" strike="noStrike" cap="none" normalizeH="0" baseline="0" dirty="0" smtClean="0">
+                <a:ln>
+                  <a:noFill/>
+                </a:ln>
+                <a:solidFill>
+                  <a:srgbClr val="000000"/>
+                </a:solidFill>
+                <a:effectLst/>
+                <a:latin typeface="Courier New" pitchFamily="49" charset="0"/>
+                <a:cs typeface="Courier New" pitchFamily="49" charset="0"/>
+              </a:rPr>
+              <a:t>, 				                </a:t>
+            </a:r>
+            <a:r>
+              <a:rPr kumimoji="0" lang="nl-NL" altLang="nl-NL" sz="900" b="0" i="0" u="none" strike="noStrike" cap="none" normalizeH="0" baseline="0" dirty="0" smtClean="0">
+                <a:ln>
+                  <a:noFill/>
+                </a:ln>
+                <a:solidFill>
+                  <a:srgbClr val="20999D"/>
+                </a:solidFill>
+                <a:effectLst/>
+                <a:latin typeface="Courier New" pitchFamily="49" charset="0"/>
+                <a:cs typeface="Courier New" pitchFamily="49" charset="0"/>
+              </a:rPr>
+              <a:t>V</a:t>
+            </a:r>
+            <a:r>
+              <a:rPr kumimoji="0" lang="nl-NL" altLang="nl-NL" sz="900" b="0" i="0" u="none" strike="noStrike" cap="none" normalizeH="0" baseline="0" dirty="0" smtClean="0">
+                <a:ln>
+                  <a:noFill/>
+                </a:ln>
+                <a:solidFill>
+                  <a:srgbClr val="000000"/>
+                </a:solidFill>
+                <a:effectLst/>
+                <a:latin typeface="Courier New" pitchFamily="49" charset="0"/>
+                <a:cs typeface="Courier New" pitchFamily="49" charset="0"/>
+              </a:rPr>
+              <a:t>&gt;(</a:t>
+            </a:r>
+            <a:r>
+              <a:rPr kumimoji="0" lang="nl-NL" altLang="nl-NL" sz="900" b="1" i="0" u="none" strike="noStrike" cap="none" normalizeH="0" baseline="0" dirty="0" err="1" smtClean="0">
+                <a:ln>
+                  <a:noFill/>
+                </a:ln>
+                <a:solidFill>
+                  <a:srgbClr val="660E7A"/>
+                </a:solidFill>
+                <a:effectLst/>
+                <a:latin typeface="Courier New" pitchFamily="49" charset="0"/>
+                <a:cs typeface="Courier New" pitchFamily="49" charset="0"/>
+              </a:rPr>
+              <a:t>nodeSize</a:t>
+            </a:r>
+            <a:r>
+              <a:rPr kumimoji="0" lang="nl-NL" altLang="nl-NL" sz="900" b="0" i="0" u="none" strike="noStrike" cap="none" normalizeH="0" baseline="0" dirty="0" smtClean="0">
+                <a:ln>
+                  <a:noFill/>
+                </a:ln>
+                <a:solidFill>
+                  <a:srgbClr val="000000"/>
+                </a:solidFill>
+                <a:effectLst/>
+                <a:latin typeface="Courier New" pitchFamily="49" charset="0"/>
+                <a:cs typeface="Courier New" pitchFamily="49" charset="0"/>
+              </a:rPr>
+              <a:t>));</a:t>
+            </a:r>
+            <a:br>
+              <a:rPr kumimoji="0" lang="nl-NL" altLang="nl-NL" sz="900" b="0" i="0" u="none" strike="noStrike" cap="none" normalizeH="0" baseline="0" dirty="0" smtClean="0">
+                <a:ln>
+                  <a:noFill/>
+                </a:ln>
+                <a:solidFill>
+                  <a:srgbClr val="000000"/>
+                </a:solidFill>
+                <a:effectLst/>
+                <a:latin typeface="Courier New" pitchFamily="49" charset="0"/>
+                <a:cs typeface="Courier New" pitchFamily="49" charset="0"/>
+              </a:rPr>
+            </a:br>
+            <a:r>
+              <a:rPr kumimoji="0" lang="nl-NL" altLang="nl-NL" sz="900" b="0" i="0" u="none" strike="noStrike" cap="none" normalizeH="0" baseline="0" dirty="0" smtClean="0">
+                <a:ln>
+                  <a:noFill/>
+                </a:ln>
+                <a:solidFill>
+                  <a:srgbClr val="000000"/>
+                </a:solidFill>
+                <a:effectLst/>
+                <a:latin typeface="Courier New" pitchFamily="49" charset="0"/>
+                <a:cs typeface="Courier New" pitchFamily="49" charset="0"/>
+              </a:rPr>
+              <a:t>                    } </a:t>
+            </a:r>
+            <a:r>
+              <a:rPr kumimoji="0" lang="nl-NL" altLang="nl-NL" sz="900" b="1" i="0" u="none" strike="noStrike" cap="none" normalizeH="0" baseline="0" dirty="0" err="1" smtClean="0">
+                <a:ln>
+                  <a:noFill/>
+                </a:ln>
+                <a:solidFill>
+                  <a:srgbClr val="000080"/>
+                </a:solidFill>
+                <a:effectLst/>
+                <a:latin typeface="Courier New" pitchFamily="49" charset="0"/>
+                <a:cs typeface="Courier New" pitchFamily="49" charset="0"/>
+              </a:rPr>
+              <a:t>else</a:t>
+            </a:r>
+            <a:r>
+              <a:rPr kumimoji="0" lang="nl-NL" altLang="nl-NL" sz="900" b="1" i="0" u="none" strike="noStrike" cap="none" normalizeH="0" baseline="0" dirty="0" smtClean="0">
+                <a:ln>
+                  <a:noFill/>
+                </a:ln>
+                <a:solidFill>
+                  <a:srgbClr val="000080"/>
+                </a:solidFill>
+                <a:effectLst/>
+                <a:latin typeface="Courier New" pitchFamily="49" charset="0"/>
+                <a:cs typeface="Courier New" pitchFamily="49" charset="0"/>
+              </a:rPr>
+              <a:t> </a:t>
+            </a:r>
+            <a:r>
+              <a:rPr kumimoji="0" lang="nl-NL" altLang="nl-NL" sz="900" b="1" i="0" u="none" strike="noStrike" cap="none" normalizeH="0" baseline="0" dirty="0" err="1" smtClean="0">
+                <a:ln>
+                  <a:noFill/>
+                </a:ln>
+                <a:solidFill>
+                  <a:srgbClr val="000080"/>
+                </a:solidFill>
+                <a:effectLst/>
+                <a:latin typeface="Courier New" pitchFamily="49" charset="0"/>
+                <a:cs typeface="Courier New" pitchFamily="49" charset="0"/>
+              </a:rPr>
+              <a:t>if</a:t>
+            </a:r>
+            <a:r>
+              <a:rPr kumimoji="0" lang="nl-NL" altLang="nl-NL" sz="900" b="1" i="0" u="none" strike="noStrike" cap="none" normalizeH="0" baseline="0" dirty="0" smtClean="0">
+                <a:ln>
+                  <a:noFill/>
+                </a:ln>
+                <a:solidFill>
+                  <a:srgbClr val="000080"/>
+                </a:solidFill>
+                <a:effectLst/>
+                <a:latin typeface="Courier New" pitchFamily="49" charset="0"/>
+                <a:cs typeface="Courier New" pitchFamily="49" charset="0"/>
+              </a:rPr>
+              <a:t> </a:t>
+            </a:r>
+            <a:r>
+              <a:rPr kumimoji="0" lang="nl-NL" altLang="nl-NL" sz="900" b="0" i="0" u="none" strike="noStrike" cap="none" normalizeH="0" baseline="0" dirty="0" smtClean="0">
+                <a:ln>
+                  <a:noFill/>
+                </a:ln>
+                <a:solidFill>
+                  <a:srgbClr val="000000"/>
+                </a:solidFill>
+                <a:effectLst/>
+                <a:latin typeface="Courier New" pitchFamily="49" charset="0"/>
+                <a:cs typeface="Courier New" pitchFamily="49" charset="0"/>
+              </a:rPr>
+              <a:t>(i == </a:t>
+            </a:r>
+            <a:r>
+              <a:rPr kumimoji="0" lang="nl-NL" altLang="nl-NL" sz="900" b="0" i="0" u="none" strike="noStrike" cap="none" normalizeH="0" baseline="0" dirty="0" err="1" smtClean="0">
+                <a:ln>
+                  <a:noFill/>
+                </a:ln>
+                <a:solidFill>
+                  <a:srgbClr val="000000"/>
+                </a:solidFill>
+                <a:effectLst/>
+                <a:latin typeface="Courier New" pitchFamily="49" charset="0"/>
+                <a:cs typeface="Courier New" pitchFamily="49" charset="0"/>
+              </a:rPr>
+              <a:t>tree.</a:t>
+            </a:r>
+            <a:r>
+              <a:rPr kumimoji="0" lang="nl-NL" altLang="nl-NL" sz="900" b="1" i="0" u="none" strike="noStrike" cap="none" normalizeH="0" baseline="0" dirty="0" err="1" smtClean="0">
+                <a:ln>
+                  <a:noFill/>
+                </a:ln>
+                <a:solidFill>
+                  <a:srgbClr val="660E7A"/>
+                </a:solidFill>
+                <a:effectLst/>
+                <a:latin typeface="Courier New" pitchFamily="49" charset="0"/>
+                <a:cs typeface="Courier New" pitchFamily="49" charset="0"/>
+              </a:rPr>
+              <a:t>nodes</a:t>
+            </a:r>
+            <a:r>
+              <a:rPr kumimoji="0" lang="nl-NL" altLang="nl-NL" sz="900" b="0" i="0" u="none" strike="noStrike" cap="none" normalizeH="0" baseline="0" dirty="0" err="1" smtClean="0">
+                <a:ln>
+                  <a:noFill/>
+                </a:ln>
+                <a:solidFill>
+                  <a:srgbClr val="000000"/>
+                </a:solidFill>
+                <a:effectLst/>
+                <a:latin typeface="Courier New" pitchFamily="49" charset="0"/>
+                <a:cs typeface="Courier New" pitchFamily="49" charset="0"/>
+              </a:rPr>
+              <a:t>.size</a:t>
+            </a:r>
+            <a:r>
+              <a:rPr kumimoji="0" lang="nl-NL" altLang="nl-NL" sz="900" b="0" i="0" u="none" strike="noStrike" cap="none" normalizeH="0" baseline="0" dirty="0" smtClean="0">
+                <a:ln>
+                  <a:noFill/>
+                </a:ln>
+                <a:solidFill>
+                  <a:srgbClr val="000000"/>
+                </a:solidFill>
+                <a:effectLst/>
+                <a:latin typeface="Courier New" pitchFamily="49" charset="0"/>
+                <a:cs typeface="Courier New" pitchFamily="49" charset="0"/>
+              </a:rPr>
+              <a:t>() - </a:t>
+            </a:r>
+            <a:r>
+              <a:rPr kumimoji="0" lang="nl-NL" altLang="nl-NL" sz="900" b="0" i="0" u="none" strike="noStrike" cap="none" normalizeH="0" baseline="0" dirty="0" smtClean="0">
+                <a:ln>
+                  <a:noFill/>
+                </a:ln>
+                <a:solidFill>
+                  <a:srgbClr val="0000FF"/>
+                </a:solidFill>
+                <a:effectLst/>
+                <a:latin typeface="Courier New" pitchFamily="49" charset="0"/>
+                <a:cs typeface="Courier New" pitchFamily="49" charset="0"/>
+              </a:rPr>
+              <a:t>1</a:t>
+            </a:r>
+            <a:r>
+              <a:rPr kumimoji="0" lang="nl-NL" altLang="nl-NL" sz="900" b="0" i="0" u="none" strike="noStrike" cap="none" normalizeH="0" baseline="0" dirty="0" smtClean="0">
+                <a:ln>
+                  <a:noFill/>
+                </a:ln>
+                <a:solidFill>
+                  <a:srgbClr val="000000"/>
+                </a:solidFill>
+                <a:effectLst/>
+                <a:latin typeface="Courier New" pitchFamily="49" charset="0"/>
+                <a:cs typeface="Courier New" pitchFamily="49" charset="0"/>
+              </a:rPr>
+              <a:t>)</a:t>
+            </a:r>
+            <a:br>
+              <a:rPr kumimoji="0" lang="nl-NL" altLang="nl-NL" sz="900" b="0" i="0" u="none" strike="noStrike" cap="none" normalizeH="0" baseline="0" dirty="0" smtClean="0">
+                <a:ln>
+                  <a:noFill/>
+                </a:ln>
+                <a:solidFill>
+                  <a:srgbClr val="000000"/>
+                </a:solidFill>
+                <a:effectLst/>
+                <a:latin typeface="Courier New" pitchFamily="49" charset="0"/>
+                <a:cs typeface="Courier New" pitchFamily="49" charset="0"/>
+              </a:rPr>
+            </a:br>
+            <a:r>
+              <a:rPr kumimoji="0" lang="nl-NL" altLang="nl-NL" sz="900" b="0" i="0" u="none" strike="noStrike" cap="none" normalizeH="0" baseline="0" dirty="0" smtClean="0">
+                <a:ln>
+                  <a:noFill/>
+                </a:ln>
+                <a:solidFill>
+                  <a:srgbClr val="000000"/>
+                </a:solidFill>
+                <a:effectLst/>
+                <a:latin typeface="Courier New" pitchFamily="49" charset="0"/>
+                <a:cs typeface="Courier New" pitchFamily="49" charset="0"/>
+              </a:rPr>
+              <a:t>                    {</a:t>
+            </a:r>
+            <a:br>
+              <a:rPr kumimoji="0" lang="nl-NL" altLang="nl-NL" sz="900" b="0" i="0" u="none" strike="noStrike" cap="none" normalizeH="0" baseline="0" dirty="0" smtClean="0">
+                <a:ln>
+                  <a:noFill/>
+                </a:ln>
+                <a:solidFill>
+                  <a:srgbClr val="000000"/>
+                </a:solidFill>
+                <a:effectLst/>
+                <a:latin typeface="Courier New" pitchFamily="49" charset="0"/>
+                <a:cs typeface="Courier New" pitchFamily="49" charset="0"/>
+              </a:rPr>
+            </a:br>
+            <a:r>
+              <a:rPr kumimoji="0" lang="nl-NL" altLang="nl-NL" sz="900" b="0" i="0" u="none" strike="noStrike" cap="none" normalizeH="0" baseline="0" dirty="0" smtClean="0">
+                <a:ln>
+                  <a:noFill/>
+                </a:ln>
+                <a:solidFill>
+                  <a:srgbClr val="000000"/>
+                </a:solidFill>
+                <a:effectLst/>
+                <a:latin typeface="Courier New" pitchFamily="49" charset="0"/>
+                <a:cs typeface="Courier New" pitchFamily="49" charset="0"/>
+              </a:rPr>
+              <a:t>                        </a:t>
+            </a:r>
+            <a:r>
+              <a:rPr kumimoji="0" lang="nl-NL" altLang="nl-NL" sz="900" b="0" i="0" u="none" strike="noStrike" cap="none" normalizeH="0" baseline="0" dirty="0" err="1" smtClean="0">
+                <a:ln>
+                  <a:noFill/>
+                </a:ln>
+                <a:solidFill>
+                  <a:srgbClr val="000000"/>
+                </a:solidFill>
+                <a:effectLst/>
+                <a:latin typeface="Courier New" pitchFamily="49" charset="0"/>
+                <a:cs typeface="Courier New" pitchFamily="49" charset="0"/>
+              </a:rPr>
+              <a:t>tree.</a:t>
+            </a:r>
+            <a:r>
+              <a:rPr kumimoji="0" lang="nl-NL" altLang="nl-NL" sz="900" b="1" i="0" u="none" strike="noStrike" cap="none" normalizeH="0" baseline="0" dirty="0" err="1" smtClean="0">
+                <a:ln>
+                  <a:noFill/>
+                </a:ln>
+                <a:solidFill>
+                  <a:srgbClr val="660E7A"/>
+                </a:solidFill>
+                <a:effectLst/>
+                <a:latin typeface="Courier New" pitchFamily="49" charset="0"/>
+                <a:cs typeface="Courier New" pitchFamily="49" charset="0"/>
+              </a:rPr>
+              <a:t>nodes</a:t>
+            </a:r>
+            <a:r>
+              <a:rPr kumimoji="0" lang="nl-NL" altLang="nl-NL" sz="900" b="0" i="0" u="none" strike="noStrike" cap="none" normalizeH="0" baseline="0" dirty="0" err="1" smtClean="0">
+                <a:ln>
+                  <a:noFill/>
+                </a:ln>
+                <a:solidFill>
+                  <a:srgbClr val="000000"/>
+                </a:solidFill>
+                <a:effectLst/>
+                <a:latin typeface="Courier New" pitchFamily="49" charset="0"/>
+                <a:cs typeface="Courier New" pitchFamily="49" charset="0"/>
+              </a:rPr>
+              <a:t>.add</a:t>
+            </a:r>
+            <a:r>
+              <a:rPr kumimoji="0" lang="nl-NL" altLang="nl-NL" sz="900" b="0" i="0" u="none" strike="noStrike" cap="none" normalizeH="0" baseline="0" dirty="0" smtClean="0">
+                <a:ln>
+                  <a:noFill/>
+                </a:ln>
+                <a:solidFill>
+                  <a:srgbClr val="000000"/>
+                </a:solidFill>
+                <a:effectLst/>
+                <a:latin typeface="Courier New" pitchFamily="49" charset="0"/>
+                <a:cs typeface="Courier New" pitchFamily="49" charset="0"/>
+              </a:rPr>
+              <a:t>(</a:t>
+            </a:r>
+            <a:r>
+              <a:rPr kumimoji="0" lang="nl-NL" altLang="nl-NL" sz="900" b="1" i="0" u="none" strike="noStrike" cap="none" normalizeH="0" baseline="0" dirty="0" smtClean="0">
+                <a:ln>
+                  <a:noFill/>
+                </a:ln>
+                <a:solidFill>
+                  <a:srgbClr val="000080"/>
+                </a:solidFill>
+                <a:effectLst/>
+                <a:latin typeface="Courier New" pitchFamily="49" charset="0"/>
+                <a:cs typeface="Courier New" pitchFamily="49" charset="0"/>
+              </a:rPr>
+              <a:t>new </a:t>
+            </a:r>
+            <a:r>
+              <a:rPr kumimoji="0" lang="nl-NL" altLang="nl-NL" sz="900" b="0" i="0" u="none" strike="noStrike" cap="none" normalizeH="0" baseline="0" dirty="0" err="1" smtClean="0">
+                <a:ln>
+                  <a:noFill/>
+                </a:ln>
+                <a:solidFill>
+                  <a:srgbClr val="000000"/>
+                </a:solidFill>
+                <a:effectLst/>
+                <a:latin typeface="Courier New" pitchFamily="49" charset="0"/>
+                <a:cs typeface="Courier New" pitchFamily="49" charset="0"/>
+              </a:rPr>
+              <a:t>KeyValuePair</a:t>
+            </a:r>
+            <a:r>
+              <a:rPr kumimoji="0" lang="nl-NL" altLang="nl-NL" sz="900" b="0" i="0" u="none" strike="noStrike" cap="none" normalizeH="0" baseline="0" dirty="0" smtClean="0">
+                <a:ln>
+                  <a:noFill/>
+                </a:ln>
+                <a:solidFill>
+                  <a:srgbClr val="000000"/>
+                </a:solidFill>
+                <a:effectLst/>
+                <a:latin typeface="Courier New" pitchFamily="49" charset="0"/>
+                <a:cs typeface="Courier New" pitchFamily="49" charset="0"/>
+              </a:rPr>
+              <a:t>&lt;</a:t>
+            </a:r>
+            <a:r>
+              <a:rPr kumimoji="0" lang="nl-NL" altLang="nl-NL" sz="900" b="0" i="0" u="none" strike="noStrike" cap="none" normalizeH="0" baseline="0" dirty="0" smtClean="0">
+                <a:ln>
+                  <a:noFill/>
+                </a:ln>
+                <a:solidFill>
+                  <a:srgbClr val="20999D"/>
+                </a:solidFill>
+                <a:effectLst/>
+                <a:latin typeface="Courier New" pitchFamily="49" charset="0"/>
+                <a:cs typeface="Courier New" pitchFamily="49" charset="0"/>
+              </a:rPr>
+              <a:t>K</a:t>
+            </a:r>
+            <a:r>
+              <a:rPr kumimoji="0" lang="nl-NL" altLang="nl-NL" sz="900" b="0" i="0" u="none" strike="noStrike" cap="none" normalizeH="0" baseline="0" dirty="0" smtClean="0">
+                <a:ln>
+                  <a:noFill/>
+                </a:ln>
+                <a:solidFill>
+                  <a:srgbClr val="000000"/>
+                </a:solidFill>
+                <a:effectLst/>
+                <a:latin typeface="Courier New" pitchFamily="49" charset="0"/>
+                <a:cs typeface="Courier New" pitchFamily="49" charset="0"/>
+              </a:rPr>
+              <a:t>, </a:t>
+            </a:r>
+            <a:r>
+              <a:rPr kumimoji="0" lang="nl-NL" altLang="nl-NL" sz="900" b="0" i="0" u="none" strike="noStrike" cap="none" normalizeH="0" baseline="0" dirty="0" smtClean="0">
+                <a:ln>
+                  <a:noFill/>
+                </a:ln>
+                <a:solidFill>
+                  <a:srgbClr val="20999D"/>
+                </a:solidFill>
+                <a:effectLst/>
+                <a:latin typeface="Courier New" pitchFamily="49" charset="0"/>
+                <a:cs typeface="Courier New" pitchFamily="49" charset="0"/>
+              </a:rPr>
+              <a:t>V</a:t>
+            </a:r>
+            <a:r>
+              <a:rPr kumimoji="0" lang="nl-NL" altLang="nl-NL" sz="900" b="0" i="0" u="none" strike="noStrike" cap="none" normalizeH="0" baseline="0" dirty="0" smtClean="0">
+                <a:ln>
+                  <a:noFill/>
+                </a:ln>
+                <a:solidFill>
+                  <a:srgbClr val="000000"/>
+                </a:solidFill>
+                <a:effectLst/>
+                <a:latin typeface="Courier New" pitchFamily="49" charset="0"/>
+                <a:cs typeface="Courier New" pitchFamily="49" charset="0"/>
+              </a:rPr>
+              <a:t>&gt;(</a:t>
+            </a:r>
+            <a:r>
+              <a:rPr kumimoji="0" lang="nl-NL" altLang="nl-NL" sz="900" b="0" i="0" u="none" strike="noStrike" cap="none" normalizeH="0" baseline="0" dirty="0" err="1" smtClean="0">
+                <a:ln>
+                  <a:noFill/>
+                </a:ln>
+                <a:solidFill>
+                  <a:srgbClr val="000000"/>
+                </a:solidFill>
+                <a:effectLst/>
+                <a:latin typeface="Courier New" pitchFamily="49" charset="0"/>
+                <a:cs typeface="Courier New" pitchFamily="49" charset="0"/>
+              </a:rPr>
+              <a:t>key</a:t>
+            </a:r>
+            <a:r>
+              <a:rPr kumimoji="0" lang="nl-NL" altLang="nl-NL" sz="900" b="0" i="0" u="none" strike="noStrike" cap="none" normalizeH="0" baseline="0" dirty="0" smtClean="0">
+                <a:ln>
+                  <a:noFill/>
+                </a:ln>
+                <a:solidFill>
+                  <a:srgbClr val="000000"/>
+                </a:solidFill>
+                <a:effectLst/>
+                <a:latin typeface="Courier New" pitchFamily="49" charset="0"/>
+                <a:cs typeface="Courier New" pitchFamily="49" charset="0"/>
+              </a:rPr>
+              <a:t>, 				</a:t>
+            </a:r>
+            <a:r>
+              <a:rPr kumimoji="0" lang="nl-NL" altLang="nl-NL" sz="900" b="0" i="0" u="none" strike="noStrike" cap="none" normalizeH="0" baseline="0" dirty="0" err="1" smtClean="0">
+                <a:ln>
+                  <a:noFill/>
+                </a:ln>
+                <a:solidFill>
+                  <a:srgbClr val="000000"/>
+                </a:solidFill>
+                <a:effectLst/>
+                <a:latin typeface="Courier New" pitchFamily="49" charset="0"/>
+                <a:cs typeface="Courier New" pitchFamily="49" charset="0"/>
+              </a:rPr>
+              <a:t>value</a:t>
+            </a:r>
+            <a:r>
+              <a:rPr kumimoji="0" lang="nl-NL" altLang="nl-NL" sz="900" b="0" i="0" u="none" strike="noStrike" cap="none" normalizeH="0" baseline="0" dirty="0" smtClean="0">
+                <a:ln>
+                  <a:noFill/>
+                </a:ln>
+                <a:solidFill>
+                  <a:srgbClr val="000000"/>
+                </a:solidFill>
+                <a:effectLst/>
+                <a:latin typeface="Courier New" pitchFamily="49" charset="0"/>
+                <a:cs typeface="Courier New" pitchFamily="49" charset="0"/>
+              </a:rPr>
+              <a:t>));</a:t>
+            </a:r>
+            <a:br>
+              <a:rPr kumimoji="0" lang="nl-NL" altLang="nl-NL" sz="900" b="0" i="0" u="none" strike="noStrike" cap="none" normalizeH="0" baseline="0" dirty="0" smtClean="0">
+                <a:ln>
+                  <a:noFill/>
+                </a:ln>
+                <a:solidFill>
+                  <a:srgbClr val="000000"/>
+                </a:solidFill>
+                <a:effectLst/>
+                <a:latin typeface="Courier New" pitchFamily="49" charset="0"/>
+                <a:cs typeface="Courier New" pitchFamily="49" charset="0"/>
+              </a:rPr>
+            </a:br>
+            <a:r>
+              <a:rPr kumimoji="0" lang="nl-NL" altLang="nl-NL" sz="900" b="0" i="0" u="none" strike="noStrike" cap="none" normalizeH="0" baseline="0" dirty="0" smtClean="0">
+                <a:ln>
+                  <a:noFill/>
+                </a:ln>
+                <a:solidFill>
+                  <a:srgbClr val="000000"/>
+                </a:solidFill>
+                <a:effectLst/>
+                <a:latin typeface="Courier New" pitchFamily="49" charset="0"/>
+                <a:cs typeface="Courier New" pitchFamily="49" charset="0"/>
+              </a:rPr>
+              <a:t>                    }</a:t>
+            </a:r>
+            <a:br>
+              <a:rPr kumimoji="0" lang="nl-NL" altLang="nl-NL" sz="900" b="0" i="0" u="none" strike="noStrike" cap="none" normalizeH="0" baseline="0" dirty="0" smtClean="0">
+                <a:ln>
+                  <a:noFill/>
+                </a:ln>
+                <a:solidFill>
+                  <a:srgbClr val="000000"/>
+                </a:solidFill>
+                <a:effectLst/>
+                <a:latin typeface="Courier New" pitchFamily="49" charset="0"/>
+                <a:cs typeface="Courier New" pitchFamily="49" charset="0"/>
+              </a:rPr>
+            </a:br>
+            <a:r>
+              <a:rPr kumimoji="0" lang="nl-NL" altLang="nl-NL" sz="900" b="0" i="0" u="none" strike="noStrike" cap="none" normalizeH="0" baseline="0" dirty="0" smtClean="0">
+                <a:ln>
+                  <a:noFill/>
+                </a:ln>
+                <a:solidFill>
+                  <a:srgbClr val="000000"/>
+                </a:solidFill>
+                <a:effectLst/>
+                <a:latin typeface="Courier New" pitchFamily="49" charset="0"/>
+                <a:cs typeface="Courier New" pitchFamily="49" charset="0"/>
+              </a:rPr>
+              <a:t>	}</a:t>
+            </a:r>
+            <a:br>
+              <a:rPr kumimoji="0" lang="nl-NL" altLang="nl-NL" sz="900" b="0" i="0" u="none" strike="noStrike" cap="none" normalizeH="0" baseline="0" dirty="0" smtClean="0">
+                <a:ln>
+                  <a:noFill/>
+                </a:ln>
+                <a:solidFill>
+                  <a:srgbClr val="000000"/>
+                </a:solidFill>
+                <a:effectLst/>
+                <a:latin typeface="Courier New" pitchFamily="49" charset="0"/>
+                <a:cs typeface="Courier New" pitchFamily="49" charset="0"/>
+              </a:rPr>
+            </a:br>
+            <a:r>
+              <a:rPr kumimoji="0" lang="nl-NL" altLang="nl-NL" sz="900" b="0" i="0" u="none" strike="noStrike" cap="none" normalizeH="0" baseline="0" dirty="0" smtClean="0">
+                <a:ln>
+                  <a:noFill/>
+                </a:ln>
+                <a:solidFill>
+                  <a:srgbClr val="000000"/>
+                </a:solidFill>
+                <a:effectLst/>
+                <a:latin typeface="Courier New" pitchFamily="49" charset="0"/>
+                <a:cs typeface="Courier New" pitchFamily="49" charset="0"/>
+              </a:rPr>
+              <a:t>            } </a:t>
+            </a:r>
+            <a:r>
+              <a:rPr kumimoji="0" lang="nl-NL" altLang="nl-NL" sz="900" b="1" i="0" u="none" strike="noStrike" cap="none" normalizeH="0" baseline="0" dirty="0" err="1" smtClean="0">
+                <a:ln>
+                  <a:noFill/>
+                </a:ln>
+                <a:solidFill>
+                  <a:srgbClr val="000080"/>
+                </a:solidFill>
+                <a:effectLst/>
+                <a:latin typeface="Courier New" pitchFamily="49" charset="0"/>
+                <a:cs typeface="Courier New" pitchFamily="49" charset="0"/>
+              </a:rPr>
+              <a:t>else</a:t>
+            </a:r>
+            <a:r>
+              <a:rPr kumimoji="0" lang="nl-NL" altLang="nl-NL" sz="900" b="1" i="0" u="none" strike="noStrike" cap="none" normalizeH="0" baseline="0" dirty="0" smtClean="0">
+                <a:ln>
+                  <a:noFill/>
+                </a:ln>
+                <a:solidFill>
+                  <a:srgbClr val="000080"/>
+                </a:solidFill>
+                <a:effectLst/>
+                <a:latin typeface="Courier New" pitchFamily="49" charset="0"/>
+                <a:cs typeface="Courier New" pitchFamily="49" charset="0"/>
+              </a:rPr>
+              <a:t/>
             </a:r>
             <a:br>
               <a:rPr kumimoji="0" lang="nl-NL" altLang="nl-NL" sz="900" b="1" i="0" u="none" strike="noStrike" cap="none" normalizeH="0" baseline="0" dirty="0" smtClean="0">
@@ -6399,7 +8452,7 @@
                 <a:latin typeface="Courier New" pitchFamily="49" charset="0"/>
                 <a:cs typeface="Courier New" pitchFamily="49" charset="0"/>
               </a:rPr>
-              <a:t>    </a:t>
+              <a:t>            </a:t>
             </a:r>
             <a:r>
               <a:rPr kumimoji="0" lang="nl-NL" altLang="nl-NL" sz="900" b="0" i="0" u="none" strike="noStrike" cap="none" normalizeH="0" baseline="0" dirty="0" smtClean="0">
@@ -6440,7 +8493,217 @@
                 <a:latin typeface="Courier New" pitchFamily="49" charset="0"/>
                 <a:cs typeface="Courier New" pitchFamily="49" charset="0"/>
               </a:rPr>
-              <a:t>        tree = next;</a:t>
+              <a:t>                </a:t>
+            </a:r>
+            <a:r>
+              <a:rPr kumimoji="0" lang="nl-NL" altLang="nl-NL" sz="900" b="0" i="0" u="none" strike="noStrike" cap="none" normalizeH="0" baseline="0" dirty="0" err="1" smtClean="0">
+                <a:ln>
+                  <a:noFill/>
+                </a:ln>
+                <a:solidFill>
+                  <a:srgbClr val="000000"/>
+                </a:solidFill>
+                <a:effectLst/>
+                <a:latin typeface="Courier New" pitchFamily="49" charset="0"/>
+                <a:cs typeface="Courier New" pitchFamily="49" charset="0"/>
+              </a:rPr>
+              <a:t>tree.</a:t>
+            </a:r>
+            <a:r>
+              <a:rPr kumimoji="0" lang="nl-NL" altLang="nl-NL" sz="900" b="1" i="0" u="none" strike="noStrike" cap="none" normalizeH="0" baseline="0" dirty="0" err="1" smtClean="0">
+                <a:ln>
+                  <a:noFill/>
+                </a:ln>
+                <a:solidFill>
+                  <a:srgbClr val="660E7A"/>
+                </a:solidFill>
+                <a:effectLst/>
+                <a:latin typeface="Courier New" pitchFamily="49" charset="0"/>
+                <a:cs typeface="Courier New" pitchFamily="49" charset="0"/>
+              </a:rPr>
+              <a:t>nodes</a:t>
+            </a:r>
+            <a:r>
+              <a:rPr kumimoji="0" lang="nl-NL" altLang="nl-NL" sz="900" b="0" i="0" u="none" strike="noStrike" cap="none" normalizeH="0" baseline="0" dirty="0" err="1" smtClean="0">
+                <a:ln>
+                  <a:noFill/>
+                </a:ln>
+                <a:solidFill>
+                  <a:srgbClr val="000000"/>
+                </a:solidFill>
+                <a:effectLst/>
+                <a:latin typeface="Courier New" pitchFamily="49" charset="0"/>
+                <a:cs typeface="Courier New" pitchFamily="49" charset="0"/>
+              </a:rPr>
+              <a:t>.add</a:t>
+            </a:r>
+            <a:r>
+              <a:rPr kumimoji="0" lang="nl-NL" altLang="nl-NL" sz="900" b="0" i="0" u="none" strike="noStrike" cap="none" normalizeH="0" baseline="0" dirty="0" smtClean="0">
+                <a:ln>
+                  <a:noFill/>
+                </a:ln>
+                <a:solidFill>
+                  <a:srgbClr val="000000"/>
+                </a:solidFill>
+                <a:effectLst/>
+                <a:latin typeface="Courier New" pitchFamily="49" charset="0"/>
+                <a:cs typeface="Courier New" pitchFamily="49" charset="0"/>
+              </a:rPr>
+              <a:t>(</a:t>
+            </a:r>
+            <a:r>
+              <a:rPr kumimoji="0" lang="nl-NL" altLang="nl-NL" sz="900" b="1" i="0" u="none" strike="noStrike" cap="none" normalizeH="0" baseline="0" dirty="0" smtClean="0">
+                <a:ln>
+                  <a:noFill/>
+                </a:ln>
+                <a:solidFill>
+                  <a:srgbClr val="000080"/>
+                </a:solidFill>
+                <a:effectLst/>
+                <a:latin typeface="Courier New" pitchFamily="49" charset="0"/>
+                <a:cs typeface="Courier New" pitchFamily="49" charset="0"/>
+              </a:rPr>
+              <a:t>new </a:t>
+            </a:r>
+            <a:r>
+              <a:rPr kumimoji="0" lang="nl-NL" altLang="nl-NL" sz="900" b="0" i="0" u="none" strike="noStrike" cap="none" normalizeH="0" baseline="0" dirty="0" err="1" smtClean="0">
+                <a:ln>
+                  <a:noFill/>
+                </a:ln>
+                <a:solidFill>
+                  <a:srgbClr val="000000"/>
+                </a:solidFill>
+                <a:effectLst/>
+                <a:latin typeface="Courier New" pitchFamily="49" charset="0"/>
+                <a:cs typeface="Courier New" pitchFamily="49" charset="0"/>
+              </a:rPr>
+              <a:t>KeyValuePair</a:t>
+            </a:r>
+            <a:r>
+              <a:rPr kumimoji="0" lang="nl-NL" altLang="nl-NL" sz="900" b="0" i="0" u="none" strike="noStrike" cap="none" normalizeH="0" baseline="0" dirty="0" smtClean="0">
+                <a:ln>
+                  <a:noFill/>
+                </a:ln>
+                <a:solidFill>
+                  <a:srgbClr val="000000"/>
+                </a:solidFill>
+                <a:effectLst/>
+                <a:latin typeface="Courier New" pitchFamily="49" charset="0"/>
+                <a:cs typeface="Courier New" pitchFamily="49" charset="0"/>
+              </a:rPr>
+              <a:t>&lt;</a:t>
+            </a:r>
+            <a:r>
+              <a:rPr kumimoji="0" lang="nl-NL" altLang="nl-NL" sz="900" b="0" i="0" u="none" strike="noStrike" cap="none" normalizeH="0" baseline="0" dirty="0" smtClean="0">
+                <a:ln>
+                  <a:noFill/>
+                </a:ln>
+                <a:solidFill>
+                  <a:srgbClr val="20999D"/>
+                </a:solidFill>
+                <a:effectLst/>
+                <a:latin typeface="Courier New" pitchFamily="49" charset="0"/>
+                <a:cs typeface="Courier New" pitchFamily="49" charset="0"/>
+              </a:rPr>
+              <a:t>K</a:t>
+            </a:r>
+            <a:r>
+              <a:rPr kumimoji="0" lang="nl-NL" altLang="nl-NL" sz="900" b="0" i="0" u="none" strike="noStrike" cap="none" normalizeH="0" baseline="0" dirty="0" smtClean="0">
+                <a:ln>
+                  <a:noFill/>
+                </a:ln>
+                <a:solidFill>
+                  <a:srgbClr val="000000"/>
+                </a:solidFill>
+                <a:effectLst/>
+                <a:latin typeface="Courier New" pitchFamily="49" charset="0"/>
+                <a:cs typeface="Courier New" pitchFamily="49" charset="0"/>
+              </a:rPr>
+              <a:t>, </a:t>
+            </a:r>
+            <a:r>
+              <a:rPr kumimoji="0" lang="nl-NL" altLang="nl-NL" sz="900" b="0" i="0" u="none" strike="noStrike" cap="none" normalizeH="0" baseline="0" dirty="0" smtClean="0">
+                <a:ln>
+                  <a:noFill/>
+                </a:ln>
+                <a:solidFill>
+                  <a:srgbClr val="20999D"/>
+                </a:solidFill>
+                <a:effectLst/>
+                <a:latin typeface="Courier New" pitchFamily="49" charset="0"/>
+                <a:cs typeface="Courier New" pitchFamily="49" charset="0"/>
+              </a:rPr>
+              <a:t>V</a:t>
+            </a:r>
+            <a:r>
+              <a:rPr kumimoji="0" lang="nl-NL" altLang="nl-NL" sz="900" b="0" i="0" u="none" strike="noStrike" cap="none" normalizeH="0" baseline="0" dirty="0" smtClean="0">
+                <a:ln>
+                  <a:noFill/>
+                </a:ln>
+                <a:solidFill>
+                  <a:srgbClr val="000000"/>
+                </a:solidFill>
+                <a:effectLst/>
+                <a:latin typeface="Courier New" pitchFamily="49" charset="0"/>
+                <a:cs typeface="Courier New" pitchFamily="49" charset="0"/>
+              </a:rPr>
+              <a:t>&gt;(</a:t>
+            </a:r>
+            <a:r>
+              <a:rPr kumimoji="0" lang="nl-NL" altLang="nl-NL" sz="900" b="0" i="0" u="none" strike="noStrike" cap="none" normalizeH="0" baseline="0" dirty="0" err="1" smtClean="0">
+                <a:ln>
+                  <a:noFill/>
+                </a:ln>
+                <a:solidFill>
+                  <a:srgbClr val="000000"/>
+                </a:solidFill>
+                <a:effectLst/>
+                <a:latin typeface="Courier New" pitchFamily="49" charset="0"/>
+                <a:cs typeface="Courier New" pitchFamily="49" charset="0"/>
+              </a:rPr>
+              <a:t>key</a:t>
+            </a:r>
+            <a:r>
+              <a:rPr kumimoji="0" lang="nl-NL" altLang="nl-NL" sz="900" b="0" i="0" u="none" strike="noStrike" cap="none" normalizeH="0" baseline="0" dirty="0" smtClean="0">
+                <a:ln>
+                  <a:noFill/>
+                </a:ln>
+                <a:solidFill>
+                  <a:srgbClr val="000000"/>
+                </a:solidFill>
+                <a:effectLst/>
+                <a:latin typeface="Courier New" pitchFamily="49" charset="0"/>
+                <a:cs typeface="Courier New" pitchFamily="49" charset="0"/>
+              </a:rPr>
+              <a:t>, </a:t>
+            </a:r>
+            <a:r>
+              <a:rPr kumimoji="0" lang="nl-NL" altLang="nl-NL" sz="900" b="0" i="0" u="none" strike="noStrike" cap="none" normalizeH="0" baseline="0" dirty="0" err="1" smtClean="0">
+                <a:ln>
+                  <a:noFill/>
+                </a:ln>
+                <a:solidFill>
+                  <a:srgbClr val="000000"/>
+                </a:solidFill>
+                <a:effectLst/>
+                <a:latin typeface="Courier New" pitchFamily="49" charset="0"/>
+                <a:cs typeface="Courier New" pitchFamily="49" charset="0"/>
+              </a:rPr>
+              <a:t>value</a:t>
+            </a:r>
+            <a:r>
+              <a:rPr kumimoji="0" lang="nl-NL" altLang="nl-NL" sz="900" b="0" i="0" u="none" strike="noStrike" cap="none" normalizeH="0" baseline="0" dirty="0" smtClean="0">
+                <a:ln>
+                  <a:noFill/>
+                </a:ln>
+                <a:solidFill>
+                  <a:srgbClr val="000000"/>
+                </a:solidFill>
+                <a:effectLst/>
+                <a:latin typeface="Courier New" pitchFamily="49" charset="0"/>
+                <a:cs typeface="Courier New" pitchFamily="49" charset="0"/>
+              </a:rPr>
+              <a:t>));</a:t>
             </a:r>
             <a:br>
               <a:rPr kumimoji="0" lang="nl-NL" altLang="nl-NL" sz="900" b="0" i="0" u="none" strike="noStrike" cap="none" normalizeH="0" baseline="0" dirty="0" smtClean="0">
@@ -6467,7 +8730,21 @@
                 <a:latin typeface="Courier New" pitchFamily="49" charset="0"/>
                 <a:cs typeface="Courier New" pitchFamily="49" charset="0"/>
               </a:rPr>
-              <a:t>        </a:t>
+              <a:t>                </a:t>
+            </a:r>
+            <a:r>
+              <a:rPr kumimoji="0" lang="nl-NL" altLang="nl-NL" sz="900" b="0" i="0" u="none" strike="noStrike" cap="none" normalizeH="0" baseline="0" dirty="0" err="1" smtClean="0">
+                <a:ln>
+                  <a:noFill/>
+                </a:ln>
+                <a:solidFill>
+                  <a:srgbClr val="000000"/>
+                </a:solidFill>
+                <a:effectLst/>
+                <a:latin typeface="Courier New" pitchFamily="49" charset="0"/>
+                <a:cs typeface="Courier New" pitchFamily="49" charset="0"/>
+              </a:rPr>
+              <a:t>tree.</a:t>
             </a:r>
             <a:r>
               <a:rPr kumimoji="0" lang="nl-NL" altLang="nl-NL" sz="900" b="1" i="0" u="none" strike="noStrike" cap="none" normalizeH="0" baseline="0" dirty="0" err="1" smtClean="0">
@@ -6475,27 +8752,69 @@
                   <a:noFill/>
                 </a:ln>
                 <a:solidFill>
+                  <a:srgbClr val="660E7A"/>
+                </a:solidFill>
+                <a:effectLst/>
+                <a:latin typeface="Courier New" pitchFamily="49" charset="0"/>
+                <a:cs typeface="Courier New" pitchFamily="49" charset="0"/>
+              </a:rPr>
+              <a:t>subtrees</a:t>
+            </a:r>
+            <a:r>
+              <a:rPr kumimoji="0" lang="nl-NL" altLang="nl-NL" sz="900" b="0" i="0" u="none" strike="noStrike" cap="none" normalizeH="0" baseline="0" dirty="0" err="1" smtClean="0">
+                <a:ln>
+                  <a:noFill/>
+                </a:ln>
+                <a:solidFill>
+                  <a:srgbClr val="000000"/>
+                </a:solidFill>
+                <a:effectLst/>
+                <a:latin typeface="Courier New" pitchFamily="49" charset="0"/>
+                <a:cs typeface="Courier New" pitchFamily="49" charset="0"/>
+              </a:rPr>
+              <a:t>.add</a:t>
+            </a:r>
+            <a:r>
+              <a:rPr kumimoji="0" lang="nl-NL" altLang="nl-NL" sz="900" b="0" i="0" u="none" strike="noStrike" cap="none" normalizeH="0" baseline="0" dirty="0" smtClean="0">
+                <a:ln>
+                  <a:noFill/>
+                </a:ln>
+                <a:solidFill>
+                  <a:srgbClr val="000000"/>
+                </a:solidFill>
+                <a:effectLst/>
+                <a:latin typeface="Courier New" pitchFamily="49" charset="0"/>
+                <a:cs typeface="Courier New" pitchFamily="49" charset="0"/>
+              </a:rPr>
+              <a:t>(</a:t>
+            </a:r>
+            <a:r>
+              <a:rPr kumimoji="0" lang="nl-NL" altLang="nl-NL" sz="900" b="1" i="0" u="none" strike="noStrike" cap="none" normalizeH="0" baseline="0" dirty="0" smtClean="0">
+                <a:ln>
+                  <a:noFill/>
+                </a:ln>
+                <a:solidFill>
                   <a:srgbClr val="000080"/>
                 </a:solidFill>
                 <a:effectLst/>
                 <a:latin typeface="Courier New" pitchFamily="49" charset="0"/>
                 <a:cs typeface="Courier New" pitchFamily="49" charset="0"/>
               </a:rPr>
-              <a:t>if</a:t>
-            </a:r>
-            <a:r>
-              <a:rPr kumimoji="0" lang="nl-NL" altLang="nl-NL" sz="900" b="1" i="0" u="none" strike="noStrike" cap="none" normalizeH="0" baseline="0" dirty="0" smtClean="0">
-                <a:ln>
-                  <a:noFill/>
-                </a:ln>
-                <a:solidFill>
-                  <a:srgbClr val="000080"/>
-                </a:solidFill>
-                <a:effectLst/>
-                <a:latin typeface="Courier New" pitchFamily="49" charset="0"/>
-                <a:cs typeface="Courier New" pitchFamily="49" charset="0"/>
-              </a:rPr>
-              <a:t> </a:t>
+              <a:t>new </a:t>
+            </a:r>
+            <a:r>
+              <a:rPr kumimoji="0" lang="nl-NL" altLang="nl-NL" sz="900" b="0" i="0" u="none" strike="noStrike" cap="none" normalizeH="0" baseline="0" dirty="0" err="1" smtClean="0">
+                <a:ln>
+                  <a:noFill/>
+                </a:ln>
+                <a:solidFill>
+                  <a:srgbClr val="000000"/>
+                </a:solidFill>
+                <a:effectLst/>
+                <a:latin typeface="Courier New" pitchFamily="49" charset="0"/>
+                <a:cs typeface="Courier New" pitchFamily="49" charset="0"/>
+              </a:rPr>
+              <a:t>BTree</a:t>
             </a:r>
             <a:r>
               <a:rPr kumimoji="0" lang="nl-NL" altLang="nl-NL" sz="900" b="0" i="0" u="none" strike="noStrike" cap="none" normalizeH="0" baseline="0" dirty="0" smtClean="0">
@@ -6509,21 +8828,7 @@
                 <a:latin typeface="Courier New" pitchFamily="49" charset="0"/>
                 <a:cs typeface="Courier New" pitchFamily="49" charset="0"/>
               </a:rPr>
-              <a:t>(</a:t>
-            </a:r>
-            <a:r>
-              <a:rPr kumimoji="0" lang="nl-NL" altLang="nl-NL" sz="900" b="0" i="0" u="none" strike="noStrike" cap="none" normalizeH="0" baseline="0" dirty="0" err="1" smtClean="0">
-                <a:ln>
-                  <a:noFill/>
-                </a:ln>
-                <a:solidFill>
-                  <a:srgbClr val="000000"/>
-                </a:solidFill>
-                <a:effectLst/>
-                <a:latin typeface="Courier New" pitchFamily="49" charset="0"/>
-                <a:cs typeface="Courier New" pitchFamily="49" charset="0"/>
-              </a:rPr>
-              <a:t>tree.hasKeyInNodes</a:t>
+              <a:t>&lt;</a:t>
             </a:r>
             <a:r>
               <a:rPr kumimoji="0" lang="nl-NL" altLang="nl-NL" sz="900" b="0" i="0" u="none" strike="noStrike" cap="none" normalizeH="0" baseline="0" dirty="0" smtClean="0">
@@ -6531,27 +8836,13 @@
                   <a:noFill/>
                 </a:ln>
                 <a:solidFill>
-                  <a:srgbClr val="000000"/>
-                </a:solidFill>
-                <a:effectLst/>
-                <a:latin typeface="Courier New" pitchFamily="49" charset="0"/>
-                <a:cs typeface="Courier New" pitchFamily="49" charset="0"/>
-              </a:rPr>
-              <a:t>(</a:t>
-            </a:r>
-            <a:r>
-              <a:rPr kumimoji="0" lang="nl-NL" altLang="nl-NL" sz="900" b="0" i="0" u="none" strike="noStrike" cap="none" normalizeH="0" baseline="0" dirty="0" err="1" smtClean="0">
-                <a:ln>
-                  <a:noFill/>
-                </a:ln>
-                <a:solidFill>
-                  <a:srgbClr val="000000"/>
-                </a:solidFill>
-                <a:effectLst/>
-                <a:latin typeface="Courier New" pitchFamily="49" charset="0"/>
-                <a:cs typeface="Courier New" pitchFamily="49" charset="0"/>
-              </a:rPr>
-              <a:t>key</a:t>
+                  <a:srgbClr val="20999D"/>
+                </a:solidFill>
+                <a:effectLst/>
+                <a:latin typeface="Courier New" pitchFamily="49" charset="0"/>
+                <a:cs typeface="Courier New" pitchFamily="49" charset="0"/>
+              </a:rPr>
+              <a:t>K</a:t>
             </a:r>
             <a:r>
               <a:rPr kumimoji="0" lang="nl-NL" altLang="nl-NL" sz="900" b="0" i="0" u="none" strike="noStrike" cap="none" normalizeH="0" baseline="0" dirty="0" smtClean="0">
@@ -6565,7 +8856,63 @@
                 <a:latin typeface="Courier New" pitchFamily="49" charset="0"/>
                 <a:cs typeface="Courier New" pitchFamily="49" charset="0"/>
               </a:rPr>
-              <a:t>))</a:t>
+              <a:t>, </a:t>
+            </a:r>
+            <a:r>
+              <a:rPr kumimoji="0" lang="nl-NL" altLang="nl-NL" sz="900" b="0" i="0" u="none" strike="noStrike" cap="none" normalizeH="0" baseline="0" dirty="0" smtClean="0">
+                <a:ln>
+                  <a:noFill/>
+                </a:ln>
+                <a:solidFill>
+                  <a:srgbClr val="20999D"/>
+                </a:solidFill>
+                <a:effectLst/>
+                <a:latin typeface="Courier New" pitchFamily="49" charset="0"/>
+                <a:cs typeface="Courier New" pitchFamily="49" charset="0"/>
+              </a:rPr>
+              <a:t>V</a:t>
+            </a:r>
+            <a:r>
+              <a:rPr kumimoji="0" lang="nl-NL" altLang="nl-NL" sz="900" b="0" i="0" u="none" strike="noStrike" cap="none" normalizeH="0" baseline="0" dirty="0" smtClean="0">
+                <a:ln>
+                  <a:noFill/>
+                </a:ln>
+                <a:solidFill>
+                  <a:srgbClr val="000000"/>
+                </a:solidFill>
+                <a:effectLst/>
+                <a:latin typeface="Courier New" pitchFamily="49" charset="0"/>
+                <a:cs typeface="Courier New" pitchFamily="49" charset="0"/>
+              </a:rPr>
+              <a:t>&gt;(</a:t>
+            </a:r>
+            <a:r>
+              <a:rPr kumimoji="0" lang="nl-NL" altLang="nl-NL" sz="900" b="1" i="0" u="none" strike="noStrike" cap="none" normalizeH="0" baseline="0" dirty="0" err="1" smtClean="0">
+                <a:ln>
+                  <a:noFill/>
+                </a:ln>
+                <a:solidFill>
+                  <a:srgbClr val="660E7A"/>
+                </a:solidFill>
+                <a:effectLst/>
+                <a:latin typeface="Courier New" pitchFamily="49" charset="0"/>
+                <a:cs typeface="Courier New" pitchFamily="49" charset="0"/>
+              </a:rPr>
+              <a:t>nodeSize</a:t>
+            </a:r>
+            <a:r>
+              <a:rPr kumimoji="0" lang="nl-NL" altLang="nl-NL" sz="900" b="0" i="0" u="none" strike="noStrike" cap="none" normalizeH="0" baseline="0" dirty="0" smtClean="0">
+                <a:ln>
+                  <a:noFill/>
+                </a:ln>
+                <a:solidFill>
+                  <a:srgbClr val="000000"/>
+                </a:solidFill>
+                <a:effectLst/>
+                <a:latin typeface="Courier New" pitchFamily="49" charset="0"/>
+                <a:cs typeface="Courier New" pitchFamily="49" charset="0"/>
+              </a:rPr>
+              <a:t>));</a:t>
             </a:r>
             <a:br>
               <a:rPr kumimoji="0" lang="nl-NL" altLang="nl-NL" sz="900" b="0" i="0" u="none" strike="noStrike" cap="none" normalizeH="0" baseline="0" dirty="0" smtClean="0">
@@ -6592,7 +8939,189 @@
                 <a:latin typeface="Courier New" pitchFamily="49" charset="0"/>
                 <a:cs typeface="Courier New" pitchFamily="49" charset="0"/>
               </a:rPr>
-              <a:t>        {</a:t>
+              <a:t>                </a:t>
+            </a:r>
+            <a:r>
+              <a:rPr kumimoji="0" lang="nl-NL" altLang="nl-NL" sz="900" b="0" i="0" u="none" strike="noStrike" cap="none" normalizeH="0" baseline="0" dirty="0" err="1" smtClean="0">
+                <a:ln>
+                  <a:noFill/>
+                </a:ln>
+                <a:solidFill>
+                  <a:srgbClr val="000000"/>
+                </a:solidFill>
+                <a:effectLst/>
+                <a:latin typeface="Courier New" pitchFamily="49" charset="0"/>
+                <a:cs typeface="Courier New" pitchFamily="49" charset="0"/>
+              </a:rPr>
+              <a:t>tree.</a:t>
+            </a:r>
+            <a:r>
+              <a:rPr kumimoji="0" lang="nl-NL" altLang="nl-NL" sz="900" b="1" i="0" u="none" strike="noStrike" cap="none" normalizeH="0" baseline="0" dirty="0" err="1" smtClean="0">
+                <a:ln>
+                  <a:noFill/>
+                </a:ln>
+                <a:solidFill>
+                  <a:srgbClr val="660E7A"/>
+                </a:solidFill>
+                <a:effectLst/>
+                <a:latin typeface="Courier New" pitchFamily="49" charset="0"/>
+                <a:cs typeface="Courier New" pitchFamily="49" charset="0"/>
+              </a:rPr>
+              <a:t>subtrees</a:t>
+            </a:r>
+            <a:r>
+              <a:rPr kumimoji="0" lang="nl-NL" altLang="nl-NL" sz="900" b="0" i="0" u="none" strike="noStrike" cap="none" normalizeH="0" baseline="0" dirty="0" err="1" smtClean="0">
+                <a:ln>
+                  <a:noFill/>
+                </a:ln>
+                <a:solidFill>
+                  <a:srgbClr val="000000"/>
+                </a:solidFill>
+                <a:effectLst/>
+                <a:latin typeface="Courier New" pitchFamily="49" charset="0"/>
+                <a:cs typeface="Courier New" pitchFamily="49" charset="0"/>
+              </a:rPr>
+              <a:t>.add</a:t>
+            </a:r>
+            <a:r>
+              <a:rPr kumimoji="0" lang="nl-NL" altLang="nl-NL" sz="900" b="0" i="0" u="none" strike="noStrike" cap="none" normalizeH="0" baseline="0" dirty="0" smtClean="0">
+                <a:ln>
+                  <a:noFill/>
+                </a:ln>
+                <a:solidFill>
+                  <a:srgbClr val="000000"/>
+                </a:solidFill>
+                <a:effectLst/>
+                <a:latin typeface="Courier New" pitchFamily="49" charset="0"/>
+                <a:cs typeface="Courier New" pitchFamily="49" charset="0"/>
+              </a:rPr>
+              <a:t>(</a:t>
+            </a:r>
+            <a:r>
+              <a:rPr kumimoji="0" lang="nl-NL" altLang="nl-NL" sz="900" b="1" i="0" u="none" strike="noStrike" cap="none" normalizeH="0" baseline="0" dirty="0" smtClean="0">
+                <a:ln>
+                  <a:noFill/>
+                </a:ln>
+                <a:solidFill>
+                  <a:srgbClr val="000080"/>
+                </a:solidFill>
+                <a:effectLst/>
+                <a:latin typeface="Courier New" pitchFamily="49" charset="0"/>
+                <a:cs typeface="Courier New" pitchFamily="49" charset="0"/>
+              </a:rPr>
+              <a:t>new </a:t>
+            </a:r>
+            <a:r>
+              <a:rPr kumimoji="0" lang="nl-NL" altLang="nl-NL" sz="900" b="0" i="0" u="none" strike="noStrike" cap="none" normalizeH="0" baseline="0" dirty="0" err="1" smtClean="0">
+                <a:ln>
+                  <a:noFill/>
+                </a:ln>
+                <a:solidFill>
+                  <a:srgbClr val="000000"/>
+                </a:solidFill>
+                <a:effectLst/>
+                <a:latin typeface="Courier New" pitchFamily="49" charset="0"/>
+                <a:cs typeface="Courier New" pitchFamily="49" charset="0"/>
+              </a:rPr>
+              <a:t>BTree</a:t>
+            </a:r>
+            <a:r>
+              <a:rPr kumimoji="0" lang="nl-NL" altLang="nl-NL" sz="900" b="0" i="0" u="none" strike="noStrike" cap="none" normalizeH="0" baseline="0" dirty="0" smtClean="0">
+                <a:ln>
+                  <a:noFill/>
+                </a:ln>
+                <a:solidFill>
+                  <a:srgbClr val="000000"/>
+                </a:solidFill>
+                <a:effectLst/>
+                <a:latin typeface="Courier New" pitchFamily="49" charset="0"/>
+                <a:cs typeface="Courier New" pitchFamily="49" charset="0"/>
+              </a:rPr>
+              <a:t>&lt;</a:t>
+            </a:r>
+            <a:r>
+              <a:rPr kumimoji="0" lang="nl-NL" altLang="nl-NL" sz="900" b="0" i="0" u="none" strike="noStrike" cap="none" normalizeH="0" baseline="0" dirty="0" smtClean="0">
+                <a:ln>
+                  <a:noFill/>
+                </a:ln>
+                <a:solidFill>
+                  <a:srgbClr val="20999D"/>
+                </a:solidFill>
+                <a:effectLst/>
+                <a:latin typeface="Courier New" pitchFamily="49" charset="0"/>
+                <a:cs typeface="Courier New" pitchFamily="49" charset="0"/>
+              </a:rPr>
+              <a:t>K</a:t>
+            </a:r>
+            <a:r>
+              <a:rPr kumimoji="0" lang="nl-NL" altLang="nl-NL" sz="900" b="0" i="0" u="none" strike="noStrike" cap="none" normalizeH="0" baseline="0" dirty="0" smtClean="0">
+                <a:ln>
+                  <a:noFill/>
+                </a:ln>
+                <a:solidFill>
+                  <a:srgbClr val="000000"/>
+                </a:solidFill>
+                <a:effectLst/>
+                <a:latin typeface="Courier New" pitchFamily="49" charset="0"/>
+                <a:cs typeface="Courier New" pitchFamily="49" charset="0"/>
+              </a:rPr>
+              <a:t>, </a:t>
+            </a:r>
+            <a:r>
+              <a:rPr kumimoji="0" lang="nl-NL" altLang="nl-NL" sz="900" b="0" i="0" u="none" strike="noStrike" cap="none" normalizeH="0" baseline="0" dirty="0" smtClean="0">
+                <a:ln>
+                  <a:noFill/>
+                </a:ln>
+                <a:solidFill>
+                  <a:srgbClr val="20999D"/>
+                </a:solidFill>
+                <a:effectLst/>
+                <a:latin typeface="Courier New" pitchFamily="49" charset="0"/>
+                <a:cs typeface="Courier New" pitchFamily="49" charset="0"/>
+              </a:rPr>
+              <a:t>V</a:t>
+            </a:r>
+            <a:r>
+              <a:rPr kumimoji="0" lang="nl-NL" altLang="nl-NL" sz="900" b="0" i="0" u="none" strike="noStrike" cap="none" normalizeH="0" baseline="0" dirty="0" smtClean="0">
+                <a:ln>
+                  <a:noFill/>
+                </a:ln>
+                <a:solidFill>
+                  <a:srgbClr val="000000"/>
+                </a:solidFill>
+                <a:effectLst/>
+                <a:latin typeface="Courier New" pitchFamily="49" charset="0"/>
+                <a:cs typeface="Courier New" pitchFamily="49" charset="0"/>
+              </a:rPr>
+              <a:t>&gt;(</a:t>
+            </a:r>
+            <a:r>
+              <a:rPr kumimoji="0" lang="nl-NL" altLang="nl-NL" sz="900" b="1" i="0" u="none" strike="noStrike" cap="none" normalizeH="0" baseline="0" dirty="0" err="1" smtClean="0">
+                <a:ln>
+                  <a:noFill/>
+                </a:ln>
+                <a:solidFill>
+                  <a:srgbClr val="660E7A"/>
+                </a:solidFill>
+                <a:effectLst/>
+                <a:latin typeface="Courier New" pitchFamily="49" charset="0"/>
+                <a:cs typeface="Courier New" pitchFamily="49" charset="0"/>
+              </a:rPr>
+              <a:t>nodeSize</a:t>
+            </a:r>
+            <a:r>
+              <a:rPr kumimoji="0" lang="nl-NL" altLang="nl-NL" sz="900" b="0" i="0" u="none" strike="noStrike" cap="none" normalizeH="0" baseline="0" dirty="0" smtClean="0">
+                <a:ln>
+                  <a:noFill/>
+                </a:ln>
+                <a:solidFill>
+                  <a:srgbClr val="000000"/>
+                </a:solidFill>
+                <a:effectLst/>
+                <a:latin typeface="Courier New" pitchFamily="49" charset="0"/>
+                <a:cs typeface="Courier New" pitchFamily="49" charset="0"/>
+              </a:rPr>
+              <a:t>));</a:t>
             </a:r>
             <a:br>
               <a:rPr kumimoji="0" lang="nl-NL" altLang="nl-NL" sz="900" b="0" i="0" u="none" strike="noStrike" cap="none" normalizeH="0" baseline="0" dirty="0" smtClean="0">
@@ -6619,7 +9148,7 @@
                 <a:latin typeface="Courier New" pitchFamily="49" charset="0"/>
                 <a:cs typeface="Courier New" pitchFamily="49" charset="0"/>
               </a:rPr>
-              <a:t>            </a:t>
+              <a:t>                </a:t>
             </a:r>
             <a:r>
               <a:rPr kumimoji="0" lang="nl-NL" altLang="nl-NL" sz="900" b="1" i="0" u="none" strike="noStrike" cap="none" normalizeH="0" baseline="0" dirty="0" smtClean="0">
@@ -6636,18 +9165,18 @@
               <a:t>return </a:t>
             </a:r>
             <a:r>
-              <a:rPr kumimoji="0" lang="nl-NL" altLang="nl-NL" sz="900" b="0" i="0" u="none" strike="noStrike" cap="none" normalizeH="0" baseline="0" dirty="0" err="1" smtClean="0">
-                <a:ln>
-                  <a:noFill/>
-                </a:ln>
-                <a:solidFill>
-                  <a:srgbClr val="000000"/>
-                </a:solidFill>
-                <a:effectLst/>
-                <a:latin typeface="Courier New" pitchFamily="49" charset="0"/>
-                <a:cs typeface="Courier New" pitchFamily="49" charset="0"/>
-              </a:rPr>
-              <a:t>tree.getPair</a:t>
+              <a:rPr kumimoji="0" lang="nl-NL" altLang="nl-NL" sz="900" b="1" i="0" u="none" strike="noStrike" cap="none" normalizeH="0" baseline="0" dirty="0" err="1" smtClean="0">
+                <a:ln>
+                  <a:noFill/>
+                </a:ln>
+                <a:solidFill>
+                  <a:srgbClr val="000080"/>
+                </a:solidFill>
+                <a:effectLst/>
+                <a:latin typeface="Courier New" pitchFamily="49" charset="0"/>
+                <a:cs typeface="Courier New" pitchFamily="49" charset="0"/>
+              </a:rPr>
+              <a:t>null</a:t>
             </a:r>
             <a:r>
               <a:rPr kumimoji="0" lang="nl-NL" altLang="nl-NL" sz="900" b="0" i="0" u="none" strike="noStrike" cap="none" normalizeH="0" baseline="0" dirty="0" smtClean="0">
@@ -6661,91 +9190,7 @@
                 <a:latin typeface="Courier New" pitchFamily="49" charset="0"/>
                 <a:cs typeface="Courier New" pitchFamily="49" charset="0"/>
               </a:rPr>
-              <a:t>(</a:t>
-            </a:r>
-            <a:r>
-              <a:rPr kumimoji="0" lang="nl-NL" altLang="nl-NL" sz="900" b="0" i="0" u="none" strike="noStrike" cap="none" normalizeH="0" baseline="0" dirty="0" err="1" smtClean="0">
-                <a:ln>
-                  <a:noFill/>
-                </a:ln>
-                <a:solidFill>
-                  <a:srgbClr val="000000"/>
-                </a:solidFill>
-                <a:effectLst/>
-                <a:latin typeface="Courier New" pitchFamily="49" charset="0"/>
-                <a:cs typeface="Courier New" pitchFamily="49" charset="0"/>
-              </a:rPr>
-              <a:t>key</a:t>
-            </a:r>
-            <a:r>
-              <a:rPr kumimoji="0" lang="nl-NL" altLang="nl-NL" sz="900" b="0" i="0" u="none" strike="noStrike" cap="none" normalizeH="0" baseline="0" dirty="0" smtClean="0">
-                <a:ln>
-                  <a:noFill/>
-                </a:ln>
-                <a:solidFill>
-                  <a:srgbClr val="000000"/>
-                </a:solidFill>
-                <a:effectLst/>
-                <a:latin typeface="Courier New" pitchFamily="49" charset="0"/>
-                <a:cs typeface="Courier New" pitchFamily="49" charset="0"/>
-              </a:rPr>
-              <a:t>).</a:t>
-            </a:r>
-            <a:r>
-              <a:rPr kumimoji="0" lang="nl-NL" altLang="nl-NL" sz="900" b="0" i="0" u="none" strike="noStrike" cap="none" normalizeH="0" baseline="0" dirty="0" err="1" smtClean="0">
-                <a:ln>
-                  <a:noFill/>
-                </a:ln>
-                <a:solidFill>
-                  <a:srgbClr val="000000"/>
-                </a:solidFill>
-                <a:effectLst/>
-                <a:latin typeface="Courier New" pitchFamily="49" charset="0"/>
-                <a:cs typeface="Courier New" pitchFamily="49" charset="0"/>
-              </a:rPr>
-              <a:t>setValue</a:t>
-            </a:r>
-            <a:r>
-              <a:rPr kumimoji="0" lang="nl-NL" altLang="nl-NL" sz="900" b="0" i="0" u="none" strike="noStrike" cap="none" normalizeH="0" baseline="0" dirty="0" smtClean="0">
-                <a:ln>
-                  <a:noFill/>
-                </a:ln>
-                <a:solidFill>
-                  <a:srgbClr val="000000"/>
-                </a:solidFill>
-                <a:effectLst/>
-                <a:latin typeface="Courier New" pitchFamily="49" charset="0"/>
-                <a:cs typeface="Courier New" pitchFamily="49" charset="0"/>
-              </a:rPr>
-              <a:t>(</a:t>
-            </a:r>
-            <a:r>
-              <a:rPr kumimoji="0" lang="nl-NL" altLang="nl-NL" sz="900" b="0" i="0" u="none" strike="noStrike" cap="none" normalizeH="0" baseline="0" dirty="0" err="1" smtClean="0">
-                <a:ln>
-                  <a:noFill/>
-                </a:ln>
-                <a:solidFill>
-                  <a:srgbClr val="000000"/>
-                </a:solidFill>
-                <a:effectLst/>
-                <a:latin typeface="Courier New" pitchFamily="49" charset="0"/>
-                <a:cs typeface="Courier New" pitchFamily="49" charset="0"/>
-              </a:rPr>
-              <a:t>value</a:t>
-            </a:r>
-            <a:r>
-              <a:rPr kumimoji="0" lang="nl-NL" altLang="nl-NL" sz="900" b="0" i="0" u="none" strike="noStrike" cap="none" normalizeH="0" baseline="0" dirty="0" smtClean="0">
-                <a:ln>
-                  <a:noFill/>
-                </a:ln>
-                <a:solidFill>
-                  <a:srgbClr val="000000"/>
-                </a:solidFill>
-                <a:effectLst/>
-                <a:latin typeface="Courier New" pitchFamily="49" charset="0"/>
-                <a:cs typeface="Courier New" pitchFamily="49" charset="0"/>
-              </a:rPr>
-              <a:t>);</a:t>
+              <a:t>;</a:t>
             </a:r>
             <a:br>
               <a:rPr kumimoji="0" lang="nl-NL" altLang="nl-NL" sz="900" b="0" i="0" u="none" strike="noStrike" cap="none" normalizeH="0" baseline="0" dirty="0" smtClean="0">
@@ -6772,161 +9217,7 @@
                 <a:latin typeface="Courier New" pitchFamily="49" charset="0"/>
                 <a:cs typeface="Courier New" pitchFamily="49" charset="0"/>
               </a:rPr>
-              <a:t>        } </a:t>
-            </a:r>
-            <a:r>
-              <a:rPr kumimoji="0" lang="nl-NL" altLang="nl-NL" sz="900" b="1" i="0" u="none" strike="noStrike" cap="none" normalizeH="0" baseline="0" dirty="0" err="1" smtClean="0">
-                <a:ln>
-                  <a:noFill/>
-                </a:ln>
-                <a:solidFill>
-                  <a:srgbClr val="000080"/>
-                </a:solidFill>
-                <a:effectLst/>
-                <a:latin typeface="Courier New" pitchFamily="49" charset="0"/>
-                <a:cs typeface="Courier New" pitchFamily="49" charset="0"/>
-              </a:rPr>
-              <a:t>else</a:t>
-            </a:r>
-            <a:r>
-              <a:rPr kumimoji="0" lang="nl-NL" altLang="nl-NL" sz="900" b="1" i="0" u="none" strike="noStrike" cap="none" normalizeH="0" baseline="0" dirty="0" smtClean="0">
-                <a:ln>
-                  <a:noFill/>
-                </a:ln>
-                <a:solidFill>
-                  <a:srgbClr val="000080"/>
-                </a:solidFill>
-                <a:effectLst/>
-                <a:latin typeface="Courier New" pitchFamily="49" charset="0"/>
-                <a:cs typeface="Courier New" pitchFamily="49" charset="0"/>
-              </a:rPr>
-              <a:t> </a:t>
-            </a:r>
-            <a:r>
-              <a:rPr kumimoji="0" lang="nl-NL" altLang="nl-NL" sz="900" b="1" i="0" u="none" strike="noStrike" cap="none" normalizeH="0" baseline="0" dirty="0" err="1" smtClean="0">
-                <a:ln>
-                  <a:noFill/>
-                </a:ln>
-                <a:solidFill>
-                  <a:srgbClr val="000080"/>
-                </a:solidFill>
-                <a:effectLst/>
-                <a:latin typeface="Courier New" pitchFamily="49" charset="0"/>
-                <a:cs typeface="Courier New" pitchFamily="49" charset="0"/>
-              </a:rPr>
-              <a:t>if</a:t>
-            </a:r>
-            <a:r>
-              <a:rPr kumimoji="0" lang="nl-NL" altLang="nl-NL" sz="900" b="1" i="0" u="none" strike="noStrike" cap="none" normalizeH="0" baseline="0" dirty="0" smtClean="0">
-                <a:ln>
-                  <a:noFill/>
-                </a:ln>
-                <a:solidFill>
-                  <a:srgbClr val="000080"/>
-                </a:solidFill>
-                <a:effectLst/>
-                <a:latin typeface="Courier New" pitchFamily="49" charset="0"/>
-                <a:cs typeface="Courier New" pitchFamily="49" charset="0"/>
-              </a:rPr>
-              <a:t> </a:t>
-            </a:r>
-            <a:r>
-              <a:rPr kumimoji="0" lang="nl-NL" altLang="nl-NL" sz="900" b="0" i="0" u="none" strike="noStrike" cap="none" normalizeH="0" baseline="0" dirty="0" smtClean="0">
-                <a:ln>
-                  <a:noFill/>
-                </a:ln>
-                <a:solidFill>
-                  <a:srgbClr val="000000"/>
-                </a:solidFill>
-                <a:effectLst/>
-                <a:latin typeface="Courier New" pitchFamily="49" charset="0"/>
-                <a:cs typeface="Courier New" pitchFamily="49" charset="0"/>
-              </a:rPr>
-              <a:t>(</a:t>
-            </a:r>
-            <a:r>
-              <a:rPr kumimoji="0" lang="nl-NL" altLang="nl-NL" sz="900" b="0" i="0" u="none" strike="noStrike" cap="none" normalizeH="0" baseline="0" dirty="0" err="1" smtClean="0">
-                <a:ln>
-                  <a:noFill/>
-                </a:ln>
-                <a:solidFill>
-                  <a:srgbClr val="000000"/>
-                </a:solidFill>
-                <a:effectLst/>
-                <a:latin typeface="Courier New" pitchFamily="49" charset="0"/>
-                <a:cs typeface="Courier New" pitchFamily="49" charset="0"/>
-              </a:rPr>
-              <a:t>tree.</a:t>
-            </a:r>
-            <a:r>
-              <a:rPr kumimoji="0" lang="nl-NL" altLang="nl-NL" sz="900" b="1" i="0" u="none" strike="noStrike" cap="none" normalizeH="0" baseline="0" dirty="0" err="1" smtClean="0">
-                <a:ln>
-                  <a:noFill/>
-                </a:ln>
-                <a:solidFill>
-                  <a:srgbClr val="660E7A"/>
-                </a:solidFill>
-                <a:effectLst/>
-                <a:latin typeface="Courier New" pitchFamily="49" charset="0"/>
-                <a:cs typeface="Courier New" pitchFamily="49" charset="0"/>
-              </a:rPr>
-              <a:t>nodes</a:t>
-            </a:r>
-            <a:r>
-              <a:rPr kumimoji="0" lang="nl-NL" altLang="nl-NL" sz="900" b="0" i="0" u="none" strike="noStrike" cap="none" normalizeH="0" baseline="0" dirty="0" err="1" smtClean="0">
-                <a:ln>
-                  <a:noFill/>
-                </a:ln>
-                <a:solidFill>
-                  <a:srgbClr val="000000"/>
-                </a:solidFill>
-                <a:effectLst/>
-                <a:latin typeface="Courier New" pitchFamily="49" charset="0"/>
-                <a:cs typeface="Courier New" pitchFamily="49" charset="0"/>
-              </a:rPr>
-              <a:t>.size</a:t>
-            </a:r>
-            <a:r>
-              <a:rPr kumimoji="0" lang="nl-NL" altLang="nl-NL" sz="900" b="0" i="0" u="none" strike="noStrike" cap="none" normalizeH="0" baseline="0" dirty="0" smtClean="0">
-                <a:ln>
-                  <a:noFill/>
-                </a:ln>
-                <a:solidFill>
-                  <a:srgbClr val="000000"/>
-                </a:solidFill>
-                <a:effectLst/>
-                <a:latin typeface="Courier New" pitchFamily="49" charset="0"/>
-                <a:cs typeface="Courier New" pitchFamily="49" charset="0"/>
-              </a:rPr>
-              <a:t>() &lt; </a:t>
-            </a:r>
-            <a:r>
-              <a:rPr kumimoji="0" lang="nl-NL" altLang="nl-NL" sz="900" b="1" i="0" u="none" strike="noStrike" cap="none" normalizeH="0" baseline="0" dirty="0" err="1" smtClean="0">
-                <a:ln>
-                  <a:noFill/>
-                </a:ln>
-                <a:solidFill>
-                  <a:srgbClr val="660E7A"/>
-                </a:solidFill>
-                <a:effectLst/>
-                <a:latin typeface="Courier New" pitchFamily="49" charset="0"/>
-                <a:cs typeface="Courier New" pitchFamily="49" charset="0"/>
-              </a:rPr>
-              <a:t>nodeSize</a:t>
-            </a:r>
-            <a:r>
-              <a:rPr kumimoji="0" lang="nl-NL" altLang="nl-NL" sz="900" b="0" i="0" u="none" strike="noStrike" cap="none" normalizeH="0" baseline="0" dirty="0" smtClean="0">
-                <a:ln>
-                  <a:noFill/>
-                </a:ln>
-                <a:solidFill>
-                  <a:srgbClr val="000000"/>
-                </a:solidFill>
-                <a:effectLst/>
-                <a:latin typeface="Courier New" pitchFamily="49" charset="0"/>
-                <a:cs typeface="Courier New" pitchFamily="49" charset="0"/>
-              </a:rPr>
-              <a:t>)</a:t>
+              <a:t>            }</a:t>
             </a:r>
             <a:br>
               <a:rPr kumimoji="0" lang="nl-NL" altLang="nl-NL" sz="900" b="0" i="0" u="none" strike="noStrike" cap="none" normalizeH="0" baseline="0" dirty="0" smtClean="0">
@@ -6953,7 +9244,7 @@
                 <a:latin typeface="Courier New" pitchFamily="49" charset="0"/>
                 <a:cs typeface="Courier New" pitchFamily="49" charset="0"/>
               </a:rPr>
-              <a:t>        {</a:t>
+              <a:t>        }</a:t>
             </a:r>
             <a:br>
               <a:rPr kumimoji="0" lang="nl-NL" altLang="nl-NL" sz="900" b="0" i="0" u="none" strike="noStrike" cap="none" normalizeH="0" baseline="0" dirty="0" smtClean="0">
@@ -6980,35 +9271,21 @@
                 <a:latin typeface="Courier New" pitchFamily="49" charset="0"/>
                 <a:cs typeface="Courier New" pitchFamily="49" charset="0"/>
               </a:rPr>
-              <a:t>            </a:t>
-            </a:r>
-            <a:r>
-              <a:rPr kumimoji="0" lang="nl-NL" altLang="nl-NL" sz="900" b="1" i="0" u="none" strike="noStrike" cap="none" normalizeH="0" baseline="0" dirty="0" err="1" smtClean="0">
-                <a:ln>
-                  <a:noFill/>
-                </a:ln>
-                <a:solidFill>
-                  <a:srgbClr val="000080"/>
-                </a:solidFill>
-                <a:effectLst/>
-                <a:latin typeface="Courier New" pitchFamily="49" charset="0"/>
-                <a:cs typeface="Courier New" pitchFamily="49" charset="0"/>
-              </a:rPr>
-              <a:t>if</a:t>
-            </a:r>
-            <a:r>
-              <a:rPr kumimoji="0" lang="nl-NL" altLang="nl-NL" sz="900" b="1" i="0" u="none" strike="noStrike" cap="none" normalizeH="0" baseline="0" dirty="0" smtClean="0">
-                <a:ln>
-                  <a:noFill/>
-                </a:ln>
-                <a:solidFill>
-                  <a:srgbClr val="000080"/>
-                </a:solidFill>
-                <a:effectLst/>
-                <a:latin typeface="Courier New" pitchFamily="49" charset="0"/>
-                <a:cs typeface="Courier New" pitchFamily="49" charset="0"/>
-              </a:rPr>
-              <a:t> </a:t>
+              <a:t>        next = </a:t>
+            </a:r>
+            <a:r>
+              <a:rPr kumimoji="0" lang="nl-NL" altLang="nl-NL" sz="900" b="0" i="0" u="none" strike="noStrike" cap="none" normalizeH="0" baseline="0" dirty="0" err="1" smtClean="0">
+                <a:ln>
+                  <a:noFill/>
+                </a:ln>
+                <a:solidFill>
+                  <a:srgbClr val="000000"/>
+                </a:solidFill>
+                <a:effectLst/>
+                <a:latin typeface="Courier New" pitchFamily="49" charset="0"/>
+                <a:cs typeface="Courier New" pitchFamily="49" charset="0"/>
+              </a:rPr>
+              <a:t>tree.getNextTree</a:t>
             </a:r>
             <a:r>
               <a:rPr kumimoji="0" lang="nl-NL" altLang="nl-NL" sz="900" b="0" i="0" u="none" strike="noStrike" cap="none" normalizeH="0" baseline="0" dirty="0" smtClean="0">
@@ -7036,35 +9313,7 @@
                 <a:latin typeface="Courier New" pitchFamily="49" charset="0"/>
                 <a:cs typeface="Courier New" pitchFamily="49" charset="0"/>
               </a:rPr>
-              <a:t>tree.</a:t>
-            </a:r>
-            <a:r>
-              <a:rPr kumimoji="0" lang="nl-NL" altLang="nl-NL" sz="900" b="1" i="0" u="none" strike="noStrike" cap="none" normalizeH="0" baseline="0" dirty="0" err="1" smtClean="0">
-                <a:ln>
-                  <a:noFill/>
-                </a:ln>
-                <a:solidFill>
-                  <a:srgbClr val="660E7A"/>
-                </a:solidFill>
-                <a:effectLst/>
-                <a:latin typeface="Courier New" pitchFamily="49" charset="0"/>
-                <a:cs typeface="Courier New" pitchFamily="49" charset="0"/>
-              </a:rPr>
-              <a:t>nodes</a:t>
-            </a:r>
-            <a:r>
-              <a:rPr kumimoji="0" lang="nl-NL" altLang="nl-NL" sz="900" b="0" i="0" u="none" strike="noStrike" cap="none" normalizeH="0" baseline="0" dirty="0" err="1" smtClean="0">
-                <a:ln>
-                  <a:noFill/>
-                </a:ln>
-                <a:solidFill>
-                  <a:srgbClr val="000000"/>
-                </a:solidFill>
-                <a:effectLst/>
-                <a:latin typeface="Courier New" pitchFamily="49" charset="0"/>
-                <a:cs typeface="Courier New" pitchFamily="49" charset="0"/>
-              </a:rPr>
-              <a:t>.size</a:t>
+              <a:t>key</a:t>
             </a:r>
             <a:r>
               <a:rPr kumimoji="0" lang="nl-NL" altLang="nl-NL" sz="900" b="0" i="0" u="none" strike="noStrike" cap="none" normalizeH="0" baseline="0" dirty="0" smtClean="0">
@@ -7078,35 +9327,7 @@
                 <a:latin typeface="Courier New" pitchFamily="49" charset="0"/>
                 <a:cs typeface="Courier New" pitchFamily="49" charset="0"/>
               </a:rPr>
-              <a:t>() &gt; </a:t>
-            </a:r>
-            <a:r>
-              <a:rPr kumimoji="0" lang="nl-NL" altLang="nl-NL" sz="900" b="0" i="0" u="none" strike="noStrike" cap="none" normalizeH="0" baseline="0" dirty="0" smtClean="0">
-                <a:ln>
-                  <a:noFill/>
-                </a:ln>
-                <a:solidFill>
-                  <a:srgbClr val="0000FF"/>
-                </a:solidFill>
-                <a:effectLst/>
-                <a:latin typeface="Courier New" pitchFamily="49" charset="0"/>
-                <a:cs typeface="Courier New" pitchFamily="49" charset="0"/>
-              </a:rPr>
-              <a:t>0</a:t>
-            </a:r>
-            <a:r>
-              <a:rPr kumimoji="0" lang="nl-NL" altLang="nl-NL" sz="900" b="0" i="0" u="none" strike="noStrike" cap="none" normalizeH="0" baseline="0" dirty="0" smtClean="0">
-                <a:ln>
-                  <a:noFill/>
-                </a:ln>
-                <a:solidFill>
-                  <a:srgbClr val="000000"/>
-                </a:solidFill>
-                <a:effectLst/>
-                <a:latin typeface="Courier New" pitchFamily="49" charset="0"/>
-                <a:cs typeface="Courier New" pitchFamily="49" charset="0"/>
-              </a:rPr>
-              <a:t>)</a:t>
+              <a:t>);</a:t>
             </a:r>
             <a:br>
               <a:rPr kumimoji="0" lang="nl-NL" altLang="nl-NL" sz="900" b="0" i="0" u="none" strike="noStrike" cap="none" normalizeH="0" baseline="0" dirty="0" smtClean="0">
@@ -7133,9 +9354,37 @@
                 <a:latin typeface="Courier New" pitchFamily="49" charset="0"/>
                 <a:cs typeface="Courier New" pitchFamily="49" charset="0"/>
               </a:rPr>
-              <a:t>            {</a:t>
-            </a:r>
-            <a:br>
+              <a:t>    } </a:t>
+            </a:r>
+            <a:r>
+              <a:rPr kumimoji="0" lang="nl-NL" altLang="nl-NL" sz="900" b="1" i="0" u="none" strike="noStrike" cap="none" normalizeH="0" baseline="0" dirty="0" err="1" smtClean="0">
+                <a:ln>
+                  <a:noFill/>
+                </a:ln>
+                <a:solidFill>
+                  <a:srgbClr val="000080"/>
+                </a:solidFill>
+                <a:effectLst/>
+                <a:latin typeface="Courier New" pitchFamily="49" charset="0"/>
+                <a:cs typeface="Courier New" pitchFamily="49" charset="0"/>
+              </a:rPr>
+              <a:t>while</a:t>
+            </a:r>
+            <a:r>
+              <a:rPr kumimoji="0" lang="nl-NL" altLang="nl-NL" sz="900" b="1" i="0" u="none" strike="noStrike" cap="none" normalizeH="0" baseline="0" dirty="0" smtClean="0">
+                <a:ln>
+                  <a:noFill/>
+                </a:ln>
+                <a:solidFill>
+                  <a:srgbClr val="000080"/>
+                </a:solidFill>
+                <a:effectLst/>
+                <a:latin typeface="Courier New" pitchFamily="49" charset="0"/>
+                <a:cs typeface="Courier New" pitchFamily="49" charset="0"/>
+              </a:rPr>
+              <a:t> </a:t>
+            </a:r>
+            <a:r>
               <a:rPr kumimoji="0" lang="nl-NL" altLang="nl-NL" sz="900" b="0" i="0" u="none" strike="noStrike" cap="none" normalizeH="0" baseline="0" dirty="0" smtClean="0">
                 <a:ln>
                   <a:noFill/>
@@ -7147,7 +9396,36 @@
                 <a:latin typeface="Courier New" pitchFamily="49" charset="0"/>
                 <a:cs typeface="Courier New" pitchFamily="49" charset="0"/>
               </a:rPr>
-            </a:br>
+              <a:t>(next != </a:t>
+            </a:r>
+            <a:r>
+              <a:rPr kumimoji="0" lang="nl-NL" altLang="nl-NL" sz="900" b="1" i="0" u="none" strike="noStrike" cap="none" normalizeH="0" baseline="0" dirty="0" err="1" smtClean="0">
+                <a:ln>
+                  <a:noFill/>
+                </a:ln>
+                <a:solidFill>
+                  <a:srgbClr val="000080"/>
+                </a:solidFill>
+                <a:effectLst/>
+                <a:latin typeface="Courier New" pitchFamily="49" charset="0"/>
+                <a:cs typeface="Courier New" pitchFamily="49" charset="0"/>
+              </a:rPr>
+              <a:t>null</a:t>
+            </a:r>
+            <a:r>
+              <a:rPr kumimoji="0" lang="nl-NL" altLang="nl-NL" sz="900" b="1" i="0" u="none" strike="noStrike" cap="none" normalizeH="0" baseline="0" dirty="0" smtClean="0">
+                <a:ln>
+                  <a:noFill/>
+                </a:ln>
+                <a:solidFill>
+                  <a:srgbClr val="000080"/>
+                </a:solidFill>
+                <a:effectLst/>
+                <a:latin typeface="Courier New" pitchFamily="49" charset="0"/>
+                <a:cs typeface="Courier New" pitchFamily="49" charset="0"/>
+              </a:rPr>
+              <a:t> </a:t>
+            </a:r>
             <a:r>
               <a:rPr kumimoji="0" lang="nl-NL" altLang="nl-NL" sz="900" b="0" i="0" u="none" strike="noStrike" cap="none" normalizeH="0" baseline="0" dirty="0" smtClean="0">
                 <a:ln>
@@ -7160,35 +9438,21 @@
                 <a:latin typeface="Courier New" pitchFamily="49" charset="0"/>
                 <a:cs typeface="Courier New" pitchFamily="49" charset="0"/>
               </a:rPr>
-              <a:t>                </a:t>
-            </a:r>
-            <a:r>
-              <a:rPr kumimoji="0" lang="nl-NL" altLang="nl-NL" sz="900" b="1" i="0" u="none" strike="noStrike" cap="none" normalizeH="0" baseline="0" dirty="0" err="1" smtClean="0">
-                <a:ln>
-                  <a:noFill/>
-                </a:ln>
-                <a:solidFill>
-                  <a:srgbClr val="000080"/>
-                </a:solidFill>
-                <a:effectLst/>
-                <a:latin typeface="Courier New" pitchFamily="49" charset="0"/>
-                <a:cs typeface="Courier New" pitchFamily="49" charset="0"/>
-              </a:rPr>
-              <a:t>for</a:t>
-            </a:r>
-            <a:r>
-              <a:rPr kumimoji="0" lang="nl-NL" altLang="nl-NL" sz="900" b="1" i="0" u="none" strike="noStrike" cap="none" normalizeH="0" baseline="0" dirty="0" smtClean="0">
-                <a:ln>
-                  <a:noFill/>
-                </a:ln>
-                <a:solidFill>
-                  <a:srgbClr val="000080"/>
-                </a:solidFill>
-                <a:effectLst/>
-                <a:latin typeface="Courier New" pitchFamily="49" charset="0"/>
-                <a:cs typeface="Courier New" pitchFamily="49" charset="0"/>
-              </a:rPr>
-              <a:t> </a:t>
+              <a:t>&amp;&amp; ! </a:t>
+            </a:r>
+            <a:r>
+              <a:rPr kumimoji="0" lang="nl-NL" altLang="nl-NL" sz="900" b="0" i="0" u="none" strike="noStrike" cap="none" normalizeH="0" baseline="0" dirty="0" err="1" smtClean="0">
+                <a:ln>
+                  <a:noFill/>
+                </a:ln>
+                <a:solidFill>
+                  <a:srgbClr val="000000"/>
+                </a:solidFill>
+                <a:effectLst/>
+                <a:latin typeface="Courier New" pitchFamily="49" charset="0"/>
+                <a:cs typeface="Courier New" pitchFamily="49" charset="0"/>
+              </a:rPr>
+              <a:t>tree.equals</a:t>
             </a:r>
             <a:r>
               <a:rPr kumimoji="0" lang="nl-NL" altLang="nl-NL" sz="900" b="0" i="0" u="none" strike="noStrike" cap="none" normalizeH="0" baseline="0" dirty="0" smtClean="0">
@@ -7202,3184 +9466,7 @@
                 <a:latin typeface="Courier New" pitchFamily="49" charset="0"/>
                 <a:cs typeface="Courier New" pitchFamily="49" charset="0"/>
               </a:rPr>
-              <a:t>(</a:t>
-            </a:r>
-            <a:r>
-              <a:rPr kumimoji="0" lang="nl-NL" altLang="nl-NL" sz="900" b="1" i="0" u="none" strike="noStrike" cap="none" normalizeH="0" baseline="0" dirty="0" smtClean="0">
-                <a:ln>
-                  <a:noFill/>
-                </a:ln>
-                <a:solidFill>
-                  <a:srgbClr val="000080"/>
-                </a:solidFill>
-                <a:effectLst/>
-                <a:latin typeface="Courier New" pitchFamily="49" charset="0"/>
-                <a:cs typeface="Courier New" pitchFamily="49" charset="0"/>
-              </a:rPr>
-              <a:t>int </a:t>
-            </a:r>
-            <a:r>
-              <a:rPr kumimoji="0" lang="nl-NL" altLang="nl-NL" sz="900" b="0" i="0" u="none" strike="noStrike" cap="none" normalizeH="0" baseline="0" dirty="0" smtClean="0">
-                <a:ln>
-                  <a:noFill/>
-                </a:ln>
-                <a:solidFill>
-                  <a:srgbClr val="000000"/>
-                </a:solidFill>
-                <a:effectLst/>
-                <a:latin typeface="Courier New" pitchFamily="49" charset="0"/>
-                <a:cs typeface="Courier New" pitchFamily="49" charset="0"/>
-              </a:rPr>
-              <a:t>i = </a:t>
-            </a:r>
-            <a:r>
-              <a:rPr kumimoji="0" lang="nl-NL" altLang="nl-NL" sz="900" b="0" i="0" u="none" strike="noStrike" cap="none" normalizeH="0" baseline="0" dirty="0" smtClean="0">
-                <a:ln>
-                  <a:noFill/>
-                </a:ln>
-                <a:solidFill>
-                  <a:srgbClr val="0000FF"/>
-                </a:solidFill>
-                <a:effectLst/>
-                <a:latin typeface="Courier New" pitchFamily="49" charset="0"/>
-                <a:cs typeface="Courier New" pitchFamily="49" charset="0"/>
-              </a:rPr>
-              <a:t>0</a:t>
-            </a:r>
-            <a:r>
-              <a:rPr kumimoji="0" lang="nl-NL" altLang="nl-NL" sz="900" b="0" i="0" u="none" strike="noStrike" cap="none" normalizeH="0" baseline="0" dirty="0" smtClean="0">
-                <a:ln>
-                  <a:noFill/>
-                </a:ln>
-                <a:solidFill>
-                  <a:srgbClr val="000000"/>
-                </a:solidFill>
-                <a:effectLst/>
-                <a:latin typeface="Courier New" pitchFamily="49" charset="0"/>
-                <a:cs typeface="Courier New" pitchFamily="49" charset="0"/>
-              </a:rPr>
-              <a:t>; i &lt; </a:t>
-            </a:r>
-            <a:r>
-              <a:rPr kumimoji="0" lang="nl-NL" altLang="nl-NL" sz="900" b="0" i="0" u="none" strike="noStrike" cap="none" normalizeH="0" baseline="0" dirty="0" err="1" smtClean="0">
-                <a:ln>
-                  <a:noFill/>
-                </a:ln>
-                <a:solidFill>
-                  <a:srgbClr val="000000"/>
-                </a:solidFill>
-                <a:effectLst/>
-                <a:latin typeface="Courier New" pitchFamily="49" charset="0"/>
-                <a:cs typeface="Courier New" pitchFamily="49" charset="0"/>
-              </a:rPr>
-              <a:t>tree.</a:t>
-            </a:r>
-            <a:r>
-              <a:rPr kumimoji="0" lang="nl-NL" altLang="nl-NL" sz="900" b="1" i="0" u="none" strike="noStrike" cap="none" normalizeH="0" baseline="0" dirty="0" err="1" smtClean="0">
-                <a:ln>
-                  <a:noFill/>
-                </a:ln>
-                <a:solidFill>
-                  <a:srgbClr val="660E7A"/>
-                </a:solidFill>
-                <a:effectLst/>
-                <a:latin typeface="Courier New" pitchFamily="49" charset="0"/>
-                <a:cs typeface="Courier New" pitchFamily="49" charset="0"/>
-              </a:rPr>
-              <a:t>nodes</a:t>
-            </a:r>
-            <a:r>
-              <a:rPr kumimoji="0" lang="nl-NL" altLang="nl-NL" sz="900" b="0" i="0" u="none" strike="noStrike" cap="none" normalizeH="0" baseline="0" dirty="0" err="1" smtClean="0">
-                <a:ln>
-                  <a:noFill/>
-                </a:ln>
-                <a:solidFill>
-                  <a:srgbClr val="000000"/>
-                </a:solidFill>
-                <a:effectLst/>
-                <a:latin typeface="Courier New" pitchFamily="49" charset="0"/>
-                <a:cs typeface="Courier New" pitchFamily="49" charset="0"/>
-              </a:rPr>
-              <a:t>.size</a:t>
-            </a:r>
-            <a:r>
-              <a:rPr kumimoji="0" lang="nl-NL" altLang="nl-NL" sz="900" b="0" i="0" u="none" strike="noStrike" cap="none" normalizeH="0" baseline="0" dirty="0" smtClean="0">
-                <a:ln>
-                  <a:noFill/>
-                </a:ln>
-                <a:solidFill>
-                  <a:srgbClr val="000000"/>
-                </a:solidFill>
-                <a:effectLst/>
-                <a:latin typeface="Courier New" pitchFamily="49" charset="0"/>
-                <a:cs typeface="Courier New" pitchFamily="49" charset="0"/>
-              </a:rPr>
-              <a:t>(); i++)</a:t>
-            </a:r>
-            <a:br>
-              <a:rPr kumimoji="0" lang="nl-NL" altLang="nl-NL" sz="900" b="0" i="0" u="none" strike="noStrike" cap="none" normalizeH="0" baseline="0" dirty="0" smtClean="0">
-                <a:ln>
-                  <a:noFill/>
-                </a:ln>
-                <a:solidFill>
-                  <a:srgbClr val="000000"/>
-                </a:solidFill>
-                <a:effectLst/>
-                <a:latin typeface="Courier New" pitchFamily="49" charset="0"/>
-                <a:cs typeface="Courier New" pitchFamily="49" charset="0"/>
-              </a:rPr>
-            </a:br>
-            <a:r>
-              <a:rPr kumimoji="0" lang="nl-NL" altLang="nl-NL" sz="900" b="0" i="0" u="none" strike="noStrike" cap="none" normalizeH="0" baseline="0" dirty="0" smtClean="0">
-                <a:ln>
-                  <a:noFill/>
-                </a:ln>
-                <a:solidFill>
-                  <a:srgbClr val="000000"/>
-                </a:solidFill>
-                <a:effectLst/>
-                <a:latin typeface="Courier New" pitchFamily="49" charset="0"/>
-                <a:cs typeface="Courier New" pitchFamily="49" charset="0"/>
-              </a:rPr>
-              <a:t>                {</a:t>
-            </a:r>
-            <a:br>
-              <a:rPr kumimoji="0" lang="nl-NL" altLang="nl-NL" sz="900" b="0" i="0" u="none" strike="noStrike" cap="none" normalizeH="0" baseline="0" dirty="0" smtClean="0">
-                <a:ln>
-                  <a:noFill/>
-                </a:ln>
-                <a:solidFill>
-                  <a:srgbClr val="000000"/>
-                </a:solidFill>
-                <a:effectLst/>
-                <a:latin typeface="Courier New" pitchFamily="49" charset="0"/>
-                <a:cs typeface="Courier New" pitchFamily="49" charset="0"/>
-              </a:rPr>
-            </a:br>
-            <a:r>
-              <a:rPr kumimoji="0" lang="nl-NL" altLang="nl-NL" sz="900" b="0" i="0" u="none" strike="noStrike" cap="none" normalizeH="0" baseline="0" dirty="0" smtClean="0">
-                <a:ln>
-                  <a:noFill/>
-                </a:ln>
-                <a:solidFill>
-                  <a:srgbClr val="000000"/>
-                </a:solidFill>
-                <a:effectLst/>
-                <a:latin typeface="Courier New" pitchFamily="49" charset="0"/>
-                <a:cs typeface="Courier New" pitchFamily="49" charset="0"/>
-              </a:rPr>
-              <a:t>                    </a:t>
-            </a:r>
-            <a:r>
-              <a:rPr kumimoji="0" lang="nl-NL" altLang="nl-NL" sz="900" b="0" i="1" u="none" strike="noStrike" cap="none" normalizeH="0" baseline="0" dirty="0" smtClean="0">
-                <a:ln>
-                  <a:noFill/>
-                </a:ln>
-                <a:solidFill>
-                  <a:srgbClr val="808080"/>
-                </a:solidFill>
-                <a:effectLst/>
-                <a:latin typeface="Courier New" pitchFamily="49" charset="0"/>
-                <a:cs typeface="Courier New" pitchFamily="49" charset="0"/>
-              </a:rPr>
-              <a:t>//</a:t>
-            </a:r>
-            <a:r>
-              <a:rPr kumimoji="0" lang="nl-NL" altLang="nl-NL" sz="900" b="0" i="1" u="none" strike="noStrike" cap="none" normalizeH="0" baseline="0" dirty="0" err="1" smtClean="0">
-                <a:ln>
-                  <a:noFill/>
-                </a:ln>
-                <a:solidFill>
-                  <a:srgbClr val="808080"/>
-                </a:solidFill>
-                <a:effectLst/>
-                <a:latin typeface="Courier New" pitchFamily="49" charset="0"/>
-                <a:cs typeface="Courier New" pitchFamily="49" charset="0"/>
-              </a:rPr>
-              <a:t>Add</a:t>
-            </a:r>
-            <a:r>
-              <a:rPr kumimoji="0" lang="nl-NL" altLang="nl-NL" sz="900" b="0" i="1" u="none" strike="noStrike" cap="none" normalizeH="0" baseline="0" dirty="0" smtClean="0">
-                <a:ln>
-                  <a:noFill/>
-                </a:ln>
-                <a:solidFill>
-                  <a:srgbClr val="808080"/>
-                </a:solidFill>
-                <a:effectLst/>
-                <a:latin typeface="Courier New" pitchFamily="49" charset="0"/>
-                <a:cs typeface="Courier New" pitchFamily="49" charset="0"/>
-              </a:rPr>
-              <a:t> </a:t>
-            </a:r>
-            <a:r>
-              <a:rPr kumimoji="0" lang="nl-NL" altLang="nl-NL" sz="900" b="0" i="1" u="none" strike="noStrike" cap="none" normalizeH="0" baseline="0" dirty="0" err="1" smtClean="0">
-                <a:ln>
-                  <a:noFill/>
-                </a:ln>
-                <a:solidFill>
-                  <a:srgbClr val="808080"/>
-                </a:solidFill>
-                <a:effectLst/>
-                <a:latin typeface="Courier New" pitchFamily="49" charset="0"/>
-                <a:cs typeface="Courier New" pitchFamily="49" charset="0"/>
-              </a:rPr>
-              <a:t>to</a:t>
-            </a:r>
-            <a:r>
-              <a:rPr kumimoji="0" lang="nl-NL" altLang="nl-NL" sz="900" b="0" i="1" u="none" strike="noStrike" cap="none" normalizeH="0" baseline="0" dirty="0" smtClean="0">
-                <a:ln>
-                  <a:noFill/>
-                </a:ln>
-                <a:solidFill>
-                  <a:srgbClr val="808080"/>
-                </a:solidFill>
-                <a:effectLst/>
-                <a:latin typeface="Courier New" pitchFamily="49" charset="0"/>
-                <a:cs typeface="Courier New" pitchFamily="49" charset="0"/>
-              </a:rPr>
-              <a:t> </a:t>
-            </a:r>
-            <a:r>
-              <a:rPr kumimoji="0" lang="nl-NL" altLang="nl-NL" sz="900" b="0" i="1" u="none" strike="noStrike" cap="none" normalizeH="0" baseline="0" dirty="0" err="1" smtClean="0">
-                <a:ln>
-                  <a:noFill/>
-                </a:ln>
-                <a:solidFill>
-                  <a:srgbClr val="808080"/>
-                </a:solidFill>
-                <a:effectLst/>
-                <a:latin typeface="Courier New" pitchFamily="49" charset="0"/>
-                <a:cs typeface="Courier New" pitchFamily="49" charset="0"/>
-              </a:rPr>
-              <a:t>the</a:t>
-            </a:r>
-            <a:r>
-              <a:rPr kumimoji="0" lang="nl-NL" altLang="nl-NL" sz="900" b="0" i="1" u="none" strike="noStrike" cap="none" normalizeH="0" baseline="0" dirty="0" smtClean="0">
-                <a:ln>
-                  <a:noFill/>
-                </a:ln>
-                <a:solidFill>
-                  <a:srgbClr val="808080"/>
-                </a:solidFill>
-                <a:effectLst/>
-                <a:latin typeface="Courier New" pitchFamily="49" charset="0"/>
-                <a:cs typeface="Courier New" pitchFamily="49" charset="0"/>
-              </a:rPr>
-              <a:t> </a:t>
-            </a:r>
-            <a:r>
-              <a:rPr kumimoji="0" lang="nl-NL" altLang="nl-NL" sz="900" b="0" i="1" u="none" strike="noStrike" cap="none" normalizeH="0" baseline="0" dirty="0" err="1" smtClean="0">
-                <a:ln>
-                  <a:noFill/>
-                </a:ln>
-                <a:solidFill>
-                  <a:srgbClr val="808080"/>
-                </a:solidFill>
-                <a:effectLst/>
-                <a:latin typeface="Courier New" pitchFamily="49" charset="0"/>
-                <a:cs typeface="Courier New" pitchFamily="49" charset="0"/>
-              </a:rPr>
-              <a:t>nodes</a:t>
-            </a:r>
-            <a:r>
-              <a:rPr kumimoji="0" lang="nl-NL" altLang="nl-NL" sz="900" b="0" i="1" u="none" strike="noStrike" cap="none" normalizeH="0" baseline="0" dirty="0" smtClean="0">
-                <a:ln>
-                  <a:noFill/>
-                </a:ln>
-                <a:solidFill>
-                  <a:srgbClr val="808080"/>
-                </a:solidFill>
-                <a:effectLst/>
-                <a:latin typeface="Courier New" pitchFamily="49" charset="0"/>
-                <a:cs typeface="Courier New" pitchFamily="49" charset="0"/>
-              </a:rPr>
-              <a:t> list at a </a:t>
-            </a:r>
-            <a:r>
-              <a:rPr kumimoji="0" lang="nl-NL" altLang="nl-NL" sz="900" b="0" i="1" u="none" strike="noStrike" cap="none" normalizeH="0" baseline="0" dirty="0" err="1" smtClean="0">
-                <a:ln>
-                  <a:noFill/>
-                </a:ln>
-                <a:solidFill>
-                  <a:srgbClr val="808080"/>
-                </a:solidFill>
-                <a:effectLst/>
-                <a:latin typeface="Courier New" pitchFamily="49" charset="0"/>
-                <a:cs typeface="Courier New" pitchFamily="49" charset="0"/>
-              </a:rPr>
-              <a:t>location</a:t>
-            </a:r>
-            <a:r>
-              <a:rPr kumimoji="0" lang="nl-NL" altLang="nl-NL" sz="900" b="0" i="1" u="none" strike="noStrike" cap="none" normalizeH="0" baseline="0" dirty="0" smtClean="0">
-                <a:ln>
-                  <a:noFill/>
-                </a:ln>
-                <a:solidFill>
-                  <a:srgbClr val="808080"/>
-                </a:solidFill>
-                <a:effectLst/>
-                <a:latin typeface="Courier New" pitchFamily="49" charset="0"/>
-                <a:cs typeface="Courier New" pitchFamily="49" charset="0"/>
-              </a:rPr>
-              <a:t>;</a:t>
-            </a:r>
-            <a:br>
-              <a:rPr kumimoji="0" lang="nl-NL" altLang="nl-NL" sz="900" b="0" i="1" u="none" strike="noStrike" cap="none" normalizeH="0" baseline="0" dirty="0" smtClean="0">
-                <a:ln>
-                  <a:noFill/>
-                </a:ln>
-                <a:solidFill>
-                  <a:srgbClr val="808080"/>
-                </a:solidFill>
-                <a:effectLst/>
-                <a:latin typeface="Courier New" pitchFamily="49" charset="0"/>
-                <a:cs typeface="Courier New" pitchFamily="49" charset="0"/>
-              </a:rPr>
-            </a:br>
-            <a:r>
-              <a:rPr kumimoji="0" lang="nl-NL" altLang="nl-NL" sz="900" b="0" i="1" u="none" strike="noStrike" cap="none" normalizeH="0" baseline="0" dirty="0" smtClean="0">
-                <a:ln>
-                  <a:noFill/>
-                </a:ln>
-                <a:solidFill>
-                  <a:srgbClr val="808080"/>
-                </a:solidFill>
-                <a:effectLst/>
-                <a:latin typeface="Courier New" pitchFamily="49" charset="0"/>
-                <a:cs typeface="Courier New" pitchFamily="49" charset="0"/>
-              </a:rPr>
-              <a:t>                    //Shift </a:t>
-            </a:r>
-            <a:r>
-              <a:rPr kumimoji="0" lang="nl-NL" altLang="nl-NL" sz="900" b="0" i="1" u="none" strike="noStrike" cap="none" normalizeH="0" baseline="0" dirty="0" err="1" smtClean="0">
-                <a:ln>
-                  <a:noFill/>
-                </a:ln>
-                <a:solidFill>
-                  <a:srgbClr val="808080"/>
-                </a:solidFill>
-                <a:effectLst/>
-                <a:latin typeface="Courier New" pitchFamily="49" charset="0"/>
-                <a:cs typeface="Courier New" pitchFamily="49" charset="0"/>
-              </a:rPr>
-              <a:t>the</a:t>
-            </a:r>
-            <a:r>
-              <a:rPr kumimoji="0" lang="nl-NL" altLang="nl-NL" sz="900" b="0" i="1" u="none" strike="noStrike" cap="none" normalizeH="0" baseline="0" dirty="0" smtClean="0">
-                <a:ln>
-                  <a:noFill/>
-                </a:ln>
-                <a:solidFill>
-                  <a:srgbClr val="808080"/>
-                </a:solidFill>
-                <a:effectLst/>
-                <a:latin typeface="Courier New" pitchFamily="49" charset="0"/>
-                <a:cs typeface="Courier New" pitchFamily="49" charset="0"/>
-              </a:rPr>
-              <a:t> </a:t>
-            </a:r>
-            <a:r>
-              <a:rPr kumimoji="0" lang="nl-NL" altLang="nl-NL" sz="900" b="0" i="1" u="none" strike="noStrike" cap="none" normalizeH="0" baseline="0" dirty="0" err="1" smtClean="0">
-                <a:ln>
-                  <a:noFill/>
-                </a:ln>
-                <a:solidFill>
-                  <a:srgbClr val="808080"/>
-                </a:solidFill>
-                <a:effectLst/>
-                <a:latin typeface="Courier New" pitchFamily="49" charset="0"/>
-                <a:cs typeface="Courier New" pitchFamily="49" charset="0"/>
-              </a:rPr>
-              <a:t>subtrees</a:t>
-            </a:r>
-            <a:r>
-              <a:rPr kumimoji="0" lang="nl-NL" altLang="nl-NL" sz="900" b="0" i="1" u="none" strike="noStrike" cap="none" normalizeH="0" baseline="0" dirty="0" smtClean="0">
-                <a:ln>
-                  <a:noFill/>
-                </a:ln>
-                <a:solidFill>
-                  <a:srgbClr val="808080"/>
-                </a:solidFill>
-                <a:effectLst/>
-                <a:latin typeface="Courier New" pitchFamily="49" charset="0"/>
-                <a:cs typeface="Courier New" pitchFamily="49" charset="0"/>
-              </a:rPr>
-              <a:t/>
-            </a:r>
-            <a:br>
-              <a:rPr kumimoji="0" lang="nl-NL" altLang="nl-NL" sz="900" b="0" i="1" u="none" strike="noStrike" cap="none" normalizeH="0" baseline="0" dirty="0" smtClean="0">
-                <a:ln>
-                  <a:noFill/>
-                </a:ln>
-                <a:solidFill>
-                  <a:srgbClr val="808080"/>
-                </a:solidFill>
-                <a:effectLst/>
-                <a:latin typeface="Courier New" pitchFamily="49" charset="0"/>
-                <a:cs typeface="Courier New" pitchFamily="49" charset="0"/>
-              </a:rPr>
-            </a:br>
-            <a:r>
-              <a:rPr kumimoji="0" lang="nl-NL" altLang="nl-NL" sz="900" b="0" i="1" u="none" strike="noStrike" cap="none" normalizeH="0" baseline="0" dirty="0" smtClean="0">
-                <a:ln>
-                  <a:noFill/>
-                </a:ln>
-                <a:solidFill>
-                  <a:srgbClr val="808080"/>
-                </a:solidFill>
-                <a:effectLst/>
-                <a:latin typeface="Courier New" pitchFamily="49" charset="0"/>
-                <a:cs typeface="Courier New" pitchFamily="49" charset="0"/>
-              </a:rPr>
-              <a:t>                    </a:t>
-            </a:r>
-            <a:r>
-              <a:rPr kumimoji="0" lang="nl-NL" altLang="nl-NL" sz="900" b="1" i="0" u="none" strike="noStrike" cap="none" normalizeH="0" baseline="0" dirty="0" err="1" smtClean="0">
-                <a:ln>
-                  <a:noFill/>
-                </a:ln>
-                <a:solidFill>
-                  <a:srgbClr val="000080"/>
-                </a:solidFill>
-                <a:effectLst/>
-                <a:latin typeface="Courier New" pitchFamily="49" charset="0"/>
-                <a:cs typeface="Courier New" pitchFamily="49" charset="0"/>
-              </a:rPr>
-              <a:t>if</a:t>
-            </a:r>
-            <a:r>
-              <a:rPr kumimoji="0" lang="nl-NL" altLang="nl-NL" sz="900" b="1" i="0" u="none" strike="noStrike" cap="none" normalizeH="0" baseline="0" dirty="0" smtClean="0">
-                <a:ln>
-                  <a:noFill/>
-                </a:ln>
-                <a:solidFill>
-                  <a:srgbClr val="000080"/>
-                </a:solidFill>
-                <a:effectLst/>
-                <a:latin typeface="Courier New" pitchFamily="49" charset="0"/>
-                <a:cs typeface="Courier New" pitchFamily="49" charset="0"/>
-              </a:rPr>
-              <a:t> </a:t>
-            </a:r>
-            <a:r>
-              <a:rPr kumimoji="0" lang="nl-NL" altLang="nl-NL" sz="900" b="0" i="0" u="none" strike="noStrike" cap="none" normalizeH="0" baseline="0" dirty="0" smtClean="0">
-                <a:ln>
-                  <a:noFill/>
-                </a:ln>
-                <a:solidFill>
-                  <a:srgbClr val="000000"/>
-                </a:solidFill>
-                <a:effectLst/>
-                <a:latin typeface="Courier New" pitchFamily="49" charset="0"/>
-                <a:cs typeface="Courier New" pitchFamily="49" charset="0"/>
-              </a:rPr>
-              <a:t>(</a:t>
-            </a:r>
-            <a:r>
-              <a:rPr kumimoji="0" lang="nl-NL" altLang="nl-NL" sz="900" b="0" i="0" u="none" strike="noStrike" cap="none" normalizeH="0" baseline="0" dirty="0" err="1" smtClean="0">
-                <a:ln>
-                  <a:noFill/>
-                </a:ln>
-                <a:solidFill>
-                  <a:srgbClr val="000000"/>
-                </a:solidFill>
-                <a:effectLst/>
-                <a:latin typeface="Courier New" pitchFamily="49" charset="0"/>
-                <a:cs typeface="Courier New" pitchFamily="49" charset="0"/>
-              </a:rPr>
-              <a:t>tree.</a:t>
-            </a:r>
-            <a:r>
-              <a:rPr kumimoji="0" lang="nl-NL" altLang="nl-NL" sz="900" b="1" i="0" u="none" strike="noStrike" cap="none" normalizeH="0" baseline="0" dirty="0" err="1" smtClean="0">
-                <a:ln>
-                  <a:noFill/>
-                </a:ln>
-                <a:solidFill>
-                  <a:srgbClr val="660E7A"/>
-                </a:solidFill>
-                <a:effectLst/>
-                <a:latin typeface="Courier New" pitchFamily="49" charset="0"/>
-                <a:cs typeface="Courier New" pitchFamily="49" charset="0"/>
-              </a:rPr>
-              <a:t>nodes</a:t>
-            </a:r>
-            <a:r>
-              <a:rPr kumimoji="0" lang="nl-NL" altLang="nl-NL" sz="900" b="0" i="0" u="none" strike="noStrike" cap="none" normalizeH="0" baseline="0" dirty="0" err="1" smtClean="0">
-                <a:ln>
-                  <a:noFill/>
-                </a:ln>
-                <a:solidFill>
-                  <a:srgbClr val="000000"/>
-                </a:solidFill>
-                <a:effectLst/>
-                <a:latin typeface="Courier New" pitchFamily="49" charset="0"/>
-                <a:cs typeface="Courier New" pitchFamily="49" charset="0"/>
-              </a:rPr>
-              <a:t>.get</a:t>
-            </a:r>
-            <a:r>
-              <a:rPr kumimoji="0" lang="nl-NL" altLang="nl-NL" sz="900" b="0" i="0" u="none" strike="noStrike" cap="none" normalizeH="0" baseline="0" dirty="0" smtClean="0">
-                <a:ln>
-                  <a:noFill/>
-                </a:ln>
-                <a:solidFill>
-                  <a:srgbClr val="000000"/>
-                </a:solidFill>
-                <a:effectLst/>
-                <a:latin typeface="Courier New" pitchFamily="49" charset="0"/>
-                <a:cs typeface="Courier New" pitchFamily="49" charset="0"/>
-              </a:rPr>
-              <a:t>(i).</a:t>
-            </a:r>
-            <a:r>
-              <a:rPr kumimoji="0" lang="nl-NL" altLang="nl-NL" sz="900" b="0" i="0" u="none" strike="noStrike" cap="none" normalizeH="0" baseline="0" dirty="0" err="1" smtClean="0">
-                <a:ln>
-                  <a:noFill/>
-                </a:ln>
-                <a:solidFill>
-                  <a:srgbClr val="000000"/>
-                </a:solidFill>
-                <a:effectLst/>
-                <a:latin typeface="Courier New" pitchFamily="49" charset="0"/>
-                <a:cs typeface="Courier New" pitchFamily="49" charset="0"/>
-              </a:rPr>
-              <a:t>compareTo</a:t>
-            </a:r>
-            <a:r>
-              <a:rPr kumimoji="0" lang="nl-NL" altLang="nl-NL" sz="900" b="0" i="0" u="none" strike="noStrike" cap="none" normalizeH="0" baseline="0" dirty="0" smtClean="0">
-                <a:ln>
-                  <a:noFill/>
-                </a:ln>
-                <a:solidFill>
-                  <a:srgbClr val="000000"/>
-                </a:solidFill>
-                <a:effectLst/>
-                <a:latin typeface="Courier New" pitchFamily="49" charset="0"/>
-                <a:cs typeface="Courier New" pitchFamily="49" charset="0"/>
-              </a:rPr>
-              <a:t>(</a:t>
-            </a:r>
-            <a:r>
-              <a:rPr kumimoji="0" lang="nl-NL" altLang="nl-NL" sz="900" b="0" i="0" u="none" strike="noStrike" cap="none" normalizeH="0" baseline="0" dirty="0" err="1" smtClean="0">
-                <a:ln>
-                  <a:noFill/>
-                </a:ln>
-                <a:solidFill>
-                  <a:srgbClr val="000000"/>
-                </a:solidFill>
-                <a:effectLst/>
-                <a:latin typeface="Courier New" pitchFamily="49" charset="0"/>
-                <a:cs typeface="Courier New" pitchFamily="49" charset="0"/>
-              </a:rPr>
-              <a:t>key</a:t>
-            </a:r>
-            <a:r>
-              <a:rPr kumimoji="0" lang="nl-NL" altLang="nl-NL" sz="900" b="0" i="0" u="none" strike="noStrike" cap="none" normalizeH="0" baseline="0" dirty="0" smtClean="0">
-                <a:ln>
-                  <a:noFill/>
-                </a:ln>
-                <a:solidFill>
-                  <a:srgbClr val="000000"/>
-                </a:solidFill>
-                <a:effectLst/>
-                <a:latin typeface="Courier New" pitchFamily="49" charset="0"/>
-                <a:cs typeface="Courier New" pitchFamily="49" charset="0"/>
-              </a:rPr>
-              <a:t>) &gt; </a:t>
-            </a:r>
-            <a:r>
-              <a:rPr kumimoji="0" lang="nl-NL" altLang="nl-NL" sz="900" b="0" i="0" u="none" strike="noStrike" cap="none" normalizeH="0" baseline="0" dirty="0" smtClean="0">
-                <a:ln>
-                  <a:noFill/>
-                </a:ln>
-                <a:solidFill>
-                  <a:srgbClr val="0000FF"/>
-                </a:solidFill>
-                <a:effectLst/>
-                <a:latin typeface="Courier New" pitchFamily="49" charset="0"/>
-                <a:cs typeface="Courier New" pitchFamily="49" charset="0"/>
-              </a:rPr>
-              <a:t>0</a:t>
-            </a:r>
-            <a:r>
-              <a:rPr kumimoji="0" lang="nl-NL" altLang="nl-NL" sz="900" b="0" i="0" u="none" strike="noStrike" cap="none" normalizeH="0" baseline="0" dirty="0" smtClean="0">
-                <a:ln>
-                  <a:noFill/>
-                </a:ln>
-                <a:solidFill>
-                  <a:srgbClr val="000000"/>
-                </a:solidFill>
-                <a:effectLst/>
-                <a:latin typeface="Courier New" pitchFamily="49" charset="0"/>
-                <a:cs typeface="Courier New" pitchFamily="49" charset="0"/>
-              </a:rPr>
-              <a:t>)</a:t>
-            </a:r>
-            <a:br>
-              <a:rPr kumimoji="0" lang="nl-NL" altLang="nl-NL" sz="900" b="0" i="0" u="none" strike="noStrike" cap="none" normalizeH="0" baseline="0" dirty="0" smtClean="0">
-                <a:ln>
-                  <a:noFill/>
-                </a:ln>
-                <a:solidFill>
-                  <a:srgbClr val="000000"/>
-                </a:solidFill>
-                <a:effectLst/>
-                <a:latin typeface="Courier New" pitchFamily="49" charset="0"/>
-                <a:cs typeface="Courier New" pitchFamily="49" charset="0"/>
-              </a:rPr>
-            </a:br>
-            <a:r>
-              <a:rPr kumimoji="0" lang="nl-NL" altLang="nl-NL" sz="900" b="0" i="0" u="none" strike="noStrike" cap="none" normalizeH="0" baseline="0" dirty="0" smtClean="0">
-                <a:ln>
-                  <a:noFill/>
-                </a:ln>
-                <a:solidFill>
-                  <a:srgbClr val="000000"/>
-                </a:solidFill>
-                <a:effectLst/>
-                <a:latin typeface="Courier New" pitchFamily="49" charset="0"/>
-                <a:cs typeface="Courier New" pitchFamily="49" charset="0"/>
-              </a:rPr>
-              <a:t>                    {</a:t>
-            </a:r>
-            <a:br>
-              <a:rPr kumimoji="0" lang="nl-NL" altLang="nl-NL" sz="900" b="0" i="0" u="none" strike="noStrike" cap="none" normalizeH="0" baseline="0" dirty="0" smtClean="0">
-                <a:ln>
-                  <a:noFill/>
-                </a:ln>
-                <a:solidFill>
-                  <a:srgbClr val="000000"/>
-                </a:solidFill>
-                <a:effectLst/>
-                <a:latin typeface="Courier New" pitchFamily="49" charset="0"/>
-                <a:cs typeface="Courier New" pitchFamily="49" charset="0"/>
-              </a:rPr>
-            </a:br>
-            <a:r>
-              <a:rPr kumimoji="0" lang="nl-NL" altLang="nl-NL" sz="900" b="0" i="0" u="none" strike="noStrike" cap="none" normalizeH="0" baseline="0" dirty="0" smtClean="0">
-                <a:ln>
-                  <a:noFill/>
-                </a:ln>
-                <a:solidFill>
-                  <a:srgbClr val="000000"/>
-                </a:solidFill>
-                <a:effectLst/>
-                <a:latin typeface="Courier New" pitchFamily="49" charset="0"/>
-                <a:cs typeface="Courier New" pitchFamily="49" charset="0"/>
-              </a:rPr>
-              <a:t>                        </a:t>
-            </a:r>
-            <a:r>
-              <a:rPr kumimoji="0" lang="nl-NL" altLang="nl-NL" sz="900" b="0" i="0" u="none" strike="noStrike" cap="none" normalizeH="0" baseline="0" dirty="0" err="1" smtClean="0">
-                <a:ln>
-                  <a:noFill/>
-                </a:ln>
-                <a:solidFill>
-                  <a:srgbClr val="000000"/>
-                </a:solidFill>
-                <a:effectLst/>
-                <a:latin typeface="Courier New" pitchFamily="49" charset="0"/>
-                <a:cs typeface="Courier New" pitchFamily="49" charset="0"/>
-              </a:rPr>
-              <a:t>tree.</a:t>
-            </a:r>
-            <a:r>
-              <a:rPr kumimoji="0" lang="nl-NL" altLang="nl-NL" sz="900" b="1" i="0" u="none" strike="noStrike" cap="none" normalizeH="0" baseline="0" dirty="0" err="1" smtClean="0">
-                <a:ln>
-                  <a:noFill/>
-                </a:ln>
-                <a:solidFill>
-                  <a:srgbClr val="660E7A"/>
-                </a:solidFill>
-                <a:effectLst/>
-                <a:latin typeface="Courier New" pitchFamily="49" charset="0"/>
-                <a:cs typeface="Courier New" pitchFamily="49" charset="0"/>
-              </a:rPr>
-              <a:t>nodes</a:t>
-            </a:r>
-            <a:r>
-              <a:rPr kumimoji="0" lang="nl-NL" altLang="nl-NL" sz="900" b="0" i="0" u="none" strike="noStrike" cap="none" normalizeH="0" baseline="0" dirty="0" err="1" smtClean="0">
-                <a:ln>
-                  <a:noFill/>
-                </a:ln>
-                <a:solidFill>
-                  <a:srgbClr val="000000"/>
-                </a:solidFill>
-                <a:effectLst/>
-                <a:latin typeface="Courier New" pitchFamily="49" charset="0"/>
-                <a:cs typeface="Courier New" pitchFamily="49" charset="0"/>
-              </a:rPr>
-              <a:t>.add</a:t>
-            </a:r>
-            <a:r>
-              <a:rPr kumimoji="0" lang="nl-NL" altLang="nl-NL" sz="900" b="0" i="0" u="none" strike="noStrike" cap="none" normalizeH="0" baseline="0" dirty="0" smtClean="0">
-                <a:ln>
-                  <a:noFill/>
-                </a:ln>
-                <a:solidFill>
-                  <a:srgbClr val="000000"/>
-                </a:solidFill>
-                <a:effectLst/>
-                <a:latin typeface="Courier New" pitchFamily="49" charset="0"/>
-                <a:cs typeface="Courier New" pitchFamily="49" charset="0"/>
-              </a:rPr>
-              <a:t>(i, </a:t>
-            </a:r>
-            <a:r>
-              <a:rPr kumimoji="0" lang="nl-NL" altLang="nl-NL" sz="900" b="1" i="0" u="none" strike="noStrike" cap="none" normalizeH="0" baseline="0" dirty="0" smtClean="0">
-                <a:ln>
-                  <a:noFill/>
-                </a:ln>
-                <a:solidFill>
-                  <a:srgbClr val="000080"/>
-                </a:solidFill>
-                <a:effectLst/>
-                <a:latin typeface="Courier New" pitchFamily="49" charset="0"/>
-                <a:cs typeface="Courier New" pitchFamily="49" charset="0"/>
-              </a:rPr>
-              <a:t>new </a:t>
-            </a:r>
-            <a:r>
-              <a:rPr kumimoji="0" lang="nl-NL" altLang="nl-NL" sz="900" b="0" i="0" u="none" strike="noStrike" cap="none" normalizeH="0" baseline="0" dirty="0" err="1" smtClean="0">
-                <a:ln>
-                  <a:noFill/>
-                </a:ln>
-                <a:solidFill>
-                  <a:srgbClr val="000000"/>
-                </a:solidFill>
-                <a:effectLst/>
-                <a:latin typeface="Courier New" pitchFamily="49" charset="0"/>
-                <a:cs typeface="Courier New" pitchFamily="49" charset="0"/>
-              </a:rPr>
-              <a:t>KeyValuePair</a:t>
-            </a:r>
-            <a:r>
-              <a:rPr kumimoji="0" lang="nl-NL" altLang="nl-NL" sz="900" b="0" i="0" u="none" strike="noStrike" cap="none" normalizeH="0" baseline="0" dirty="0" smtClean="0">
-                <a:ln>
-                  <a:noFill/>
-                </a:ln>
-                <a:solidFill>
-                  <a:srgbClr val="000000"/>
-                </a:solidFill>
-                <a:effectLst/>
-                <a:latin typeface="Courier New" pitchFamily="49" charset="0"/>
-                <a:cs typeface="Courier New" pitchFamily="49" charset="0"/>
-              </a:rPr>
-              <a:t>&lt;</a:t>
-            </a:r>
-            <a:r>
-              <a:rPr kumimoji="0" lang="nl-NL" altLang="nl-NL" sz="900" b="0" i="0" u="none" strike="noStrike" cap="none" normalizeH="0" baseline="0" dirty="0" smtClean="0">
-                <a:ln>
-                  <a:noFill/>
-                </a:ln>
-                <a:solidFill>
-                  <a:srgbClr val="20999D"/>
-                </a:solidFill>
-                <a:effectLst/>
-                <a:latin typeface="Courier New" pitchFamily="49" charset="0"/>
-                <a:cs typeface="Courier New" pitchFamily="49" charset="0"/>
-              </a:rPr>
-              <a:t>K</a:t>
-            </a:r>
-            <a:r>
-              <a:rPr kumimoji="0" lang="nl-NL" altLang="nl-NL" sz="900" b="0" i="0" u="none" strike="noStrike" cap="none" normalizeH="0" baseline="0" dirty="0" smtClean="0">
-                <a:ln>
-                  <a:noFill/>
-                </a:ln>
-                <a:solidFill>
-                  <a:srgbClr val="000000"/>
-                </a:solidFill>
-                <a:effectLst/>
-                <a:latin typeface="Courier New" pitchFamily="49" charset="0"/>
-                <a:cs typeface="Courier New" pitchFamily="49" charset="0"/>
-              </a:rPr>
-              <a:t>, </a:t>
-            </a:r>
-            <a:r>
-              <a:rPr kumimoji="0" lang="nl-NL" altLang="nl-NL" sz="900" b="0" i="0" u="none" strike="noStrike" cap="none" normalizeH="0" baseline="0" dirty="0" smtClean="0">
-                <a:ln>
-                  <a:noFill/>
-                </a:ln>
-                <a:solidFill>
-                  <a:srgbClr val="20999D"/>
-                </a:solidFill>
-                <a:effectLst/>
-                <a:latin typeface="Courier New" pitchFamily="49" charset="0"/>
-                <a:cs typeface="Courier New" pitchFamily="49" charset="0"/>
-              </a:rPr>
-              <a:t>V</a:t>
-            </a:r>
-            <a:r>
-              <a:rPr kumimoji="0" lang="nl-NL" altLang="nl-NL" sz="900" b="0" i="0" u="none" strike="noStrike" cap="none" normalizeH="0" baseline="0" dirty="0" smtClean="0">
-                <a:ln>
-                  <a:noFill/>
-                </a:ln>
-                <a:solidFill>
-                  <a:srgbClr val="000000"/>
-                </a:solidFill>
-                <a:effectLst/>
-                <a:latin typeface="Courier New" pitchFamily="49" charset="0"/>
-                <a:cs typeface="Courier New" pitchFamily="49" charset="0"/>
-              </a:rPr>
-              <a:t>&gt;(</a:t>
-            </a:r>
-            <a:r>
-              <a:rPr kumimoji="0" lang="nl-NL" altLang="nl-NL" sz="900" b="0" i="0" u="none" strike="noStrike" cap="none" normalizeH="0" baseline="0" dirty="0" err="1" smtClean="0">
-                <a:ln>
-                  <a:noFill/>
-                </a:ln>
-                <a:solidFill>
-                  <a:srgbClr val="000000"/>
-                </a:solidFill>
-                <a:effectLst/>
-                <a:latin typeface="Courier New" pitchFamily="49" charset="0"/>
-                <a:cs typeface="Courier New" pitchFamily="49" charset="0"/>
-              </a:rPr>
-              <a:t>key</a:t>
-            </a:r>
-            <a:r>
-              <a:rPr kumimoji="0" lang="nl-NL" altLang="nl-NL" sz="900" b="0" i="0" u="none" strike="noStrike" cap="none" normalizeH="0" baseline="0" dirty="0" smtClean="0">
-                <a:ln>
-                  <a:noFill/>
-                </a:ln>
-                <a:solidFill>
-                  <a:srgbClr val="000000"/>
-                </a:solidFill>
-                <a:effectLst/>
-                <a:latin typeface="Courier New" pitchFamily="49" charset="0"/>
-                <a:cs typeface="Courier New" pitchFamily="49" charset="0"/>
-              </a:rPr>
-              <a:t>, </a:t>
-            </a:r>
-            <a:r>
-              <a:rPr kumimoji="0" lang="nl-NL" altLang="nl-NL" sz="900" b="0" i="0" u="none" strike="noStrike" cap="none" normalizeH="0" baseline="0" dirty="0" err="1" smtClean="0">
-                <a:ln>
-                  <a:noFill/>
-                </a:ln>
-                <a:solidFill>
-                  <a:srgbClr val="000000"/>
-                </a:solidFill>
-                <a:effectLst/>
-                <a:latin typeface="Courier New" pitchFamily="49" charset="0"/>
-                <a:cs typeface="Courier New" pitchFamily="49" charset="0"/>
-              </a:rPr>
-              <a:t>value</a:t>
-            </a:r>
-            <a:r>
-              <a:rPr kumimoji="0" lang="nl-NL" altLang="nl-NL" sz="900" b="0" i="0" u="none" strike="noStrike" cap="none" normalizeH="0" baseline="0" dirty="0" smtClean="0">
-                <a:ln>
-                  <a:noFill/>
-                </a:ln>
-                <a:solidFill>
-                  <a:srgbClr val="000000"/>
-                </a:solidFill>
-                <a:effectLst/>
-                <a:latin typeface="Courier New" pitchFamily="49" charset="0"/>
-                <a:cs typeface="Courier New" pitchFamily="49" charset="0"/>
-              </a:rPr>
-              <a:t>));</a:t>
-            </a:r>
-            <a:br>
-              <a:rPr kumimoji="0" lang="nl-NL" altLang="nl-NL" sz="900" b="0" i="0" u="none" strike="noStrike" cap="none" normalizeH="0" baseline="0" dirty="0" smtClean="0">
-                <a:ln>
-                  <a:noFill/>
-                </a:ln>
-                <a:solidFill>
-                  <a:srgbClr val="000000"/>
-                </a:solidFill>
-                <a:effectLst/>
-                <a:latin typeface="Courier New" pitchFamily="49" charset="0"/>
-                <a:cs typeface="Courier New" pitchFamily="49" charset="0"/>
-              </a:rPr>
-            </a:br>
-            <a:r>
-              <a:rPr kumimoji="0" lang="nl-NL" altLang="nl-NL" sz="900" b="0" i="0" u="none" strike="noStrike" cap="none" normalizeH="0" baseline="0" dirty="0" smtClean="0">
-                <a:ln>
-                  <a:noFill/>
-                </a:ln>
-                <a:solidFill>
-                  <a:srgbClr val="000000"/>
-                </a:solidFill>
-                <a:effectLst/>
-                <a:latin typeface="Courier New" pitchFamily="49" charset="0"/>
-                <a:cs typeface="Courier New" pitchFamily="49" charset="0"/>
-              </a:rPr>
-              <a:t>                        </a:t>
-            </a:r>
-            <a:r>
-              <a:rPr kumimoji="0" lang="nl-NL" altLang="nl-NL" sz="900" b="0" i="0" u="none" strike="noStrike" cap="none" normalizeH="0" baseline="0" dirty="0" err="1" smtClean="0">
-                <a:ln>
-                  <a:noFill/>
-                </a:ln>
-                <a:solidFill>
-                  <a:srgbClr val="000000"/>
-                </a:solidFill>
-                <a:effectLst/>
-                <a:latin typeface="Courier New" pitchFamily="49" charset="0"/>
-                <a:cs typeface="Courier New" pitchFamily="49" charset="0"/>
-              </a:rPr>
-              <a:t>tree.</a:t>
-            </a:r>
-            <a:r>
-              <a:rPr kumimoji="0" lang="nl-NL" altLang="nl-NL" sz="900" b="1" i="0" u="none" strike="noStrike" cap="none" normalizeH="0" baseline="0" dirty="0" err="1" smtClean="0">
-                <a:ln>
-                  <a:noFill/>
-                </a:ln>
-                <a:solidFill>
-                  <a:srgbClr val="660E7A"/>
-                </a:solidFill>
-                <a:effectLst/>
-                <a:latin typeface="Courier New" pitchFamily="49" charset="0"/>
-                <a:cs typeface="Courier New" pitchFamily="49" charset="0"/>
-              </a:rPr>
-              <a:t>subtrees</a:t>
-            </a:r>
-            <a:r>
-              <a:rPr kumimoji="0" lang="nl-NL" altLang="nl-NL" sz="900" b="0" i="0" u="none" strike="noStrike" cap="none" normalizeH="0" baseline="0" dirty="0" err="1" smtClean="0">
-                <a:ln>
-                  <a:noFill/>
-                </a:ln>
-                <a:solidFill>
-                  <a:srgbClr val="000000"/>
-                </a:solidFill>
-                <a:effectLst/>
-                <a:latin typeface="Courier New" pitchFamily="49" charset="0"/>
-                <a:cs typeface="Courier New" pitchFamily="49" charset="0"/>
-              </a:rPr>
-              <a:t>.add</a:t>
-            </a:r>
-            <a:r>
-              <a:rPr kumimoji="0" lang="nl-NL" altLang="nl-NL" sz="900" b="0" i="0" u="none" strike="noStrike" cap="none" normalizeH="0" baseline="0" dirty="0" smtClean="0">
-                <a:ln>
-                  <a:noFill/>
-                </a:ln>
-                <a:solidFill>
-                  <a:srgbClr val="000000"/>
-                </a:solidFill>
-                <a:effectLst/>
-                <a:latin typeface="Courier New" pitchFamily="49" charset="0"/>
-                <a:cs typeface="Courier New" pitchFamily="49" charset="0"/>
-              </a:rPr>
-              <a:t>(i, </a:t>
-            </a:r>
-            <a:r>
-              <a:rPr kumimoji="0" lang="nl-NL" altLang="nl-NL" sz="900" b="1" i="0" u="none" strike="noStrike" cap="none" normalizeH="0" baseline="0" dirty="0" smtClean="0">
-                <a:ln>
-                  <a:noFill/>
-                </a:ln>
-                <a:solidFill>
-                  <a:srgbClr val="000080"/>
-                </a:solidFill>
-                <a:effectLst/>
-                <a:latin typeface="Courier New" pitchFamily="49" charset="0"/>
-                <a:cs typeface="Courier New" pitchFamily="49" charset="0"/>
-              </a:rPr>
-              <a:t>new </a:t>
-            </a:r>
-            <a:r>
-              <a:rPr kumimoji="0" lang="nl-NL" altLang="nl-NL" sz="900" b="0" i="0" u="none" strike="noStrike" cap="none" normalizeH="0" baseline="0" dirty="0" err="1" smtClean="0">
-                <a:ln>
-                  <a:noFill/>
-                </a:ln>
-                <a:solidFill>
-                  <a:srgbClr val="000000"/>
-                </a:solidFill>
-                <a:effectLst/>
-                <a:latin typeface="Courier New" pitchFamily="49" charset="0"/>
-                <a:cs typeface="Courier New" pitchFamily="49" charset="0"/>
-              </a:rPr>
-              <a:t>BTree</a:t>
-            </a:r>
-            <a:r>
-              <a:rPr kumimoji="0" lang="nl-NL" altLang="nl-NL" sz="900" b="0" i="0" u="none" strike="noStrike" cap="none" normalizeH="0" baseline="0" dirty="0" smtClean="0">
-                <a:ln>
-                  <a:noFill/>
-                </a:ln>
-                <a:solidFill>
-                  <a:srgbClr val="000000"/>
-                </a:solidFill>
-                <a:effectLst/>
-                <a:latin typeface="Courier New" pitchFamily="49" charset="0"/>
-                <a:cs typeface="Courier New" pitchFamily="49" charset="0"/>
-              </a:rPr>
-              <a:t>&lt;</a:t>
-            </a:r>
-            <a:r>
-              <a:rPr kumimoji="0" lang="nl-NL" altLang="nl-NL" sz="900" b="0" i="0" u="none" strike="noStrike" cap="none" normalizeH="0" baseline="0" dirty="0" smtClean="0">
-                <a:ln>
-                  <a:noFill/>
-                </a:ln>
-                <a:solidFill>
-                  <a:srgbClr val="20999D"/>
-                </a:solidFill>
-                <a:effectLst/>
-                <a:latin typeface="Courier New" pitchFamily="49" charset="0"/>
-                <a:cs typeface="Courier New" pitchFamily="49" charset="0"/>
-              </a:rPr>
-              <a:t>K</a:t>
-            </a:r>
-            <a:r>
-              <a:rPr kumimoji="0" lang="nl-NL" altLang="nl-NL" sz="900" b="0" i="0" u="none" strike="noStrike" cap="none" normalizeH="0" baseline="0" dirty="0" smtClean="0">
-                <a:ln>
-                  <a:noFill/>
-                </a:ln>
-                <a:solidFill>
-                  <a:srgbClr val="000000"/>
-                </a:solidFill>
-                <a:effectLst/>
-                <a:latin typeface="Courier New" pitchFamily="49" charset="0"/>
-                <a:cs typeface="Courier New" pitchFamily="49" charset="0"/>
-              </a:rPr>
-              <a:t>, </a:t>
-            </a:r>
-            <a:r>
-              <a:rPr kumimoji="0" lang="nl-NL" altLang="nl-NL" sz="900" b="0" i="0" u="none" strike="noStrike" cap="none" normalizeH="0" baseline="0" dirty="0" smtClean="0">
-                <a:ln>
-                  <a:noFill/>
-                </a:ln>
-                <a:solidFill>
-                  <a:srgbClr val="20999D"/>
-                </a:solidFill>
-                <a:effectLst/>
-                <a:latin typeface="Courier New" pitchFamily="49" charset="0"/>
-                <a:cs typeface="Courier New" pitchFamily="49" charset="0"/>
-              </a:rPr>
-              <a:t>V</a:t>
-            </a:r>
-            <a:r>
-              <a:rPr kumimoji="0" lang="nl-NL" altLang="nl-NL" sz="900" b="0" i="0" u="none" strike="noStrike" cap="none" normalizeH="0" baseline="0" dirty="0" smtClean="0">
-                <a:ln>
-                  <a:noFill/>
-                </a:ln>
-                <a:solidFill>
-                  <a:srgbClr val="000000"/>
-                </a:solidFill>
-                <a:effectLst/>
-                <a:latin typeface="Courier New" pitchFamily="49" charset="0"/>
-                <a:cs typeface="Courier New" pitchFamily="49" charset="0"/>
-              </a:rPr>
-              <a:t>&gt;(</a:t>
-            </a:r>
-            <a:r>
-              <a:rPr kumimoji="0" lang="nl-NL" altLang="nl-NL" sz="900" b="1" i="0" u="none" strike="noStrike" cap="none" normalizeH="0" baseline="0" dirty="0" err="1" smtClean="0">
-                <a:ln>
-                  <a:noFill/>
-                </a:ln>
-                <a:solidFill>
-                  <a:srgbClr val="660E7A"/>
-                </a:solidFill>
-                <a:effectLst/>
-                <a:latin typeface="Courier New" pitchFamily="49" charset="0"/>
-                <a:cs typeface="Courier New" pitchFamily="49" charset="0"/>
-              </a:rPr>
-              <a:t>nodeSize</a:t>
-            </a:r>
-            <a:r>
-              <a:rPr kumimoji="0" lang="nl-NL" altLang="nl-NL" sz="900" b="0" i="0" u="none" strike="noStrike" cap="none" normalizeH="0" baseline="0" dirty="0" smtClean="0">
-                <a:ln>
-                  <a:noFill/>
-                </a:ln>
-                <a:solidFill>
-                  <a:srgbClr val="000000"/>
-                </a:solidFill>
-                <a:effectLst/>
-                <a:latin typeface="Courier New" pitchFamily="49" charset="0"/>
-                <a:cs typeface="Courier New" pitchFamily="49" charset="0"/>
-              </a:rPr>
-              <a:t>));</a:t>
-            </a:r>
-            <a:br>
-              <a:rPr kumimoji="0" lang="nl-NL" altLang="nl-NL" sz="900" b="0" i="0" u="none" strike="noStrike" cap="none" normalizeH="0" baseline="0" dirty="0" smtClean="0">
-                <a:ln>
-                  <a:noFill/>
-                </a:ln>
-                <a:solidFill>
-                  <a:srgbClr val="000000"/>
-                </a:solidFill>
-                <a:effectLst/>
-                <a:latin typeface="Courier New" pitchFamily="49" charset="0"/>
-                <a:cs typeface="Courier New" pitchFamily="49" charset="0"/>
-              </a:rPr>
-            </a:br>
-            <a:r>
-              <a:rPr kumimoji="0" lang="nl-NL" altLang="nl-NL" sz="900" b="0" i="0" u="none" strike="noStrike" cap="none" normalizeH="0" baseline="0" dirty="0" smtClean="0">
-                <a:ln>
-                  <a:noFill/>
-                </a:ln>
-                <a:solidFill>
-                  <a:srgbClr val="000000"/>
-                </a:solidFill>
-                <a:effectLst/>
-                <a:latin typeface="Courier New" pitchFamily="49" charset="0"/>
-                <a:cs typeface="Courier New" pitchFamily="49" charset="0"/>
-              </a:rPr>
-              <a:t>                        </a:t>
-            </a:r>
-            <a:r>
-              <a:rPr kumimoji="0" lang="nl-NL" altLang="nl-NL" sz="900" b="1" i="0" u="none" strike="noStrike" cap="none" normalizeH="0" baseline="0" dirty="0" smtClean="0">
-                <a:ln>
-                  <a:noFill/>
-                </a:ln>
-                <a:solidFill>
-                  <a:srgbClr val="000080"/>
-                </a:solidFill>
-                <a:effectLst/>
-                <a:latin typeface="Courier New" pitchFamily="49" charset="0"/>
-                <a:cs typeface="Courier New" pitchFamily="49" charset="0"/>
-              </a:rPr>
-              <a:t>return </a:t>
-            </a:r>
-            <a:r>
-              <a:rPr kumimoji="0" lang="nl-NL" altLang="nl-NL" sz="900" b="1" i="0" u="none" strike="noStrike" cap="none" normalizeH="0" baseline="0" dirty="0" err="1" smtClean="0">
-                <a:ln>
-                  <a:noFill/>
-                </a:ln>
-                <a:solidFill>
-                  <a:srgbClr val="000080"/>
-                </a:solidFill>
-                <a:effectLst/>
-                <a:latin typeface="Courier New" pitchFamily="49" charset="0"/>
-                <a:cs typeface="Courier New" pitchFamily="49" charset="0"/>
-              </a:rPr>
-              <a:t>null</a:t>
-            </a:r>
-            <a:r>
-              <a:rPr kumimoji="0" lang="nl-NL" altLang="nl-NL" sz="900" b="0" i="0" u="none" strike="noStrike" cap="none" normalizeH="0" baseline="0" dirty="0" smtClean="0">
-                <a:ln>
-                  <a:noFill/>
-                </a:ln>
-                <a:solidFill>
-                  <a:srgbClr val="000000"/>
-                </a:solidFill>
-                <a:effectLst/>
-                <a:latin typeface="Courier New" pitchFamily="49" charset="0"/>
-                <a:cs typeface="Courier New" pitchFamily="49" charset="0"/>
-              </a:rPr>
-              <a:t>;</a:t>
-            </a:r>
-            <a:br>
-              <a:rPr kumimoji="0" lang="nl-NL" altLang="nl-NL" sz="900" b="0" i="0" u="none" strike="noStrike" cap="none" normalizeH="0" baseline="0" dirty="0" smtClean="0">
-                <a:ln>
-                  <a:noFill/>
-                </a:ln>
-                <a:solidFill>
-                  <a:srgbClr val="000000"/>
-                </a:solidFill>
-                <a:effectLst/>
-                <a:latin typeface="Courier New" pitchFamily="49" charset="0"/>
-                <a:cs typeface="Courier New" pitchFamily="49" charset="0"/>
-              </a:rPr>
-            </a:br>
-            <a:r>
-              <a:rPr kumimoji="0" lang="nl-NL" altLang="nl-NL" sz="900" b="0" i="0" u="none" strike="noStrike" cap="none" normalizeH="0" baseline="0" dirty="0" smtClean="0">
-                <a:ln>
-                  <a:noFill/>
-                </a:ln>
-                <a:solidFill>
-                  <a:srgbClr val="000000"/>
-                </a:solidFill>
-                <a:effectLst/>
-                <a:latin typeface="Courier New" pitchFamily="49" charset="0"/>
-                <a:cs typeface="Courier New" pitchFamily="49" charset="0"/>
-              </a:rPr>
-              <a:t>                    } </a:t>
-            </a:r>
-            <a:r>
-              <a:rPr kumimoji="0" lang="nl-NL" altLang="nl-NL" sz="900" b="1" i="0" u="none" strike="noStrike" cap="none" normalizeH="0" baseline="0" dirty="0" err="1" smtClean="0">
-                <a:ln>
-                  <a:noFill/>
-                </a:ln>
-                <a:solidFill>
-                  <a:srgbClr val="000080"/>
-                </a:solidFill>
-                <a:effectLst/>
-                <a:latin typeface="Courier New" pitchFamily="49" charset="0"/>
-                <a:cs typeface="Courier New" pitchFamily="49" charset="0"/>
-              </a:rPr>
-              <a:t>else</a:t>
-            </a:r>
-            <a:r>
-              <a:rPr kumimoji="0" lang="nl-NL" altLang="nl-NL" sz="900" b="1" i="0" u="none" strike="noStrike" cap="none" normalizeH="0" baseline="0" dirty="0" smtClean="0">
-                <a:ln>
-                  <a:noFill/>
-                </a:ln>
-                <a:solidFill>
-                  <a:srgbClr val="000080"/>
-                </a:solidFill>
-                <a:effectLst/>
-                <a:latin typeface="Courier New" pitchFamily="49" charset="0"/>
-                <a:cs typeface="Courier New" pitchFamily="49" charset="0"/>
-              </a:rPr>
-              <a:t> </a:t>
-            </a:r>
-            <a:r>
-              <a:rPr kumimoji="0" lang="nl-NL" altLang="nl-NL" sz="900" b="1" i="0" u="none" strike="noStrike" cap="none" normalizeH="0" baseline="0" dirty="0" err="1" smtClean="0">
-                <a:ln>
-                  <a:noFill/>
-                </a:ln>
-                <a:solidFill>
-                  <a:srgbClr val="000080"/>
-                </a:solidFill>
-                <a:effectLst/>
-                <a:latin typeface="Courier New" pitchFamily="49" charset="0"/>
-                <a:cs typeface="Courier New" pitchFamily="49" charset="0"/>
-              </a:rPr>
-              <a:t>if</a:t>
-            </a:r>
-            <a:r>
-              <a:rPr kumimoji="0" lang="nl-NL" altLang="nl-NL" sz="900" b="1" i="0" u="none" strike="noStrike" cap="none" normalizeH="0" baseline="0" dirty="0" smtClean="0">
-                <a:ln>
-                  <a:noFill/>
-                </a:ln>
-                <a:solidFill>
-                  <a:srgbClr val="000080"/>
-                </a:solidFill>
-                <a:effectLst/>
-                <a:latin typeface="Courier New" pitchFamily="49" charset="0"/>
-                <a:cs typeface="Courier New" pitchFamily="49" charset="0"/>
-              </a:rPr>
-              <a:t> </a:t>
-            </a:r>
-            <a:r>
-              <a:rPr kumimoji="0" lang="nl-NL" altLang="nl-NL" sz="900" b="0" i="0" u="none" strike="noStrike" cap="none" normalizeH="0" baseline="0" dirty="0" smtClean="0">
-                <a:ln>
-                  <a:noFill/>
-                </a:ln>
-                <a:solidFill>
-                  <a:srgbClr val="000000"/>
-                </a:solidFill>
-                <a:effectLst/>
-                <a:latin typeface="Courier New" pitchFamily="49" charset="0"/>
-                <a:cs typeface="Courier New" pitchFamily="49" charset="0"/>
-              </a:rPr>
-              <a:t>(i == </a:t>
-            </a:r>
-            <a:r>
-              <a:rPr kumimoji="0" lang="nl-NL" altLang="nl-NL" sz="900" b="0" i="0" u="none" strike="noStrike" cap="none" normalizeH="0" baseline="0" dirty="0" err="1" smtClean="0">
-                <a:ln>
-                  <a:noFill/>
-                </a:ln>
-                <a:solidFill>
-                  <a:srgbClr val="000000"/>
-                </a:solidFill>
-                <a:effectLst/>
-                <a:latin typeface="Courier New" pitchFamily="49" charset="0"/>
-                <a:cs typeface="Courier New" pitchFamily="49" charset="0"/>
-              </a:rPr>
-              <a:t>tree.</a:t>
-            </a:r>
-            <a:r>
-              <a:rPr kumimoji="0" lang="nl-NL" altLang="nl-NL" sz="900" b="1" i="0" u="none" strike="noStrike" cap="none" normalizeH="0" baseline="0" dirty="0" err="1" smtClean="0">
-                <a:ln>
-                  <a:noFill/>
-                </a:ln>
-                <a:solidFill>
-                  <a:srgbClr val="660E7A"/>
-                </a:solidFill>
-                <a:effectLst/>
-                <a:latin typeface="Courier New" pitchFamily="49" charset="0"/>
-                <a:cs typeface="Courier New" pitchFamily="49" charset="0"/>
-              </a:rPr>
-              <a:t>nodes</a:t>
-            </a:r>
-            <a:r>
-              <a:rPr kumimoji="0" lang="nl-NL" altLang="nl-NL" sz="900" b="0" i="0" u="none" strike="noStrike" cap="none" normalizeH="0" baseline="0" dirty="0" err="1" smtClean="0">
-                <a:ln>
-                  <a:noFill/>
-                </a:ln>
-                <a:solidFill>
-                  <a:srgbClr val="000000"/>
-                </a:solidFill>
-                <a:effectLst/>
-                <a:latin typeface="Courier New" pitchFamily="49" charset="0"/>
-                <a:cs typeface="Courier New" pitchFamily="49" charset="0"/>
-              </a:rPr>
-              <a:t>.size</a:t>
-            </a:r>
-            <a:r>
-              <a:rPr kumimoji="0" lang="nl-NL" altLang="nl-NL" sz="900" b="0" i="0" u="none" strike="noStrike" cap="none" normalizeH="0" baseline="0" dirty="0" smtClean="0">
-                <a:ln>
-                  <a:noFill/>
-                </a:ln>
-                <a:solidFill>
-                  <a:srgbClr val="000000"/>
-                </a:solidFill>
-                <a:effectLst/>
-                <a:latin typeface="Courier New" pitchFamily="49" charset="0"/>
-                <a:cs typeface="Courier New" pitchFamily="49" charset="0"/>
-              </a:rPr>
-              <a:t>() - </a:t>
-            </a:r>
-            <a:r>
-              <a:rPr kumimoji="0" lang="nl-NL" altLang="nl-NL" sz="900" b="0" i="0" u="none" strike="noStrike" cap="none" normalizeH="0" baseline="0" dirty="0" smtClean="0">
-                <a:ln>
-                  <a:noFill/>
-                </a:ln>
-                <a:solidFill>
-                  <a:srgbClr val="0000FF"/>
-                </a:solidFill>
-                <a:effectLst/>
-                <a:latin typeface="Courier New" pitchFamily="49" charset="0"/>
-                <a:cs typeface="Courier New" pitchFamily="49" charset="0"/>
-              </a:rPr>
-              <a:t>1</a:t>
-            </a:r>
-            <a:r>
-              <a:rPr kumimoji="0" lang="nl-NL" altLang="nl-NL" sz="900" b="0" i="0" u="none" strike="noStrike" cap="none" normalizeH="0" baseline="0" dirty="0" smtClean="0">
-                <a:ln>
-                  <a:noFill/>
-                </a:ln>
-                <a:solidFill>
-                  <a:srgbClr val="000000"/>
-                </a:solidFill>
-                <a:effectLst/>
-                <a:latin typeface="Courier New" pitchFamily="49" charset="0"/>
-                <a:cs typeface="Courier New" pitchFamily="49" charset="0"/>
-              </a:rPr>
-              <a:t>)</a:t>
-            </a:r>
-            <a:br>
-              <a:rPr kumimoji="0" lang="nl-NL" altLang="nl-NL" sz="900" b="0" i="0" u="none" strike="noStrike" cap="none" normalizeH="0" baseline="0" dirty="0" smtClean="0">
-                <a:ln>
-                  <a:noFill/>
-                </a:ln>
-                <a:solidFill>
-                  <a:srgbClr val="000000"/>
-                </a:solidFill>
-                <a:effectLst/>
-                <a:latin typeface="Courier New" pitchFamily="49" charset="0"/>
-                <a:cs typeface="Courier New" pitchFamily="49" charset="0"/>
-              </a:rPr>
-            </a:br>
-            <a:r>
-              <a:rPr kumimoji="0" lang="nl-NL" altLang="nl-NL" sz="900" b="0" i="0" u="none" strike="noStrike" cap="none" normalizeH="0" baseline="0" dirty="0" smtClean="0">
-                <a:ln>
-                  <a:noFill/>
-                </a:ln>
-                <a:solidFill>
-                  <a:srgbClr val="000000"/>
-                </a:solidFill>
-                <a:effectLst/>
-                <a:latin typeface="Courier New" pitchFamily="49" charset="0"/>
-                <a:cs typeface="Courier New" pitchFamily="49" charset="0"/>
-              </a:rPr>
-              <a:t>                    {</a:t>
-            </a:r>
-            <a:br>
-              <a:rPr kumimoji="0" lang="nl-NL" altLang="nl-NL" sz="900" b="0" i="0" u="none" strike="noStrike" cap="none" normalizeH="0" baseline="0" dirty="0" smtClean="0">
-                <a:ln>
-                  <a:noFill/>
-                </a:ln>
-                <a:solidFill>
-                  <a:srgbClr val="000000"/>
-                </a:solidFill>
-                <a:effectLst/>
-                <a:latin typeface="Courier New" pitchFamily="49" charset="0"/>
-                <a:cs typeface="Courier New" pitchFamily="49" charset="0"/>
-              </a:rPr>
-            </a:br>
-            <a:r>
-              <a:rPr kumimoji="0" lang="nl-NL" altLang="nl-NL" sz="900" b="0" i="0" u="none" strike="noStrike" cap="none" normalizeH="0" baseline="0" dirty="0" smtClean="0">
-                <a:ln>
-                  <a:noFill/>
-                </a:ln>
-                <a:solidFill>
-                  <a:srgbClr val="000000"/>
-                </a:solidFill>
-                <a:effectLst/>
-                <a:latin typeface="Courier New" pitchFamily="49" charset="0"/>
-                <a:cs typeface="Courier New" pitchFamily="49" charset="0"/>
-              </a:rPr>
-              <a:t>                        </a:t>
-            </a:r>
-            <a:r>
-              <a:rPr kumimoji="0" lang="nl-NL" altLang="nl-NL" sz="900" b="0" i="0" u="none" strike="noStrike" cap="none" normalizeH="0" baseline="0" dirty="0" err="1" smtClean="0">
-                <a:ln>
-                  <a:noFill/>
-                </a:ln>
-                <a:solidFill>
-                  <a:srgbClr val="000000"/>
-                </a:solidFill>
-                <a:effectLst/>
-                <a:latin typeface="Courier New" pitchFamily="49" charset="0"/>
-                <a:cs typeface="Courier New" pitchFamily="49" charset="0"/>
-              </a:rPr>
-              <a:t>tree.</a:t>
-            </a:r>
-            <a:r>
-              <a:rPr kumimoji="0" lang="nl-NL" altLang="nl-NL" sz="900" b="1" i="0" u="none" strike="noStrike" cap="none" normalizeH="0" baseline="0" dirty="0" err="1" smtClean="0">
-                <a:ln>
-                  <a:noFill/>
-                </a:ln>
-                <a:solidFill>
-                  <a:srgbClr val="660E7A"/>
-                </a:solidFill>
-                <a:effectLst/>
-                <a:latin typeface="Courier New" pitchFamily="49" charset="0"/>
-                <a:cs typeface="Courier New" pitchFamily="49" charset="0"/>
-              </a:rPr>
-              <a:t>nodes</a:t>
-            </a:r>
-            <a:r>
-              <a:rPr kumimoji="0" lang="nl-NL" altLang="nl-NL" sz="900" b="0" i="0" u="none" strike="noStrike" cap="none" normalizeH="0" baseline="0" dirty="0" err="1" smtClean="0">
-                <a:ln>
-                  <a:noFill/>
-                </a:ln>
-                <a:solidFill>
-                  <a:srgbClr val="000000"/>
-                </a:solidFill>
-                <a:effectLst/>
-                <a:latin typeface="Courier New" pitchFamily="49" charset="0"/>
-                <a:cs typeface="Courier New" pitchFamily="49" charset="0"/>
-              </a:rPr>
-              <a:t>.add</a:t>
-            </a:r>
-            <a:r>
-              <a:rPr kumimoji="0" lang="nl-NL" altLang="nl-NL" sz="900" b="0" i="0" u="none" strike="noStrike" cap="none" normalizeH="0" baseline="0" dirty="0" smtClean="0">
-                <a:ln>
-                  <a:noFill/>
-                </a:ln>
-                <a:solidFill>
-                  <a:srgbClr val="000000"/>
-                </a:solidFill>
-                <a:effectLst/>
-                <a:latin typeface="Courier New" pitchFamily="49" charset="0"/>
-                <a:cs typeface="Courier New" pitchFamily="49" charset="0"/>
-              </a:rPr>
-              <a:t>(</a:t>
-            </a:r>
-            <a:r>
-              <a:rPr kumimoji="0" lang="nl-NL" altLang="nl-NL" sz="900" b="1" i="0" u="none" strike="noStrike" cap="none" normalizeH="0" baseline="0" dirty="0" smtClean="0">
-                <a:ln>
-                  <a:noFill/>
-                </a:ln>
-                <a:solidFill>
-                  <a:srgbClr val="000080"/>
-                </a:solidFill>
-                <a:effectLst/>
-                <a:latin typeface="Courier New" pitchFamily="49" charset="0"/>
-                <a:cs typeface="Courier New" pitchFamily="49" charset="0"/>
-              </a:rPr>
-              <a:t>new </a:t>
-            </a:r>
-            <a:r>
-              <a:rPr kumimoji="0" lang="nl-NL" altLang="nl-NL" sz="900" b="0" i="0" u="none" strike="noStrike" cap="none" normalizeH="0" baseline="0" dirty="0" err="1" smtClean="0">
-                <a:ln>
-                  <a:noFill/>
-                </a:ln>
-                <a:solidFill>
-                  <a:srgbClr val="000000"/>
-                </a:solidFill>
-                <a:effectLst/>
-                <a:latin typeface="Courier New" pitchFamily="49" charset="0"/>
-                <a:cs typeface="Courier New" pitchFamily="49" charset="0"/>
-              </a:rPr>
-              <a:t>KeyValuePair</a:t>
-            </a:r>
-            <a:r>
-              <a:rPr kumimoji="0" lang="nl-NL" altLang="nl-NL" sz="900" b="0" i="0" u="none" strike="noStrike" cap="none" normalizeH="0" baseline="0" dirty="0" smtClean="0">
-                <a:ln>
-                  <a:noFill/>
-                </a:ln>
-                <a:solidFill>
-                  <a:srgbClr val="000000"/>
-                </a:solidFill>
-                <a:effectLst/>
-                <a:latin typeface="Courier New" pitchFamily="49" charset="0"/>
-                <a:cs typeface="Courier New" pitchFamily="49" charset="0"/>
-              </a:rPr>
-              <a:t>&lt;</a:t>
-            </a:r>
-            <a:r>
-              <a:rPr kumimoji="0" lang="nl-NL" altLang="nl-NL" sz="900" b="0" i="0" u="none" strike="noStrike" cap="none" normalizeH="0" baseline="0" dirty="0" smtClean="0">
-                <a:ln>
-                  <a:noFill/>
-                </a:ln>
-                <a:solidFill>
-                  <a:srgbClr val="20999D"/>
-                </a:solidFill>
-                <a:effectLst/>
-                <a:latin typeface="Courier New" pitchFamily="49" charset="0"/>
-                <a:cs typeface="Courier New" pitchFamily="49" charset="0"/>
-              </a:rPr>
-              <a:t>K</a:t>
-            </a:r>
-            <a:r>
-              <a:rPr kumimoji="0" lang="nl-NL" altLang="nl-NL" sz="900" b="0" i="0" u="none" strike="noStrike" cap="none" normalizeH="0" baseline="0" dirty="0" smtClean="0">
-                <a:ln>
-                  <a:noFill/>
-                </a:ln>
-                <a:solidFill>
-                  <a:srgbClr val="000000"/>
-                </a:solidFill>
-                <a:effectLst/>
-                <a:latin typeface="Courier New" pitchFamily="49" charset="0"/>
-                <a:cs typeface="Courier New" pitchFamily="49" charset="0"/>
-              </a:rPr>
-              <a:t>, </a:t>
-            </a:r>
-            <a:r>
-              <a:rPr kumimoji="0" lang="nl-NL" altLang="nl-NL" sz="900" b="0" i="0" u="none" strike="noStrike" cap="none" normalizeH="0" baseline="0" dirty="0" smtClean="0">
-                <a:ln>
-                  <a:noFill/>
-                </a:ln>
-                <a:solidFill>
-                  <a:srgbClr val="20999D"/>
-                </a:solidFill>
-                <a:effectLst/>
-                <a:latin typeface="Courier New" pitchFamily="49" charset="0"/>
-                <a:cs typeface="Courier New" pitchFamily="49" charset="0"/>
-              </a:rPr>
-              <a:t>V</a:t>
-            </a:r>
-            <a:r>
-              <a:rPr kumimoji="0" lang="nl-NL" altLang="nl-NL" sz="900" b="0" i="0" u="none" strike="noStrike" cap="none" normalizeH="0" baseline="0" dirty="0" smtClean="0">
-                <a:ln>
-                  <a:noFill/>
-                </a:ln>
-                <a:solidFill>
-                  <a:srgbClr val="000000"/>
-                </a:solidFill>
-                <a:effectLst/>
-                <a:latin typeface="Courier New" pitchFamily="49" charset="0"/>
-                <a:cs typeface="Courier New" pitchFamily="49" charset="0"/>
-              </a:rPr>
-              <a:t>&gt;(</a:t>
-            </a:r>
-            <a:r>
-              <a:rPr kumimoji="0" lang="nl-NL" altLang="nl-NL" sz="900" b="0" i="0" u="none" strike="noStrike" cap="none" normalizeH="0" baseline="0" dirty="0" err="1" smtClean="0">
-                <a:ln>
-                  <a:noFill/>
-                </a:ln>
-                <a:solidFill>
-                  <a:srgbClr val="000000"/>
-                </a:solidFill>
-                <a:effectLst/>
-                <a:latin typeface="Courier New" pitchFamily="49" charset="0"/>
-                <a:cs typeface="Courier New" pitchFamily="49" charset="0"/>
-              </a:rPr>
-              <a:t>key</a:t>
-            </a:r>
-            <a:r>
-              <a:rPr kumimoji="0" lang="nl-NL" altLang="nl-NL" sz="900" b="0" i="0" u="none" strike="noStrike" cap="none" normalizeH="0" baseline="0" dirty="0" smtClean="0">
-                <a:ln>
-                  <a:noFill/>
-                </a:ln>
-                <a:solidFill>
-                  <a:srgbClr val="000000"/>
-                </a:solidFill>
-                <a:effectLst/>
-                <a:latin typeface="Courier New" pitchFamily="49" charset="0"/>
-                <a:cs typeface="Courier New" pitchFamily="49" charset="0"/>
-              </a:rPr>
-              <a:t>, </a:t>
-            </a:r>
-            <a:r>
-              <a:rPr kumimoji="0" lang="nl-NL" altLang="nl-NL" sz="900" b="0" i="0" u="none" strike="noStrike" cap="none" normalizeH="0" baseline="0" dirty="0" err="1" smtClean="0">
-                <a:ln>
-                  <a:noFill/>
-                </a:ln>
-                <a:solidFill>
-                  <a:srgbClr val="000000"/>
-                </a:solidFill>
-                <a:effectLst/>
-                <a:latin typeface="Courier New" pitchFamily="49" charset="0"/>
-                <a:cs typeface="Courier New" pitchFamily="49" charset="0"/>
-              </a:rPr>
-              <a:t>value</a:t>
-            </a:r>
-            <a:r>
-              <a:rPr kumimoji="0" lang="nl-NL" altLang="nl-NL" sz="900" b="0" i="0" u="none" strike="noStrike" cap="none" normalizeH="0" baseline="0" dirty="0" smtClean="0">
-                <a:ln>
-                  <a:noFill/>
-                </a:ln>
-                <a:solidFill>
-                  <a:srgbClr val="000000"/>
-                </a:solidFill>
-                <a:effectLst/>
-                <a:latin typeface="Courier New" pitchFamily="49" charset="0"/>
-                <a:cs typeface="Courier New" pitchFamily="49" charset="0"/>
-              </a:rPr>
-              <a:t>));</a:t>
-            </a:r>
-            <a:br>
-              <a:rPr kumimoji="0" lang="nl-NL" altLang="nl-NL" sz="900" b="0" i="0" u="none" strike="noStrike" cap="none" normalizeH="0" baseline="0" dirty="0" smtClean="0">
-                <a:ln>
-                  <a:noFill/>
-                </a:ln>
-                <a:solidFill>
-                  <a:srgbClr val="000000"/>
-                </a:solidFill>
-                <a:effectLst/>
-                <a:latin typeface="Courier New" pitchFamily="49" charset="0"/>
-                <a:cs typeface="Courier New" pitchFamily="49" charset="0"/>
-              </a:rPr>
-            </a:br>
-            <a:r>
-              <a:rPr kumimoji="0" lang="nl-NL" altLang="nl-NL" sz="900" b="0" i="0" u="none" strike="noStrike" cap="none" normalizeH="0" baseline="0" dirty="0" smtClean="0">
-                <a:ln>
-                  <a:noFill/>
-                </a:ln>
-                <a:solidFill>
-                  <a:srgbClr val="000000"/>
-                </a:solidFill>
-                <a:effectLst/>
-                <a:latin typeface="Courier New" pitchFamily="49" charset="0"/>
-                <a:cs typeface="Courier New" pitchFamily="49" charset="0"/>
-              </a:rPr>
-              <a:t>                        </a:t>
-            </a:r>
-            <a:r>
-              <a:rPr kumimoji="0" lang="nl-NL" altLang="nl-NL" sz="900" b="0" i="0" u="none" strike="noStrike" cap="none" normalizeH="0" baseline="0" dirty="0" err="1" smtClean="0">
-                <a:ln>
-                  <a:noFill/>
-                </a:ln>
-                <a:solidFill>
-                  <a:srgbClr val="000000"/>
-                </a:solidFill>
-                <a:effectLst/>
-                <a:latin typeface="Courier New" pitchFamily="49" charset="0"/>
-                <a:cs typeface="Courier New" pitchFamily="49" charset="0"/>
-              </a:rPr>
-              <a:t>tree.</a:t>
-            </a:r>
-            <a:r>
-              <a:rPr kumimoji="0" lang="nl-NL" altLang="nl-NL" sz="900" b="1" i="0" u="none" strike="noStrike" cap="none" normalizeH="0" baseline="0" dirty="0" err="1" smtClean="0">
-                <a:ln>
-                  <a:noFill/>
-                </a:ln>
-                <a:solidFill>
-                  <a:srgbClr val="660E7A"/>
-                </a:solidFill>
-                <a:effectLst/>
-                <a:latin typeface="Courier New" pitchFamily="49" charset="0"/>
-                <a:cs typeface="Courier New" pitchFamily="49" charset="0"/>
-              </a:rPr>
-              <a:t>subtrees</a:t>
-            </a:r>
-            <a:r>
-              <a:rPr kumimoji="0" lang="nl-NL" altLang="nl-NL" sz="900" b="0" i="0" u="none" strike="noStrike" cap="none" normalizeH="0" baseline="0" dirty="0" err="1" smtClean="0">
-                <a:ln>
-                  <a:noFill/>
-                </a:ln>
-                <a:solidFill>
-                  <a:srgbClr val="000000"/>
-                </a:solidFill>
-                <a:effectLst/>
-                <a:latin typeface="Courier New" pitchFamily="49" charset="0"/>
-                <a:cs typeface="Courier New" pitchFamily="49" charset="0"/>
-              </a:rPr>
-              <a:t>.add</a:t>
-            </a:r>
-            <a:r>
-              <a:rPr kumimoji="0" lang="nl-NL" altLang="nl-NL" sz="900" b="0" i="0" u="none" strike="noStrike" cap="none" normalizeH="0" baseline="0" dirty="0" smtClean="0">
-                <a:ln>
-                  <a:noFill/>
-                </a:ln>
-                <a:solidFill>
-                  <a:srgbClr val="000000"/>
-                </a:solidFill>
-                <a:effectLst/>
-                <a:latin typeface="Courier New" pitchFamily="49" charset="0"/>
-                <a:cs typeface="Courier New" pitchFamily="49" charset="0"/>
-              </a:rPr>
-              <a:t>(</a:t>
-            </a:r>
-            <a:r>
-              <a:rPr kumimoji="0" lang="nl-NL" altLang="nl-NL" sz="900" b="1" i="0" u="none" strike="noStrike" cap="none" normalizeH="0" baseline="0" dirty="0" smtClean="0">
-                <a:ln>
-                  <a:noFill/>
-                </a:ln>
-                <a:solidFill>
-                  <a:srgbClr val="000080"/>
-                </a:solidFill>
-                <a:effectLst/>
-                <a:latin typeface="Courier New" pitchFamily="49" charset="0"/>
-                <a:cs typeface="Courier New" pitchFamily="49" charset="0"/>
-              </a:rPr>
-              <a:t>new </a:t>
-            </a:r>
-            <a:r>
-              <a:rPr kumimoji="0" lang="nl-NL" altLang="nl-NL" sz="900" b="0" i="0" u="none" strike="noStrike" cap="none" normalizeH="0" baseline="0" dirty="0" err="1" smtClean="0">
-                <a:ln>
-                  <a:noFill/>
-                </a:ln>
-                <a:solidFill>
-                  <a:srgbClr val="000000"/>
-                </a:solidFill>
-                <a:effectLst/>
-                <a:latin typeface="Courier New" pitchFamily="49" charset="0"/>
-                <a:cs typeface="Courier New" pitchFamily="49" charset="0"/>
-              </a:rPr>
-              <a:t>BTree</a:t>
-            </a:r>
-            <a:r>
-              <a:rPr kumimoji="0" lang="nl-NL" altLang="nl-NL" sz="900" b="0" i="0" u="none" strike="noStrike" cap="none" normalizeH="0" baseline="0" dirty="0" smtClean="0">
-                <a:ln>
-                  <a:noFill/>
-                </a:ln>
-                <a:solidFill>
-                  <a:srgbClr val="000000"/>
-                </a:solidFill>
-                <a:effectLst/>
-                <a:latin typeface="Courier New" pitchFamily="49" charset="0"/>
-                <a:cs typeface="Courier New" pitchFamily="49" charset="0"/>
-              </a:rPr>
-              <a:t>&lt;</a:t>
-            </a:r>
-            <a:r>
-              <a:rPr kumimoji="0" lang="nl-NL" altLang="nl-NL" sz="900" b="0" i="0" u="none" strike="noStrike" cap="none" normalizeH="0" baseline="0" dirty="0" smtClean="0">
-                <a:ln>
-                  <a:noFill/>
-                </a:ln>
-                <a:solidFill>
-                  <a:srgbClr val="20999D"/>
-                </a:solidFill>
-                <a:effectLst/>
-                <a:latin typeface="Courier New" pitchFamily="49" charset="0"/>
-                <a:cs typeface="Courier New" pitchFamily="49" charset="0"/>
-              </a:rPr>
-              <a:t>K</a:t>
-            </a:r>
-            <a:r>
-              <a:rPr kumimoji="0" lang="nl-NL" altLang="nl-NL" sz="900" b="0" i="0" u="none" strike="noStrike" cap="none" normalizeH="0" baseline="0" dirty="0" smtClean="0">
-                <a:ln>
-                  <a:noFill/>
-                </a:ln>
-                <a:solidFill>
-                  <a:srgbClr val="000000"/>
-                </a:solidFill>
-                <a:effectLst/>
-                <a:latin typeface="Courier New" pitchFamily="49" charset="0"/>
-                <a:cs typeface="Courier New" pitchFamily="49" charset="0"/>
-              </a:rPr>
-              <a:t>, </a:t>
-            </a:r>
-            <a:r>
-              <a:rPr kumimoji="0" lang="nl-NL" altLang="nl-NL" sz="900" b="0" i="0" u="none" strike="noStrike" cap="none" normalizeH="0" baseline="0" dirty="0" smtClean="0">
-                <a:ln>
-                  <a:noFill/>
-                </a:ln>
-                <a:solidFill>
-                  <a:srgbClr val="20999D"/>
-                </a:solidFill>
-                <a:effectLst/>
-                <a:latin typeface="Courier New" pitchFamily="49" charset="0"/>
-                <a:cs typeface="Courier New" pitchFamily="49" charset="0"/>
-              </a:rPr>
-              <a:t>V</a:t>
-            </a:r>
-            <a:r>
-              <a:rPr kumimoji="0" lang="nl-NL" altLang="nl-NL" sz="900" b="0" i="0" u="none" strike="noStrike" cap="none" normalizeH="0" baseline="0" dirty="0" smtClean="0">
-                <a:ln>
-                  <a:noFill/>
-                </a:ln>
-                <a:solidFill>
-                  <a:srgbClr val="000000"/>
-                </a:solidFill>
-                <a:effectLst/>
-                <a:latin typeface="Courier New" pitchFamily="49" charset="0"/>
-                <a:cs typeface="Courier New" pitchFamily="49" charset="0"/>
-              </a:rPr>
-              <a:t>&gt;(</a:t>
-            </a:r>
-            <a:r>
-              <a:rPr kumimoji="0" lang="nl-NL" altLang="nl-NL" sz="900" b="1" i="0" u="none" strike="noStrike" cap="none" normalizeH="0" baseline="0" dirty="0" err="1" smtClean="0">
-                <a:ln>
-                  <a:noFill/>
-                </a:ln>
-                <a:solidFill>
-                  <a:srgbClr val="660E7A"/>
-                </a:solidFill>
-                <a:effectLst/>
-                <a:latin typeface="Courier New" pitchFamily="49" charset="0"/>
-                <a:cs typeface="Courier New" pitchFamily="49" charset="0"/>
-              </a:rPr>
-              <a:t>nodeSize</a:t>
-            </a:r>
-            <a:r>
-              <a:rPr kumimoji="0" lang="nl-NL" altLang="nl-NL" sz="900" b="0" i="0" u="none" strike="noStrike" cap="none" normalizeH="0" baseline="0" dirty="0" smtClean="0">
-                <a:ln>
-                  <a:noFill/>
-                </a:ln>
-                <a:solidFill>
-                  <a:srgbClr val="000000"/>
-                </a:solidFill>
-                <a:effectLst/>
-                <a:latin typeface="Courier New" pitchFamily="49" charset="0"/>
-                <a:cs typeface="Courier New" pitchFamily="49" charset="0"/>
-              </a:rPr>
-              <a:t>));</a:t>
-            </a:r>
-            <a:br>
-              <a:rPr kumimoji="0" lang="nl-NL" altLang="nl-NL" sz="900" b="0" i="0" u="none" strike="noStrike" cap="none" normalizeH="0" baseline="0" dirty="0" smtClean="0">
-                <a:ln>
-                  <a:noFill/>
-                </a:ln>
-                <a:solidFill>
-                  <a:srgbClr val="000000"/>
-                </a:solidFill>
-                <a:effectLst/>
-                <a:latin typeface="Courier New" pitchFamily="49" charset="0"/>
-                <a:cs typeface="Courier New" pitchFamily="49" charset="0"/>
-              </a:rPr>
-            </a:br>
-            <a:r>
-              <a:rPr kumimoji="0" lang="nl-NL" altLang="nl-NL" sz="900" b="0" i="0" u="none" strike="noStrike" cap="none" normalizeH="0" baseline="0" dirty="0" smtClean="0">
-                <a:ln>
-                  <a:noFill/>
-                </a:ln>
-                <a:solidFill>
-                  <a:srgbClr val="000000"/>
-                </a:solidFill>
-                <a:effectLst/>
-                <a:latin typeface="Courier New" pitchFamily="49" charset="0"/>
-                <a:cs typeface="Courier New" pitchFamily="49" charset="0"/>
-              </a:rPr>
-              <a:t>                        </a:t>
-            </a:r>
-            <a:r>
-              <a:rPr kumimoji="0" lang="nl-NL" altLang="nl-NL" sz="900" b="1" i="0" u="none" strike="noStrike" cap="none" normalizeH="0" baseline="0" dirty="0" smtClean="0">
-                <a:ln>
-                  <a:noFill/>
-                </a:ln>
-                <a:solidFill>
-                  <a:srgbClr val="000080"/>
-                </a:solidFill>
-                <a:effectLst/>
-                <a:latin typeface="Courier New" pitchFamily="49" charset="0"/>
-                <a:cs typeface="Courier New" pitchFamily="49" charset="0"/>
-              </a:rPr>
-              <a:t>return </a:t>
-            </a:r>
-            <a:r>
-              <a:rPr kumimoji="0" lang="nl-NL" altLang="nl-NL" sz="900" b="1" i="0" u="none" strike="noStrike" cap="none" normalizeH="0" baseline="0" dirty="0" err="1" smtClean="0">
-                <a:ln>
-                  <a:noFill/>
-                </a:ln>
-                <a:solidFill>
-                  <a:srgbClr val="000080"/>
-                </a:solidFill>
-                <a:effectLst/>
-                <a:latin typeface="Courier New" pitchFamily="49" charset="0"/>
-                <a:cs typeface="Courier New" pitchFamily="49" charset="0"/>
-              </a:rPr>
-              <a:t>null</a:t>
-            </a:r>
-            <a:r>
-              <a:rPr kumimoji="0" lang="nl-NL" altLang="nl-NL" sz="900" b="0" i="0" u="none" strike="noStrike" cap="none" normalizeH="0" baseline="0" dirty="0" smtClean="0">
-                <a:ln>
-                  <a:noFill/>
-                </a:ln>
-                <a:solidFill>
-                  <a:srgbClr val="000000"/>
-                </a:solidFill>
-                <a:effectLst/>
-                <a:latin typeface="Courier New" pitchFamily="49" charset="0"/>
-                <a:cs typeface="Courier New" pitchFamily="49" charset="0"/>
-              </a:rPr>
-              <a:t>;</a:t>
-            </a:r>
-            <a:br>
-              <a:rPr kumimoji="0" lang="nl-NL" altLang="nl-NL" sz="900" b="0" i="0" u="none" strike="noStrike" cap="none" normalizeH="0" baseline="0" dirty="0" smtClean="0">
-                <a:ln>
-                  <a:noFill/>
-                </a:ln>
-                <a:solidFill>
-                  <a:srgbClr val="000000"/>
-                </a:solidFill>
-                <a:effectLst/>
-                <a:latin typeface="Courier New" pitchFamily="49" charset="0"/>
-                <a:cs typeface="Courier New" pitchFamily="49" charset="0"/>
-              </a:rPr>
-            </a:br>
-            <a:r>
-              <a:rPr kumimoji="0" lang="nl-NL" altLang="nl-NL" sz="900" b="0" i="0" u="none" strike="noStrike" cap="none" normalizeH="0" baseline="0" dirty="0" smtClean="0">
-                <a:ln>
-                  <a:noFill/>
-                </a:ln>
-                <a:solidFill>
-                  <a:srgbClr val="000000"/>
-                </a:solidFill>
-                <a:effectLst/>
-                <a:latin typeface="Courier New" pitchFamily="49" charset="0"/>
-                <a:cs typeface="Courier New" pitchFamily="49" charset="0"/>
-              </a:rPr>
-              <a:t>                    }</a:t>
-            </a:r>
-            <a:br>
-              <a:rPr kumimoji="0" lang="nl-NL" altLang="nl-NL" sz="900" b="0" i="0" u="none" strike="noStrike" cap="none" normalizeH="0" baseline="0" dirty="0" smtClean="0">
-                <a:ln>
-                  <a:noFill/>
-                </a:ln>
-                <a:solidFill>
-                  <a:srgbClr val="000000"/>
-                </a:solidFill>
-                <a:effectLst/>
-                <a:latin typeface="Courier New" pitchFamily="49" charset="0"/>
-                <a:cs typeface="Courier New" pitchFamily="49" charset="0"/>
-              </a:rPr>
-            </a:br>
-            <a:r>
-              <a:rPr kumimoji="0" lang="nl-NL" altLang="nl-NL" sz="900" b="0" i="0" u="none" strike="noStrike" cap="none" normalizeH="0" baseline="0" dirty="0" smtClean="0">
-                <a:ln>
-                  <a:noFill/>
-                </a:ln>
-                <a:solidFill>
-                  <a:srgbClr val="000000"/>
-                </a:solidFill>
-                <a:effectLst/>
-                <a:latin typeface="Courier New" pitchFamily="49" charset="0"/>
-                <a:cs typeface="Courier New" pitchFamily="49" charset="0"/>
-              </a:rPr>
-              <a:t/>
-            </a:r>
-            <a:br>
-              <a:rPr kumimoji="0" lang="nl-NL" altLang="nl-NL" sz="900" b="0" i="0" u="none" strike="noStrike" cap="none" normalizeH="0" baseline="0" dirty="0" smtClean="0">
-                <a:ln>
-                  <a:noFill/>
-                </a:ln>
-                <a:solidFill>
-                  <a:srgbClr val="000000"/>
-                </a:solidFill>
-                <a:effectLst/>
-                <a:latin typeface="Courier New" pitchFamily="49" charset="0"/>
-                <a:cs typeface="Courier New" pitchFamily="49" charset="0"/>
-              </a:rPr>
-            </a:br>
-            <a:r>
-              <a:rPr kumimoji="0" lang="nl-NL" altLang="nl-NL" sz="900" b="0" i="0" u="none" strike="noStrike" cap="none" normalizeH="0" baseline="0" dirty="0" smtClean="0">
-                <a:ln>
-                  <a:noFill/>
-                </a:ln>
-                <a:solidFill>
-                  <a:srgbClr val="000000"/>
-                </a:solidFill>
-                <a:effectLst/>
-                <a:latin typeface="Courier New" pitchFamily="49" charset="0"/>
-                <a:cs typeface="Courier New" pitchFamily="49" charset="0"/>
-              </a:rPr>
-              <a:t>                }</a:t>
-            </a:r>
-            <a:br>
-              <a:rPr kumimoji="0" lang="nl-NL" altLang="nl-NL" sz="900" b="0" i="0" u="none" strike="noStrike" cap="none" normalizeH="0" baseline="0" dirty="0" smtClean="0">
-                <a:ln>
-                  <a:noFill/>
-                </a:ln>
-                <a:solidFill>
-                  <a:srgbClr val="000000"/>
-                </a:solidFill>
-                <a:effectLst/>
-                <a:latin typeface="Courier New" pitchFamily="49" charset="0"/>
-                <a:cs typeface="Courier New" pitchFamily="49" charset="0"/>
-              </a:rPr>
-            </a:br>
-            <a:r>
-              <a:rPr kumimoji="0" lang="nl-NL" altLang="nl-NL" sz="900" b="0" i="0" u="none" strike="noStrike" cap="none" normalizeH="0" baseline="0" dirty="0" smtClean="0">
-                <a:ln>
-                  <a:noFill/>
-                </a:ln>
-                <a:solidFill>
-                  <a:srgbClr val="000000"/>
-                </a:solidFill>
-                <a:effectLst/>
-                <a:latin typeface="Courier New" pitchFamily="49" charset="0"/>
-                <a:cs typeface="Courier New" pitchFamily="49" charset="0"/>
-              </a:rPr>
-              <a:t>            } </a:t>
-            </a:r>
-            <a:r>
-              <a:rPr kumimoji="0" lang="nl-NL" altLang="nl-NL" sz="900" b="1" i="0" u="none" strike="noStrike" cap="none" normalizeH="0" baseline="0" dirty="0" err="1" smtClean="0">
-                <a:ln>
-                  <a:noFill/>
-                </a:ln>
-                <a:solidFill>
-                  <a:srgbClr val="000080"/>
-                </a:solidFill>
-                <a:effectLst/>
-                <a:latin typeface="Courier New" pitchFamily="49" charset="0"/>
-                <a:cs typeface="Courier New" pitchFamily="49" charset="0"/>
-              </a:rPr>
-              <a:t>else</a:t>
-            </a:r>
-            <a:r>
-              <a:rPr kumimoji="0" lang="nl-NL" altLang="nl-NL" sz="900" b="1" i="0" u="none" strike="noStrike" cap="none" normalizeH="0" baseline="0" dirty="0" smtClean="0">
-                <a:ln>
-                  <a:noFill/>
-                </a:ln>
-                <a:solidFill>
-                  <a:srgbClr val="000080"/>
-                </a:solidFill>
-                <a:effectLst/>
-                <a:latin typeface="Courier New" pitchFamily="49" charset="0"/>
-                <a:cs typeface="Courier New" pitchFamily="49" charset="0"/>
-              </a:rPr>
-              <a:t/>
-            </a:r>
-            <a:br>
-              <a:rPr kumimoji="0" lang="nl-NL" altLang="nl-NL" sz="900" b="1" i="0" u="none" strike="noStrike" cap="none" normalizeH="0" baseline="0" dirty="0" smtClean="0">
-                <a:ln>
-                  <a:noFill/>
-                </a:ln>
-                <a:solidFill>
-                  <a:srgbClr val="000080"/>
-                </a:solidFill>
-                <a:effectLst/>
-                <a:latin typeface="Courier New" pitchFamily="49" charset="0"/>
-                <a:cs typeface="Courier New" pitchFamily="49" charset="0"/>
-              </a:rPr>
-            </a:br>
-            <a:r>
-              <a:rPr kumimoji="0" lang="nl-NL" altLang="nl-NL" sz="900" b="1" i="0" u="none" strike="noStrike" cap="none" normalizeH="0" baseline="0" dirty="0" smtClean="0">
-                <a:ln>
-                  <a:noFill/>
-                </a:ln>
-                <a:solidFill>
-                  <a:srgbClr val="000080"/>
-                </a:solidFill>
-                <a:effectLst/>
-                <a:latin typeface="Courier New" pitchFamily="49" charset="0"/>
-                <a:cs typeface="Courier New" pitchFamily="49" charset="0"/>
-              </a:rPr>
-              <a:t>            </a:t>
-            </a:r>
-            <a:r>
-              <a:rPr kumimoji="0" lang="nl-NL" altLang="nl-NL" sz="900" b="0" i="0" u="none" strike="noStrike" cap="none" normalizeH="0" baseline="0" dirty="0" smtClean="0">
-                <a:ln>
-                  <a:noFill/>
-                </a:ln>
-                <a:solidFill>
-                  <a:srgbClr val="000000"/>
-                </a:solidFill>
-                <a:effectLst/>
-                <a:latin typeface="Courier New" pitchFamily="49" charset="0"/>
-                <a:cs typeface="Courier New" pitchFamily="49" charset="0"/>
-              </a:rPr>
-              <a:t>{</a:t>
-            </a:r>
-            <a:br>
-              <a:rPr kumimoji="0" lang="nl-NL" altLang="nl-NL" sz="900" b="0" i="0" u="none" strike="noStrike" cap="none" normalizeH="0" baseline="0" dirty="0" smtClean="0">
-                <a:ln>
-                  <a:noFill/>
-                </a:ln>
-                <a:solidFill>
-                  <a:srgbClr val="000000"/>
-                </a:solidFill>
-                <a:effectLst/>
-                <a:latin typeface="Courier New" pitchFamily="49" charset="0"/>
-                <a:cs typeface="Courier New" pitchFamily="49" charset="0"/>
-              </a:rPr>
-            </a:br>
-            <a:r>
-              <a:rPr kumimoji="0" lang="nl-NL" altLang="nl-NL" sz="900" b="0" i="0" u="none" strike="noStrike" cap="none" normalizeH="0" baseline="0" dirty="0" smtClean="0">
-                <a:ln>
-                  <a:noFill/>
-                </a:ln>
-                <a:solidFill>
-                  <a:srgbClr val="000000"/>
-                </a:solidFill>
-                <a:effectLst/>
-                <a:latin typeface="Courier New" pitchFamily="49" charset="0"/>
-                <a:cs typeface="Courier New" pitchFamily="49" charset="0"/>
-              </a:rPr>
-              <a:t>                </a:t>
-            </a:r>
-            <a:r>
-              <a:rPr kumimoji="0" lang="nl-NL" altLang="nl-NL" sz="900" b="0" i="0" u="none" strike="noStrike" cap="none" normalizeH="0" baseline="0" dirty="0" err="1" smtClean="0">
-                <a:ln>
-                  <a:noFill/>
-                </a:ln>
-                <a:solidFill>
-                  <a:srgbClr val="000000"/>
-                </a:solidFill>
-                <a:effectLst/>
-                <a:latin typeface="Courier New" pitchFamily="49" charset="0"/>
-                <a:cs typeface="Courier New" pitchFamily="49" charset="0"/>
-              </a:rPr>
-              <a:t>tree.</a:t>
-            </a:r>
-            <a:r>
-              <a:rPr kumimoji="0" lang="nl-NL" altLang="nl-NL" sz="900" b="1" i="0" u="none" strike="noStrike" cap="none" normalizeH="0" baseline="0" dirty="0" err="1" smtClean="0">
-                <a:ln>
-                  <a:noFill/>
-                </a:ln>
-                <a:solidFill>
-                  <a:srgbClr val="660E7A"/>
-                </a:solidFill>
-                <a:effectLst/>
-                <a:latin typeface="Courier New" pitchFamily="49" charset="0"/>
-                <a:cs typeface="Courier New" pitchFamily="49" charset="0"/>
-              </a:rPr>
-              <a:t>nodes</a:t>
-            </a:r>
-            <a:r>
-              <a:rPr kumimoji="0" lang="nl-NL" altLang="nl-NL" sz="900" b="0" i="0" u="none" strike="noStrike" cap="none" normalizeH="0" baseline="0" dirty="0" err="1" smtClean="0">
-                <a:ln>
-                  <a:noFill/>
-                </a:ln>
-                <a:solidFill>
-                  <a:srgbClr val="000000"/>
-                </a:solidFill>
-                <a:effectLst/>
-                <a:latin typeface="Courier New" pitchFamily="49" charset="0"/>
-                <a:cs typeface="Courier New" pitchFamily="49" charset="0"/>
-              </a:rPr>
-              <a:t>.add</a:t>
-            </a:r>
-            <a:r>
-              <a:rPr kumimoji="0" lang="nl-NL" altLang="nl-NL" sz="900" b="0" i="0" u="none" strike="noStrike" cap="none" normalizeH="0" baseline="0" dirty="0" smtClean="0">
-                <a:ln>
-                  <a:noFill/>
-                </a:ln>
-                <a:solidFill>
-                  <a:srgbClr val="000000"/>
-                </a:solidFill>
-                <a:effectLst/>
-                <a:latin typeface="Courier New" pitchFamily="49" charset="0"/>
-                <a:cs typeface="Courier New" pitchFamily="49" charset="0"/>
-              </a:rPr>
-              <a:t>(</a:t>
-            </a:r>
-            <a:r>
-              <a:rPr kumimoji="0" lang="nl-NL" altLang="nl-NL" sz="900" b="1" i="0" u="none" strike="noStrike" cap="none" normalizeH="0" baseline="0" dirty="0" smtClean="0">
-                <a:ln>
-                  <a:noFill/>
-                </a:ln>
-                <a:solidFill>
-                  <a:srgbClr val="000080"/>
-                </a:solidFill>
-                <a:effectLst/>
-                <a:latin typeface="Courier New" pitchFamily="49" charset="0"/>
-                <a:cs typeface="Courier New" pitchFamily="49" charset="0"/>
-              </a:rPr>
-              <a:t>new </a:t>
-            </a:r>
-            <a:r>
-              <a:rPr kumimoji="0" lang="nl-NL" altLang="nl-NL" sz="900" b="0" i="0" u="none" strike="noStrike" cap="none" normalizeH="0" baseline="0" dirty="0" err="1" smtClean="0">
-                <a:ln>
-                  <a:noFill/>
-                </a:ln>
-                <a:solidFill>
-                  <a:srgbClr val="000000"/>
-                </a:solidFill>
-                <a:effectLst/>
-                <a:latin typeface="Courier New" pitchFamily="49" charset="0"/>
-                <a:cs typeface="Courier New" pitchFamily="49" charset="0"/>
-              </a:rPr>
-              <a:t>KeyValuePair</a:t>
-            </a:r>
-            <a:r>
-              <a:rPr kumimoji="0" lang="nl-NL" altLang="nl-NL" sz="900" b="0" i="0" u="none" strike="noStrike" cap="none" normalizeH="0" baseline="0" dirty="0" smtClean="0">
-                <a:ln>
-                  <a:noFill/>
-                </a:ln>
-                <a:solidFill>
-                  <a:srgbClr val="000000"/>
-                </a:solidFill>
-                <a:effectLst/>
-                <a:latin typeface="Courier New" pitchFamily="49" charset="0"/>
-                <a:cs typeface="Courier New" pitchFamily="49" charset="0"/>
-              </a:rPr>
-              <a:t>&lt;</a:t>
-            </a:r>
-            <a:r>
-              <a:rPr kumimoji="0" lang="nl-NL" altLang="nl-NL" sz="900" b="0" i="0" u="none" strike="noStrike" cap="none" normalizeH="0" baseline="0" dirty="0" smtClean="0">
-                <a:ln>
-                  <a:noFill/>
-                </a:ln>
-                <a:solidFill>
-                  <a:srgbClr val="20999D"/>
-                </a:solidFill>
-                <a:effectLst/>
-                <a:latin typeface="Courier New" pitchFamily="49" charset="0"/>
-                <a:cs typeface="Courier New" pitchFamily="49" charset="0"/>
-              </a:rPr>
-              <a:t>K</a:t>
-            </a:r>
-            <a:r>
-              <a:rPr kumimoji="0" lang="nl-NL" altLang="nl-NL" sz="900" b="0" i="0" u="none" strike="noStrike" cap="none" normalizeH="0" baseline="0" dirty="0" smtClean="0">
-                <a:ln>
-                  <a:noFill/>
-                </a:ln>
-                <a:solidFill>
-                  <a:srgbClr val="000000"/>
-                </a:solidFill>
-                <a:effectLst/>
-                <a:latin typeface="Courier New" pitchFamily="49" charset="0"/>
-                <a:cs typeface="Courier New" pitchFamily="49" charset="0"/>
-              </a:rPr>
-              <a:t>, </a:t>
-            </a:r>
-            <a:r>
-              <a:rPr kumimoji="0" lang="nl-NL" altLang="nl-NL" sz="900" b="0" i="0" u="none" strike="noStrike" cap="none" normalizeH="0" baseline="0" dirty="0" smtClean="0">
-                <a:ln>
-                  <a:noFill/>
-                </a:ln>
-                <a:solidFill>
-                  <a:srgbClr val="20999D"/>
-                </a:solidFill>
-                <a:effectLst/>
-                <a:latin typeface="Courier New" pitchFamily="49" charset="0"/>
-                <a:cs typeface="Courier New" pitchFamily="49" charset="0"/>
-              </a:rPr>
-              <a:t>V</a:t>
-            </a:r>
-            <a:r>
-              <a:rPr kumimoji="0" lang="nl-NL" altLang="nl-NL" sz="900" b="0" i="0" u="none" strike="noStrike" cap="none" normalizeH="0" baseline="0" dirty="0" smtClean="0">
-                <a:ln>
-                  <a:noFill/>
-                </a:ln>
-                <a:solidFill>
-                  <a:srgbClr val="000000"/>
-                </a:solidFill>
-                <a:effectLst/>
-                <a:latin typeface="Courier New" pitchFamily="49" charset="0"/>
-                <a:cs typeface="Courier New" pitchFamily="49" charset="0"/>
-              </a:rPr>
-              <a:t>&gt;(</a:t>
-            </a:r>
-            <a:r>
-              <a:rPr kumimoji="0" lang="nl-NL" altLang="nl-NL" sz="900" b="0" i="0" u="none" strike="noStrike" cap="none" normalizeH="0" baseline="0" dirty="0" err="1" smtClean="0">
-                <a:ln>
-                  <a:noFill/>
-                </a:ln>
-                <a:solidFill>
-                  <a:srgbClr val="000000"/>
-                </a:solidFill>
-                <a:effectLst/>
-                <a:latin typeface="Courier New" pitchFamily="49" charset="0"/>
-                <a:cs typeface="Courier New" pitchFamily="49" charset="0"/>
-              </a:rPr>
-              <a:t>key</a:t>
-            </a:r>
-            <a:r>
-              <a:rPr kumimoji="0" lang="nl-NL" altLang="nl-NL" sz="900" b="0" i="0" u="none" strike="noStrike" cap="none" normalizeH="0" baseline="0" dirty="0" smtClean="0">
-                <a:ln>
-                  <a:noFill/>
-                </a:ln>
-                <a:solidFill>
-                  <a:srgbClr val="000000"/>
-                </a:solidFill>
-                <a:effectLst/>
-                <a:latin typeface="Courier New" pitchFamily="49" charset="0"/>
-                <a:cs typeface="Courier New" pitchFamily="49" charset="0"/>
-              </a:rPr>
-              <a:t>, </a:t>
-            </a:r>
-            <a:r>
-              <a:rPr kumimoji="0" lang="nl-NL" altLang="nl-NL" sz="900" b="0" i="0" u="none" strike="noStrike" cap="none" normalizeH="0" baseline="0" dirty="0" err="1" smtClean="0">
-                <a:ln>
-                  <a:noFill/>
-                </a:ln>
-                <a:solidFill>
-                  <a:srgbClr val="000000"/>
-                </a:solidFill>
-                <a:effectLst/>
-                <a:latin typeface="Courier New" pitchFamily="49" charset="0"/>
-                <a:cs typeface="Courier New" pitchFamily="49" charset="0"/>
-              </a:rPr>
-              <a:t>value</a:t>
-            </a:r>
-            <a:r>
-              <a:rPr kumimoji="0" lang="nl-NL" altLang="nl-NL" sz="900" b="0" i="0" u="none" strike="noStrike" cap="none" normalizeH="0" baseline="0" dirty="0" smtClean="0">
-                <a:ln>
-                  <a:noFill/>
-                </a:ln>
-                <a:solidFill>
-                  <a:srgbClr val="000000"/>
-                </a:solidFill>
-                <a:effectLst/>
-                <a:latin typeface="Courier New" pitchFamily="49" charset="0"/>
-                <a:cs typeface="Courier New" pitchFamily="49" charset="0"/>
-              </a:rPr>
-              <a:t>));</a:t>
-            </a:r>
-            <a:br>
-              <a:rPr kumimoji="0" lang="nl-NL" altLang="nl-NL" sz="900" b="0" i="0" u="none" strike="noStrike" cap="none" normalizeH="0" baseline="0" dirty="0" smtClean="0">
-                <a:ln>
-                  <a:noFill/>
-                </a:ln>
-                <a:solidFill>
-                  <a:srgbClr val="000000"/>
-                </a:solidFill>
-                <a:effectLst/>
-                <a:latin typeface="Courier New" pitchFamily="49" charset="0"/>
-                <a:cs typeface="Courier New" pitchFamily="49" charset="0"/>
-              </a:rPr>
-            </a:br>
-            <a:r>
-              <a:rPr kumimoji="0" lang="nl-NL" altLang="nl-NL" sz="900" b="0" i="0" u="none" strike="noStrike" cap="none" normalizeH="0" baseline="0" dirty="0" smtClean="0">
-                <a:ln>
-                  <a:noFill/>
-                </a:ln>
-                <a:solidFill>
-                  <a:srgbClr val="000000"/>
-                </a:solidFill>
-                <a:effectLst/>
-                <a:latin typeface="Courier New" pitchFamily="49" charset="0"/>
-                <a:cs typeface="Courier New" pitchFamily="49" charset="0"/>
-              </a:rPr>
-              <a:t>                </a:t>
-            </a:r>
-            <a:r>
-              <a:rPr kumimoji="0" lang="nl-NL" altLang="nl-NL" sz="900" b="0" i="0" u="none" strike="noStrike" cap="none" normalizeH="0" baseline="0" dirty="0" err="1" smtClean="0">
-                <a:ln>
-                  <a:noFill/>
-                </a:ln>
-                <a:solidFill>
-                  <a:srgbClr val="000000"/>
-                </a:solidFill>
-                <a:effectLst/>
-                <a:latin typeface="Courier New" pitchFamily="49" charset="0"/>
-                <a:cs typeface="Courier New" pitchFamily="49" charset="0"/>
-              </a:rPr>
-              <a:t>tree.</a:t>
-            </a:r>
-            <a:r>
-              <a:rPr kumimoji="0" lang="nl-NL" altLang="nl-NL" sz="900" b="1" i="0" u="none" strike="noStrike" cap="none" normalizeH="0" baseline="0" dirty="0" err="1" smtClean="0">
-                <a:ln>
-                  <a:noFill/>
-                </a:ln>
-                <a:solidFill>
-                  <a:srgbClr val="660E7A"/>
-                </a:solidFill>
-                <a:effectLst/>
-                <a:latin typeface="Courier New" pitchFamily="49" charset="0"/>
-                <a:cs typeface="Courier New" pitchFamily="49" charset="0"/>
-              </a:rPr>
-              <a:t>subtrees</a:t>
-            </a:r>
-            <a:r>
-              <a:rPr kumimoji="0" lang="nl-NL" altLang="nl-NL" sz="900" b="0" i="0" u="none" strike="noStrike" cap="none" normalizeH="0" baseline="0" dirty="0" err="1" smtClean="0">
-                <a:ln>
-                  <a:noFill/>
-                </a:ln>
-                <a:solidFill>
-                  <a:srgbClr val="000000"/>
-                </a:solidFill>
-                <a:effectLst/>
-                <a:latin typeface="Courier New" pitchFamily="49" charset="0"/>
-                <a:cs typeface="Courier New" pitchFamily="49" charset="0"/>
-              </a:rPr>
-              <a:t>.add</a:t>
-            </a:r>
-            <a:r>
-              <a:rPr kumimoji="0" lang="nl-NL" altLang="nl-NL" sz="900" b="0" i="0" u="none" strike="noStrike" cap="none" normalizeH="0" baseline="0" dirty="0" smtClean="0">
-                <a:ln>
-                  <a:noFill/>
-                </a:ln>
-                <a:solidFill>
-                  <a:srgbClr val="000000"/>
-                </a:solidFill>
-                <a:effectLst/>
-                <a:latin typeface="Courier New" pitchFamily="49" charset="0"/>
-                <a:cs typeface="Courier New" pitchFamily="49" charset="0"/>
-              </a:rPr>
-              <a:t>(</a:t>
-            </a:r>
-            <a:r>
-              <a:rPr kumimoji="0" lang="nl-NL" altLang="nl-NL" sz="900" b="1" i="0" u="none" strike="noStrike" cap="none" normalizeH="0" baseline="0" dirty="0" smtClean="0">
-                <a:ln>
-                  <a:noFill/>
-                </a:ln>
-                <a:solidFill>
-                  <a:srgbClr val="000080"/>
-                </a:solidFill>
-                <a:effectLst/>
-                <a:latin typeface="Courier New" pitchFamily="49" charset="0"/>
-                <a:cs typeface="Courier New" pitchFamily="49" charset="0"/>
-              </a:rPr>
-              <a:t>new </a:t>
-            </a:r>
-            <a:r>
-              <a:rPr kumimoji="0" lang="nl-NL" altLang="nl-NL" sz="900" b="0" i="0" u="none" strike="noStrike" cap="none" normalizeH="0" baseline="0" dirty="0" err="1" smtClean="0">
-                <a:ln>
-                  <a:noFill/>
-                </a:ln>
-                <a:solidFill>
-                  <a:srgbClr val="000000"/>
-                </a:solidFill>
-                <a:effectLst/>
-                <a:latin typeface="Courier New" pitchFamily="49" charset="0"/>
-                <a:cs typeface="Courier New" pitchFamily="49" charset="0"/>
-              </a:rPr>
-              <a:t>BTree</a:t>
-            </a:r>
-            <a:r>
-              <a:rPr kumimoji="0" lang="nl-NL" altLang="nl-NL" sz="900" b="0" i="0" u="none" strike="noStrike" cap="none" normalizeH="0" baseline="0" dirty="0" smtClean="0">
-                <a:ln>
-                  <a:noFill/>
-                </a:ln>
-                <a:solidFill>
-                  <a:srgbClr val="000000"/>
-                </a:solidFill>
-                <a:effectLst/>
-                <a:latin typeface="Courier New" pitchFamily="49" charset="0"/>
-                <a:cs typeface="Courier New" pitchFamily="49" charset="0"/>
-              </a:rPr>
-              <a:t>&lt;</a:t>
-            </a:r>
-            <a:r>
-              <a:rPr kumimoji="0" lang="nl-NL" altLang="nl-NL" sz="900" b="0" i="0" u="none" strike="noStrike" cap="none" normalizeH="0" baseline="0" dirty="0" smtClean="0">
-                <a:ln>
-                  <a:noFill/>
-                </a:ln>
-                <a:solidFill>
-                  <a:srgbClr val="20999D"/>
-                </a:solidFill>
-                <a:effectLst/>
-                <a:latin typeface="Courier New" pitchFamily="49" charset="0"/>
-                <a:cs typeface="Courier New" pitchFamily="49" charset="0"/>
-              </a:rPr>
-              <a:t>K</a:t>
-            </a:r>
-            <a:r>
-              <a:rPr kumimoji="0" lang="nl-NL" altLang="nl-NL" sz="900" b="0" i="0" u="none" strike="noStrike" cap="none" normalizeH="0" baseline="0" dirty="0" smtClean="0">
-                <a:ln>
-                  <a:noFill/>
-                </a:ln>
-                <a:solidFill>
-                  <a:srgbClr val="000000"/>
-                </a:solidFill>
-                <a:effectLst/>
-                <a:latin typeface="Courier New" pitchFamily="49" charset="0"/>
-                <a:cs typeface="Courier New" pitchFamily="49" charset="0"/>
-              </a:rPr>
-              <a:t>, </a:t>
-            </a:r>
-            <a:r>
-              <a:rPr kumimoji="0" lang="nl-NL" altLang="nl-NL" sz="900" b="0" i="0" u="none" strike="noStrike" cap="none" normalizeH="0" baseline="0" dirty="0" smtClean="0">
-                <a:ln>
-                  <a:noFill/>
-                </a:ln>
-                <a:solidFill>
-                  <a:srgbClr val="20999D"/>
-                </a:solidFill>
-                <a:effectLst/>
-                <a:latin typeface="Courier New" pitchFamily="49" charset="0"/>
-                <a:cs typeface="Courier New" pitchFamily="49" charset="0"/>
-              </a:rPr>
-              <a:t>V</a:t>
-            </a:r>
-            <a:r>
-              <a:rPr kumimoji="0" lang="nl-NL" altLang="nl-NL" sz="900" b="0" i="0" u="none" strike="noStrike" cap="none" normalizeH="0" baseline="0" dirty="0" smtClean="0">
-                <a:ln>
-                  <a:noFill/>
-                </a:ln>
-                <a:solidFill>
-                  <a:srgbClr val="000000"/>
-                </a:solidFill>
-                <a:effectLst/>
-                <a:latin typeface="Courier New" pitchFamily="49" charset="0"/>
-                <a:cs typeface="Courier New" pitchFamily="49" charset="0"/>
-              </a:rPr>
-              <a:t>&gt;(</a:t>
-            </a:r>
-            <a:r>
-              <a:rPr kumimoji="0" lang="nl-NL" altLang="nl-NL" sz="900" b="1" i="0" u="none" strike="noStrike" cap="none" normalizeH="0" baseline="0" dirty="0" err="1" smtClean="0">
-                <a:ln>
-                  <a:noFill/>
-                </a:ln>
-                <a:solidFill>
-                  <a:srgbClr val="660E7A"/>
-                </a:solidFill>
-                <a:effectLst/>
-                <a:latin typeface="Courier New" pitchFamily="49" charset="0"/>
-                <a:cs typeface="Courier New" pitchFamily="49" charset="0"/>
-              </a:rPr>
-              <a:t>nodeSize</a:t>
-            </a:r>
-            <a:r>
-              <a:rPr kumimoji="0" lang="nl-NL" altLang="nl-NL" sz="900" b="0" i="0" u="none" strike="noStrike" cap="none" normalizeH="0" baseline="0" dirty="0" smtClean="0">
-                <a:ln>
-                  <a:noFill/>
-                </a:ln>
-                <a:solidFill>
-                  <a:srgbClr val="000000"/>
-                </a:solidFill>
-                <a:effectLst/>
-                <a:latin typeface="Courier New" pitchFamily="49" charset="0"/>
-                <a:cs typeface="Courier New" pitchFamily="49" charset="0"/>
-              </a:rPr>
-              <a:t>));</a:t>
-            </a:r>
-            <a:br>
-              <a:rPr kumimoji="0" lang="nl-NL" altLang="nl-NL" sz="900" b="0" i="0" u="none" strike="noStrike" cap="none" normalizeH="0" baseline="0" dirty="0" smtClean="0">
-                <a:ln>
-                  <a:noFill/>
-                </a:ln>
-                <a:solidFill>
-                  <a:srgbClr val="000000"/>
-                </a:solidFill>
-                <a:effectLst/>
-                <a:latin typeface="Courier New" pitchFamily="49" charset="0"/>
-                <a:cs typeface="Courier New" pitchFamily="49" charset="0"/>
-              </a:rPr>
-            </a:br>
-            <a:r>
-              <a:rPr kumimoji="0" lang="nl-NL" altLang="nl-NL" sz="900" b="0" i="0" u="none" strike="noStrike" cap="none" normalizeH="0" baseline="0" dirty="0" smtClean="0">
-                <a:ln>
-                  <a:noFill/>
-                </a:ln>
-                <a:solidFill>
-                  <a:srgbClr val="000000"/>
-                </a:solidFill>
-                <a:effectLst/>
-                <a:latin typeface="Courier New" pitchFamily="49" charset="0"/>
-                <a:cs typeface="Courier New" pitchFamily="49" charset="0"/>
-              </a:rPr>
-              <a:t>                </a:t>
-            </a:r>
-            <a:r>
-              <a:rPr kumimoji="0" lang="nl-NL" altLang="nl-NL" sz="900" b="0" i="0" u="none" strike="noStrike" cap="none" normalizeH="0" baseline="0" dirty="0" err="1" smtClean="0">
-                <a:ln>
-                  <a:noFill/>
-                </a:ln>
-                <a:solidFill>
-                  <a:srgbClr val="000000"/>
-                </a:solidFill>
-                <a:effectLst/>
-                <a:latin typeface="Courier New" pitchFamily="49" charset="0"/>
-                <a:cs typeface="Courier New" pitchFamily="49" charset="0"/>
-              </a:rPr>
-              <a:t>tree.</a:t>
-            </a:r>
-            <a:r>
-              <a:rPr kumimoji="0" lang="nl-NL" altLang="nl-NL" sz="900" b="1" i="0" u="none" strike="noStrike" cap="none" normalizeH="0" baseline="0" dirty="0" err="1" smtClean="0">
-                <a:ln>
-                  <a:noFill/>
-                </a:ln>
-                <a:solidFill>
-                  <a:srgbClr val="660E7A"/>
-                </a:solidFill>
-                <a:effectLst/>
-                <a:latin typeface="Courier New" pitchFamily="49" charset="0"/>
-                <a:cs typeface="Courier New" pitchFamily="49" charset="0"/>
-              </a:rPr>
-              <a:t>subtrees</a:t>
-            </a:r>
-            <a:r>
-              <a:rPr kumimoji="0" lang="nl-NL" altLang="nl-NL" sz="900" b="0" i="0" u="none" strike="noStrike" cap="none" normalizeH="0" baseline="0" dirty="0" err="1" smtClean="0">
-                <a:ln>
-                  <a:noFill/>
-                </a:ln>
-                <a:solidFill>
-                  <a:srgbClr val="000000"/>
-                </a:solidFill>
-                <a:effectLst/>
-                <a:latin typeface="Courier New" pitchFamily="49" charset="0"/>
-                <a:cs typeface="Courier New" pitchFamily="49" charset="0"/>
-              </a:rPr>
-              <a:t>.add</a:t>
-            </a:r>
-            <a:r>
-              <a:rPr kumimoji="0" lang="nl-NL" altLang="nl-NL" sz="900" b="0" i="0" u="none" strike="noStrike" cap="none" normalizeH="0" baseline="0" dirty="0" smtClean="0">
-                <a:ln>
-                  <a:noFill/>
-                </a:ln>
-                <a:solidFill>
-                  <a:srgbClr val="000000"/>
-                </a:solidFill>
-                <a:effectLst/>
-                <a:latin typeface="Courier New" pitchFamily="49" charset="0"/>
-                <a:cs typeface="Courier New" pitchFamily="49" charset="0"/>
-              </a:rPr>
-              <a:t>(</a:t>
-            </a:r>
-            <a:r>
-              <a:rPr kumimoji="0" lang="nl-NL" altLang="nl-NL" sz="900" b="1" i="0" u="none" strike="noStrike" cap="none" normalizeH="0" baseline="0" dirty="0" smtClean="0">
-                <a:ln>
-                  <a:noFill/>
-                </a:ln>
-                <a:solidFill>
-                  <a:srgbClr val="000080"/>
-                </a:solidFill>
-                <a:effectLst/>
-                <a:latin typeface="Courier New" pitchFamily="49" charset="0"/>
-                <a:cs typeface="Courier New" pitchFamily="49" charset="0"/>
-              </a:rPr>
-              <a:t>new </a:t>
-            </a:r>
-            <a:r>
-              <a:rPr kumimoji="0" lang="nl-NL" altLang="nl-NL" sz="900" b="0" i="0" u="none" strike="noStrike" cap="none" normalizeH="0" baseline="0" dirty="0" err="1" smtClean="0">
-                <a:ln>
-                  <a:noFill/>
-                </a:ln>
-                <a:solidFill>
-                  <a:srgbClr val="000000"/>
-                </a:solidFill>
-                <a:effectLst/>
-                <a:latin typeface="Courier New" pitchFamily="49" charset="0"/>
-                <a:cs typeface="Courier New" pitchFamily="49" charset="0"/>
-              </a:rPr>
-              <a:t>BTree</a:t>
-            </a:r>
-            <a:r>
-              <a:rPr kumimoji="0" lang="nl-NL" altLang="nl-NL" sz="900" b="0" i="0" u="none" strike="noStrike" cap="none" normalizeH="0" baseline="0" dirty="0" smtClean="0">
-                <a:ln>
-                  <a:noFill/>
-                </a:ln>
-                <a:solidFill>
-                  <a:srgbClr val="000000"/>
-                </a:solidFill>
-                <a:effectLst/>
-                <a:latin typeface="Courier New" pitchFamily="49" charset="0"/>
-                <a:cs typeface="Courier New" pitchFamily="49" charset="0"/>
-              </a:rPr>
-              <a:t>&lt;</a:t>
-            </a:r>
-            <a:r>
-              <a:rPr kumimoji="0" lang="nl-NL" altLang="nl-NL" sz="900" b="0" i="0" u="none" strike="noStrike" cap="none" normalizeH="0" baseline="0" dirty="0" smtClean="0">
-                <a:ln>
-                  <a:noFill/>
-                </a:ln>
-                <a:solidFill>
-                  <a:srgbClr val="20999D"/>
-                </a:solidFill>
-                <a:effectLst/>
-                <a:latin typeface="Courier New" pitchFamily="49" charset="0"/>
-                <a:cs typeface="Courier New" pitchFamily="49" charset="0"/>
-              </a:rPr>
-              <a:t>K</a:t>
-            </a:r>
-            <a:r>
-              <a:rPr kumimoji="0" lang="nl-NL" altLang="nl-NL" sz="900" b="0" i="0" u="none" strike="noStrike" cap="none" normalizeH="0" baseline="0" dirty="0" smtClean="0">
-                <a:ln>
-                  <a:noFill/>
-                </a:ln>
-                <a:solidFill>
-                  <a:srgbClr val="000000"/>
-                </a:solidFill>
-                <a:effectLst/>
-                <a:latin typeface="Courier New" pitchFamily="49" charset="0"/>
-                <a:cs typeface="Courier New" pitchFamily="49" charset="0"/>
-              </a:rPr>
-              <a:t>, </a:t>
-            </a:r>
-            <a:r>
-              <a:rPr kumimoji="0" lang="nl-NL" altLang="nl-NL" sz="900" b="0" i="0" u="none" strike="noStrike" cap="none" normalizeH="0" baseline="0" dirty="0" smtClean="0">
-                <a:ln>
-                  <a:noFill/>
-                </a:ln>
-                <a:solidFill>
-                  <a:srgbClr val="20999D"/>
-                </a:solidFill>
-                <a:effectLst/>
-                <a:latin typeface="Courier New" pitchFamily="49" charset="0"/>
-                <a:cs typeface="Courier New" pitchFamily="49" charset="0"/>
-              </a:rPr>
-              <a:t>V</a:t>
-            </a:r>
-            <a:r>
-              <a:rPr kumimoji="0" lang="nl-NL" altLang="nl-NL" sz="900" b="0" i="0" u="none" strike="noStrike" cap="none" normalizeH="0" baseline="0" dirty="0" smtClean="0">
-                <a:ln>
-                  <a:noFill/>
-                </a:ln>
-                <a:solidFill>
-                  <a:srgbClr val="000000"/>
-                </a:solidFill>
-                <a:effectLst/>
-                <a:latin typeface="Courier New" pitchFamily="49" charset="0"/>
-                <a:cs typeface="Courier New" pitchFamily="49" charset="0"/>
-              </a:rPr>
-              <a:t>&gt;(</a:t>
-            </a:r>
-            <a:r>
-              <a:rPr kumimoji="0" lang="nl-NL" altLang="nl-NL" sz="900" b="1" i="0" u="none" strike="noStrike" cap="none" normalizeH="0" baseline="0" dirty="0" err="1" smtClean="0">
-                <a:ln>
-                  <a:noFill/>
-                </a:ln>
-                <a:solidFill>
-                  <a:srgbClr val="660E7A"/>
-                </a:solidFill>
-                <a:effectLst/>
-                <a:latin typeface="Courier New" pitchFamily="49" charset="0"/>
-                <a:cs typeface="Courier New" pitchFamily="49" charset="0"/>
-              </a:rPr>
-              <a:t>nodeSize</a:t>
-            </a:r>
-            <a:r>
-              <a:rPr kumimoji="0" lang="nl-NL" altLang="nl-NL" sz="900" b="0" i="0" u="none" strike="noStrike" cap="none" normalizeH="0" baseline="0" dirty="0" smtClean="0">
-                <a:ln>
-                  <a:noFill/>
-                </a:ln>
-                <a:solidFill>
-                  <a:srgbClr val="000000"/>
-                </a:solidFill>
-                <a:effectLst/>
-                <a:latin typeface="Courier New" pitchFamily="49" charset="0"/>
-                <a:cs typeface="Courier New" pitchFamily="49" charset="0"/>
-              </a:rPr>
-              <a:t>));</a:t>
-            </a:r>
-            <a:br>
-              <a:rPr kumimoji="0" lang="nl-NL" altLang="nl-NL" sz="900" b="0" i="0" u="none" strike="noStrike" cap="none" normalizeH="0" baseline="0" dirty="0" smtClean="0">
-                <a:ln>
-                  <a:noFill/>
-                </a:ln>
-                <a:solidFill>
-                  <a:srgbClr val="000000"/>
-                </a:solidFill>
-                <a:effectLst/>
-                <a:latin typeface="Courier New" pitchFamily="49" charset="0"/>
-                <a:cs typeface="Courier New" pitchFamily="49" charset="0"/>
-              </a:rPr>
-            </a:br>
-            <a:r>
-              <a:rPr kumimoji="0" lang="nl-NL" altLang="nl-NL" sz="900" b="0" i="0" u="none" strike="noStrike" cap="none" normalizeH="0" baseline="0" dirty="0" smtClean="0">
-                <a:ln>
-                  <a:noFill/>
-                </a:ln>
-                <a:solidFill>
-                  <a:srgbClr val="000000"/>
-                </a:solidFill>
-                <a:effectLst/>
-                <a:latin typeface="Courier New" pitchFamily="49" charset="0"/>
-                <a:cs typeface="Courier New" pitchFamily="49" charset="0"/>
-              </a:rPr>
-              <a:t>                </a:t>
-            </a:r>
-            <a:r>
-              <a:rPr kumimoji="0" lang="nl-NL" altLang="nl-NL" sz="900" b="1" i="0" u="none" strike="noStrike" cap="none" normalizeH="0" baseline="0" dirty="0" smtClean="0">
-                <a:ln>
-                  <a:noFill/>
-                </a:ln>
-                <a:solidFill>
-                  <a:srgbClr val="000080"/>
-                </a:solidFill>
-                <a:effectLst/>
-                <a:latin typeface="Courier New" pitchFamily="49" charset="0"/>
-                <a:cs typeface="Courier New" pitchFamily="49" charset="0"/>
-              </a:rPr>
-              <a:t>return </a:t>
-            </a:r>
-            <a:r>
-              <a:rPr kumimoji="0" lang="nl-NL" altLang="nl-NL" sz="900" b="1" i="0" u="none" strike="noStrike" cap="none" normalizeH="0" baseline="0" dirty="0" err="1" smtClean="0">
-                <a:ln>
-                  <a:noFill/>
-                </a:ln>
-                <a:solidFill>
-                  <a:srgbClr val="000080"/>
-                </a:solidFill>
-                <a:effectLst/>
-                <a:latin typeface="Courier New" pitchFamily="49" charset="0"/>
-                <a:cs typeface="Courier New" pitchFamily="49" charset="0"/>
-              </a:rPr>
-              <a:t>null</a:t>
-            </a:r>
-            <a:r>
-              <a:rPr kumimoji="0" lang="nl-NL" altLang="nl-NL" sz="900" b="0" i="0" u="none" strike="noStrike" cap="none" normalizeH="0" baseline="0" dirty="0" smtClean="0">
-                <a:ln>
-                  <a:noFill/>
-                </a:ln>
-                <a:solidFill>
-                  <a:srgbClr val="000000"/>
-                </a:solidFill>
-                <a:effectLst/>
-                <a:latin typeface="Courier New" pitchFamily="49" charset="0"/>
-                <a:cs typeface="Courier New" pitchFamily="49" charset="0"/>
-              </a:rPr>
-              <a:t>;</a:t>
-            </a:r>
-            <a:br>
-              <a:rPr kumimoji="0" lang="nl-NL" altLang="nl-NL" sz="900" b="0" i="0" u="none" strike="noStrike" cap="none" normalizeH="0" baseline="0" dirty="0" smtClean="0">
-                <a:ln>
-                  <a:noFill/>
-                </a:ln>
-                <a:solidFill>
-                  <a:srgbClr val="000000"/>
-                </a:solidFill>
-                <a:effectLst/>
-                <a:latin typeface="Courier New" pitchFamily="49" charset="0"/>
-                <a:cs typeface="Courier New" pitchFamily="49" charset="0"/>
-              </a:rPr>
-            </a:br>
-            <a:r>
-              <a:rPr kumimoji="0" lang="nl-NL" altLang="nl-NL" sz="900" b="0" i="0" u="none" strike="noStrike" cap="none" normalizeH="0" baseline="0" dirty="0" smtClean="0">
-                <a:ln>
-                  <a:noFill/>
-                </a:ln>
-                <a:solidFill>
-                  <a:srgbClr val="000000"/>
-                </a:solidFill>
-                <a:effectLst/>
-                <a:latin typeface="Courier New" pitchFamily="49" charset="0"/>
-                <a:cs typeface="Courier New" pitchFamily="49" charset="0"/>
-              </a:rPr>
-              <a:t>            }</a:t>
-            </a:r>
-            <a:br>
-              <a:rPr kumimoji="0" lang="nl-NL" altLang="nl-NL" sz="900" b="0" i="0" u="none" strike="noStrike" cap="none" normalizeH="0" baseline="0" dirty="0" smtClean="0">
-                <a:ln>
-                  <a:noFill/>
-                </a:ln>
-                <a:solidFill>
-                  <a:srgbClr val="000000"/>
-                </a:solidFill>
-                <a:effectLst/>
-                <a:latin typeface="Courier New" pitchFamily="49" charset="0"/>
-                <a:cs typeface="Courier New" pitchFamily="49" charset="0"/>
-              </a:rPr>
-            </a:br>
-            <a:r>
-              <a:rPr kumimoji="0" lang="nl-NL" altLang="nl-NL" sz="900" b="0" i="0" u="none" strike="noStrike" cap="none" normalizeH="0" baseline="0" dirty="0" smtClean="0">
-                <a:ln>
-                  <a:noFill/>
-                </a:ln>
-                <a:solidFill>
-                  <a:srgbClr val="000000"/>
-                </a:solidFill>
-                <a:effectLst/>
-                <a:latin typeface="Courier New" pitchFamily="49" charset="0"/>
-                <a:cs typeface="Courier New" pitchFamily="49" charset="0"/>
-              </a:rPr>
-              <a:t>        }</a:t>
-            </a:r>
-            <a:br>
-              <a:rPr kumimoji="0" lang="nl-NL" altLang="nl-NL" sz="900" b="0" i="0" u="none" strike="noStrike" cap="none" normalizeH="0" baseline="0" dirty="0" smtClean="0">
-                <a:ln>
-                  <a:noFill/>
-                </a:ln>
-                <a:solidFill>
-                  <a:srgbClr val="000000"/>
-                </a:solidFill>
-                <a:effectLst/>
-                <a:latin typeface="Courier New" pitchFamily="49" charset="0"/>
-                <a:cs typeface="Courier New" pitchFamily="49" charset="0"/>
-              </a:rPr>
-            </a:br>
-            <a:r>
-              <a:rPr kumimoji="0" lang="nl-NL" altLang="nl-NL" sz="900" b="0" i="0" u="none" strike="noStrike" cap="none" normalizeH="0" baseline="0" dirty="0" smtClean="0">
-                <a:ln>
-                  <a:noFill/>
-                </a:ln>
-                <a:solidFill>
-                  <a:srgbClr val="000000"/>
-                </a:solidFill>
-                <a:effectLst/>
-                <a:latin typeface="Courier New" pitchFamily="49" charset="0"/>
-                <a:cs typeface="Courier New" pitchFamily="49" charset="0"/>
-              </a:rPr>
-              <a:t>        next = </a:t>
-            </a:r>
-            <a:r>
-              <a:rPr kumimoji="0" lang="nl-NL" altLang="nl-NL" sz="900" b="0" i="0" u="none" strike="noStrike" cap="none" normalizeH="0" baseline="0" dirty="0" err="1" smtClean="0">
-                <a:ln>
-                  <a:noFill/>
-                </a:ln>
-                <a:solidFill>
-                  <a:srgbClr val="000000"/>
-                </a:solidFill>
-                <a:effectLst/>
-                <a:latin typeface="Courier New" pitchFamily="49" charset="0"/>
-                <a:cs typeface="Courier New" pitchFamily="49" charset="0"/>
-              </a:rPr>
-              <a:t>tree.getNextTree</a:t>
-            </a:r>
-            <a:r>
-              <a:rPr kumimoji="0" lang="nl-NL" altLang="nl-NL" sz="900" b="0" i="0" u="none" strike="noStrike" cap="none" normalizeH="0" baseline="0" dirty="0" smtClean="0">
-                <a:ln>
-                  <a:noFill/>
-                </a:ln>
-                <a:solidFill>
-                  <a:srgbClr val="000000"/>
-                </a:solidFill>
-                <a:effectLst/>
-                <a:latin typeface="Courier New" pitchFamily="49" charset="0"/>
-                <a:cs typeface="Courier New" pitchFamily="49" charset="0"/>
-              </a:rPr>
-              <a:t>(</a:t>
-            </a:r>
-            <a:r>
-              <a:rPr kumimoji="0" lang="nl-NL" altLang="nl-NL" sz="900" b="0" i="0" u="none" strike="noStrike" cap="none" normalizeH="0" baseline="0" dirty="0" err="1" smtClean="0">
-                <a:ln>
-                  <a:noFill/>
-                </a:ln>
-                <a:solidFill>
-                  <a:srgbClr val="000000"/>
-                </a:solidFill>
-                <a:effectLst/>
-                <a:latin typeface="Courier New" pitchFamily="49" charset="0"/>
-                <a:cs typeface="Courier New" pitchFamily="49" charset="0"/>
-              </a:rPr>
-              <a:t>key</a:t>
-            </a:r>
-            <a:r>
-              <a:rPr kumimoji="0" lang="nl-NL" altLang="nl-NL" sz="900" b="0" i="0" u="none" strike="noStrike" cap="none" normalizeH="0" baseline="0" dirty="0" smtClean="0">
-                <a:ln>
-                  <a:noFill/>
-                </a:ln>
-                <a:solidFill>
-                  <a:srgbClr val="000000"/>
-                </a:solidFill>
-                <a:effectLst/>
-                <a:latin typeface="Courier New" pitchFamily="49" charset="0"/>
-                <a:cs typeface="Courier New" pitchFamily="49" charset="0"/>
-              </a:rPr>
-              <a:t>);</a:t>
-            </a:r>
-            <a:br>
-              <a:rPr kumimoji="0" lang="nl-NL" altLang="nl-NL" sz="900" b="0" i="0" u="none" strike="noStrike" cap="none" normalizeH="0" baseline="0" dirty="0" smtClean="0">
-                <a:ln>
-                  <a:noFill/>
-                </a:ln>
-                <a:solidFill>
-                  <a:srgbClr val="000000"/>
-                </a:solidFill>
-                <a:effectLst/>
-                <a:latin typeface="Courier New" pitchFamily="49" charset="0"/>
-                <a:cs typeface="Courier New" pitchFamily="49" charset="0"/>
-              </a:rPr>
-            </a:br>
-            <a:r>
-              <a:rPr kumimoji="0" lang="nl-NL" altLang="nl-NL" sz="900" b="0" i="0" u="none" strike="noStrike" cap="none" normalizeH="0" baseline="0" dirty="0" smtClean="0">
-                <a:ln>
-                  <a:noFill/>
-                </a:ln>
-                <a:solidFill>
-                  <a:srgbClr val="000000"/>
-                </a:solidFill>
-                <a:effectLst/>
-                <a:latin typeface="Courier New" pitchFamily="49" charset="0"/>
-                <a:cs typeface="Courier New" pitchFamily="49" charset="0"/>
-              </a:rPr>
-              <a:t>    } </a:t>
-            </a:r>
-            <a:r>
-              <a:rPr kumimoji="0" lang="nl-NL" altLang="nl-NL" sz="900" b="1" i="0" u="none" strike="noStrike" cap="none" normalizeH="0" baseline="0" dirty="0" err="1" smtClean="0">
-                <a:ln>
-                  <a:noFill/>
-                </a:ln>
-                <a:solidFill>
-                  <a:srgbClr val="000080"/>
-                </a:solidFill>
-                <a:effectLst/>
-                <a:latin typeface="Courier New" pitchFamily="49" charset="0"/>
-                <a:cs typeface="Courier New" pitchFamily="49" charset="0"/>
-              </a:rPr>
-              <a:t>while</a:t>
-            </a:r>
-            <a:r>
-              <a:rPr kumimoji="0" lang="nl-NL" altLang="nl-NL" sz="900" b="1" i="0" u="none" strike="noStrike" cap="none" normalizeH="0" baseline="0" dirty="0" smtClean="0">
-                <a:ln>
-                  <a:noFill/>
-                </a:ln>
-                <a:solidFill>
-                  <a:srgbClr val="000080"/>
-                </a:solidFill>
-                <a:effectLst/>
-                <a:latin typeface="Courier New" pitchFamily="49" charset="0"/>
-                <a:cs typeface="Courier New" pitchFamily="49" charset="0"/>
-              </a:rPr>
-              <a:t> </a:t>
-            </a:r>
-            <a:r>
-              <a:rPr kumimoji="0" lang="nl-NL" altLang="nl-NL" sz="900" b="0" i="0" u="none" strike="noStrike" cap="none" normalizeH="0" baseline="0" dirty="0" smtClean="0">
-                <a:ln>
-                  <a:noFill/>
-                </a:ln>
-                <a:solidFill>
-                  <a:srgbClr val="000000"/>
-                </a:solidFill>
-                <a:effectLst/>
-                <a:latin typeface="Courier New" pitchFamily="49" charset="0"/>
-                <a:cs typeface="Courier New" pitchFamily="49" charset="0"/>
-              </a:rPr>
-              <a:t>(next != </a:t>
-            </a:r>
-            <a:r>
-              <a:rPr kumimoji="0" lang="nl-NL" altLang="nl-NL" sz="900" b="1" i="0" u="none" strike="noStrike" cap="none" normalizeH="0" baseline="0" dirty="0" err="1" smtClean="0">
-                <a:ln>
-                  <a:noFill/>
-                </a:ln>
-                <a:solidFill>
-                  <a:srgbClr val="000080"/>
-                </a:solidFill>
-                <a:effectLst/>
-                <a:latin typeface="Courier New" pitchFamily="49" charset="0"/>
-                <a:cs typeface="Courier New" pitchFamily="49" charset="0"/>
-              </a:rPr>
-              <a:t>null</a:t>
-            </a:r>
-            <a:r>
-              <a:rPr kumimoji="0" lang="nl-NL" altLang="nl-NL" sz="900" b="1" i="0" u="none" strike="noStrike" cap="none" normalizeH="0" baseline="0" dirty="0" smtClean="0">
-                <a:ln>
-                  <a:noFill/>
-                </a:ln>
-                <a:solidFill>
-                  <a:srgbClr val="000080"/>
-                </a:solidFill>
-                <a:effectLst/>
-                <a:latin typeface="Courier New" pitchFamily="49" charset="0"/>
-                <a:cs typeface="Courier New" pitchFamily="49" charset="0"/>
-              </a:rPr>
-              <a:t> </a:t>
-            </a:r>
-            <a:r>
-              <a:rPr kumimoji="0" lang="nl-NL" altLang="nl-NL" sz="900" b="0" i="0" u="none" strike="noStrike" cap="none" normalizeH="0" baseline="0" dirty="0" smtClean="0">
-                <a:ln>
-                  <a:noFill/>
-                </a:ln>
-                <a:solidFill>
-                  <a:srgbClr val="000000"/>
-                </a:solidFill>
-                <a:effectLst/>
-                <a:latin typeface="Courier New" pitchFamily="49" charset="0"/>
-                <a:cs typeface="Courier New" pitchFamily="49" charset="0"/>
-              </a:rPr>
-              <a:t>&amp;&amp; ! </a:t>
-            </a:r>
-            <a:r>
-              <a:rPr kumimoji="0" lang="nl-NL" altLang="nl-NL" sz="900" b="0" i="0" u="none" strike="noStrike" cap="none" normalizeH="0" baseline="0" dirty="0" err="1" smtClean="0">
-                <a:ln>
-                  <a:noFill/>
-                </a:ln>
-                <a:solidFill>
-                  <a:srgbClr val="000000"/>
-                </a:solidFill>
-                <a:effectLst/>
-                <a:latin typeface="Courier New" pitchFamily="49" charset="0"/>
-                <a:cs typeface="Courier New" pitchFamily="49" charset="0"/>
-              </a:rPr>
-              <a:t>tree.equals</a:t>
-            </a:r>
-            <a:r>
-              <a:rPr kumimoji="0" lang="nl-NL" altLang="nl-NL" sz="900" b="0" i="0" u="none" strike="noStrike" cap="none" normalizeH="0" baseline="0" dirty="0" smtClean="0">
-                <a:ln>
-                  <a:noFill/>
-                </a:ln>
-                <a:solidFill>
-                  <a:srgbClr val="000000"/>
-                </a:solidFill>
-                <a:effectLst/>
-                <a:latin typeface="Courier New" pitchFamily="49" charset="0"/>
-                <a:cs typeface="Courier New" pitchFamily="49" charset="0"/>
-              </a:rPr>
               <a:t>(next));</a:t>
-            </a:r>
-            <a:br>
-              <a:rPr kumimoji="0" lang="nl-NL" altLang="nl-NL" sz="900" b="0" i="0" u="none" strike="noStrike" cap="none" normalizeH="0" baseline="0" dirty="0" smtClean="0">
-                <a:ln>
-                  <a:noFill/>
-                </a:ln>
-                <a:solidFill>
-                  <a:srgbClr val="000000"/>
-                </a:solidFill>
-                <a:effectLst/>
-                <a:latin typeface="Courier New" pitchFamily="49" charset="0"/>
-                <a:cs typeface="Courier New" pitchFamily="49" charset="0"/>
-              </a:rPr>
-            </a:br>
-            <a:r>
-              <a:rPr kumimoji="0" lang="nl-NL" altLang="nl-NL" sz="900" b="0" i="0" u="none" strike="noStrike" cap="none" normalizeH="0" baseline="0" dirty="0" smtClean="0">
-                <a:ln>
-                  <a:noFill/>
-                </a:ln>
-                <a:solidFill>
-                  <a:srgbClr val="000000"/>
-                </a:solidFill>
-                <a:effectLst/>
-                <a:latin typeface="Courier New" pitchFamily="49" charset="0"/>
-                <a:cs typeface="Courier New" pitchFamily="49" charset="0"/>
-              </a:rPr>
-              <a:t/>
-            </a:r>
-            <a:br>
-              <a:rPr kumimoji="0" lang="nl-NL" altLang="nl-NL" sz="900" b="0" i="0" u="none" strike="noStrike" cap="none" normalizeH="0" baseline="0" dirty="0" smtClean="0">
-                <a:ln>
-                  <a:noFill/>
-                </a:ln>
-                <a:solidFill>
-                  <a:srgbClr val="000000"/>
-                </a:solidFill>
-                <a:effectLst/>
-                <a:latin typeface="Courier New" pitchFamily="49" charset="0"/>
-                <a:cs typeface="Courier New" pitchFamily="49" charset="0"/>
-              </a:rPr>
-            </a:br>
-            <a:r>
-              <a:rPr kumimoji="0" lang="nl-NL" altLang="nl-NL" sz="900" b="0" i="0" u="none" strike="noStrike" cap="none" normalizeH="0" baseline="0" dirty="0" smtClean="0">
-                <a:ln>
-                  <a:noFill/>
-                </a:ln>
-                <a:solidFill>
-                  <a:srgbClr val="000000"/>
-                </a:solidFill>
-                <a:effectLst/>
-                <a:latin typeface="Courier New" pitchFamily="49" charset="0"/>
-                <a:cs typeface="Courier New" pitchFamily="49" charset="0"/>
-              </a:rPr>
-              <a:t>    </a:t>
-            </a:r>
-            <a:r>
-              <a:rPr kumimoji="0" lang="nl-NL" altLang="nl-NL" sz="900" b="1" i="0" u="none" strike="noStrike" cap="none" normalizeH="0" baseline="0" dirty="0" smtClean="0">
-                <a:ln>
-                  <a:noFill/>
-                </a:ln>
-                <a:solidFill>
-                  <a:srgbClr val="000080"/>
-                </a:solidFill>
-                <a:effectLst/>
-                <a:latin typeface="Courier New" pitchFamily="49" charset="0"/>
-                <a:cs typeface="Courier New" pitchFamily="49" charset="0"/>
-              </a:rPr>
-              <a:t>return </a:t>
-            </a:r>
-            <a:r>
-              <a:rPr kumimoji="0" lang="nl-NL" altLang="nl-NL" sz="900" b="1" i="0" u="none" strike="noStrike" cap="none" normalizeH="0" baseline="0" dirty="0" err="1" smtClean="0">
-                <a:ln>
-                  <a:noFill/>
-                </a:ln>
-                <a:solidFill>
-                  <a:srgbClr val="000080"/>
-                </a:solidFill>
-                <a:effectLst/>
-                <a:latin typeface="Courier New" pitchFamily="49" charset="0"/>
-                <a:cs typeface="Courier New" pitchFamily="49" charset="0"/>
-              </a:rPr>
-              <a:t>null</a:t>
-            </a:r>
-            <a:r>
-              <a:rPr kumimoji="0" lang="nl-NL" altLang="nl-NL" sz="900" b="0" i="0" u="none" strike="noStrike" cap="none" normalizeH="0" baseline="0" dirty="0" smtClean="0">
-                <a:ln>
-                  <a:noFill/>
-                </a:ln>
-                <a:solidFill>
-                  <a:srgbClr val="000000"/>
-                </a:solidFill>
-                <a:effectLst/>
-                <a:latin typeface="Courier New" pitchFamily="49" charset="0"/>
-                <a:cs typeface="Courier New" pitchFamily="49" charset="0"/>
-              </a:rPr>
-              <a:t>;</a:t>
-            </a:r>
-            <a:br>
-              <a:rPr kumimoji="0" lang="nl-NL" altLang="nl-NL" sz="900" b="0" i="0" u="none" strike="noStrike" cap="none" normalizeH="0" baseline="0" dirty="0" smtClean="0">
-                <a:ln>
-                  <a:noFill/>
-                </a:ln>
-                <a:solidFill>
-                  <a:srgbClr val="000000"/>
-                </a:solidFill>
-                <a:effectLst/>
-                <a:latin typeface="Courier New" pitchFamily="49" charset="0"/>
-                <a:cs typeface="Courier New" pitchFamily="49" charset="0"/>
-              </a:rPr>
-            </a:br>
-            <a:r>
-              <a:rPr kumimoji="0" lang="nl-NL" altLang="nl-NL" sz="900" b="0" i="0" u="none" strike="noStrike" cap="none" normalizeH="0" baseline="0" dirty="0" smtClean="0">
-                <a:ln>
-                  <a:noFill/>
-                </a:ln>
-                <a:solidFill>
-                  <a:srgbClr val="000000"/>
-                </a:solidFill>
-                <a:effectLst/>
-                <a:latin typeface="Courier New" pitchFamily="49" charset="0"/>
-                <a:cs typeface="Courier New" pitchFamily="49" charset="0"/>
-              </a:rPr>
-              <a:t>}</a:t>
             </a:r>
             <a:endParaRPr kumimoji="0" lang="nl-NL" altLang="nl-NL" sz="900" b="0" i="0" u="none" strike="noStrike" cap="none" normalizeH="0" baseline="0" dirty="0" smtClean="0">
               <a:ln>
@@ -10392,6 +9479,88 @@
               <a:latin typeface="Arial" pitchFamily="34" charset="0"/>
               <a:cs typeface="Arial" pitchFamily="34" charset="0"/>
             </a:endParaRPr>
+          </a:p>
+        </p:txBody>
+      </p:sp>
+      <p:sp>
+        <p:nvSpPr>
+          <p:cNvPr id="4" name="Rechthoek 3"/>
+          <p:cNvSpPr/>
+          <p:nvPr/>
+        </p:nvSpPr>
+        <p:spPr>
+          <a:xfrm>
+            <a:off x="3635896" y="2780928"/>
+            <a:ext cx="5256584" cy="1728192"/>
+          </a:xfrm>
+          <a:prstGeom prst="rect">
+            <a:avLst/>
+          </a:prstGeom>
+          <a:noFill/>
+        </p:spPr>
+        <p:style>
+          <a:lnRef idx="2">
+            <a:schemeClr val="accent1">
+              <a:shade val="50000"/>
+            </a:schemeClr>
+          </a:lnRef>
+          <a:fillRef idx="1">
+            <a:schemeClr val="accent1"/>
+          </a:fillRef>
+          <a:effectRef idx="0">
+            <a:schemeClr val="accent1"/>
+          </a:effectRef>
+          <a:fontRef idx="minor">
+            <a:schemeClr val="lt1"/>
+          </a:fontRef>
+        </p:style>
+        <p:txBody>
+          <a:bodyPr rtlCol="0" anchor="ctr"/>
+          <a:lstStyle/>
+          <a:p>
+            <a:pPr algn="ctr"/>
+            <a:endParaRPr lang="nl-NL"/>
+          </a:p>
+        </p:txBody>
+      </p:sp>
+      <p:sp>
+        <p:nvSpPr>
+          <p:cNvPr id="6" name="Rechthoek 5"/>
+          <p:cNvSpPr/>
+          <p:nvPr/>
+        </p:nvSpPr>
+        <p:spPr>
+          <a:xfrm>
+            <a:off x="3635896" y="5013176"/>
+            <a:ext cx="5256584" cy="648072"/>
+          </a:xfrm>
+          <a:prstGeom prst="rect">
+            <a:avLst/>
+          </a:prstGeom>
+          <a:noFill/>
+        </p:spPr>
+        <p:style>
+          <a:lnRef idx="2">
+            <a:schemeClr val="accent1">
+              <a:shade val="50000"/>
+            </a:schemeClr>
+          </a:lnRef>
+          <a:fillRef idx="1">
+            <a:schemeClr val="accent1"/>
+          </a:fillRef>
+          <a:effectRef idx="0">
+            <a:schemeClr val="accent1"/>
+          </a:effectRef>
+          <a:fontRef idx="minor">
+            <a:schemeClr val="lt1"/>
+          </a:fontRef>
+        </p:style>
+        <p:txBody>
+          <a:bodyPr rtlCol="0" anchor="ctr"/>
+          <a:lstStyle/>
+          <a:p>
+            <a:pPr algn="ctr"/>
+            <a:endParaRPr lang="nl-NL"/>
           </a:p>
         </p:txBody>
       </p:sp>
@@ -14346,6 +13515,16 @@
             <a:r>
               <a:rPr lang="nl-NL" dirty="0" smtClean="0"/>
               <a:t>Geen balanceer slagen</a:t>
+            </a:r>
+          </a:p>
+          <a:p>
+            <a:r>
+              <a:rPr lang="nl-NL" dirty="0"/>
+              <a:t>Hoge kans om een gedegenereerde </a:t>
+            </a:r>
+            <a:r>
+              <a:rPr lang="nl-NL" dirty="0" smtClean="0"/>
+              <a:t>boom te word</a:t>
             </a:r>
             <a:endParaRPr lang="nl-NL" dirty="0"/>
           </a:p>
